--- a/final results/Relazione.pptx
+++ b/final results/Relazione.pptx
@@ -715,6 +715,7 @@
     </c:legend>
     <c:plotVisOnly val="1"/>
     <c:dispBlanksAs val="zero"/>
+    <c:showDLblsOverMax val="0"/>
     <c:extLst>
       <c:ext xmlns:c16r3="http://schemas.microsoft.com/office/drawing/2017/03/chart" uri="{56B9EC1D-385E-4148-901F-78D8002777C0}">
         <c16r3:dataDisplayOptions16>
@@ -722,7 +723,6 @@
         </c16r3:dataDisplayOptions16>
       </c:ext>
     </c:extLst>
-    <c:showDLblsOverMax val="0"/>
   </c:chart>
   <c:spPr>
     <a:solidFill>
@@ -1321,6 +1321,7 @@
     </c:legend>
     <c:plotVisOnly val="1"/>
     <c:dispBlanksAs val="gap"/>
+    <c:showDLblsOverMax val="0"/>
     <c:extLst>
       <c:ext xmlns:c16r3="http://schemas.microsoft.com/office/drawing/2017/03/chart" uri="{56B9EC1D-385E-4148-901F-78D8002777C0}">
         <c16r3:dataDisplayOptions16>
@@ -1328,7 +1329,6 @@
         </c16r3:dataDisplayOptions16>
       </c:ext>
     </c:extLst>
-    <c:showDLblsOverMax val="0"/>
   </c:chart>
   <c:spPr>
     <a:solidFill>
@@ -1982,6 +1982,7 @@
     </c:legend>
     <c:plotVisOnly val="1"/>
     <c:dispBlanksAs val="gap"/>
+    <c:showDLblsOverMax val="0"/>
     <c:extLst>
       <c:ext xmlns:c16r3="http://schemas.microsoft.com/office/drawing/2017/03/chart" uri="{56B9EC1D-385E-4148-901F-78D8002777C0}">
         <c16r3:dataDisplayOptions16>
@@ -1989,7 +1990,6 @@
         </c16r3:dataDisplayOptions16>
       </c:ext>
     </c:extLst>
-    <c:showDLblsOverMax val="0"/>
   </c:chart>
   <c:spPr>
     <a:solidFill>
@@ -2648,6 +2648,7 @@
     </c:legend>
     <c:plotVisOnly val="1"/>
     <c:dispBlanksAs val="gap"/>
+    <c:showDLblsOverMax val="0"/>
     <c:extLst>
       <c:ext xmlns:c16r3="http://schemas.microsoft.com/office/drawing/2017/03/chart" uri="{56B9EC1D-385E-4148-901F-78D8002777C0}">
         <c16r3:dataDisplayOptions16>
@@ -2655,7 +2656,6 @@
         </c16r3:dataDisplayOptions16>
       </c:ext>
     </c:extLst>
-    <c:showDLblsOverMax val="0"/>
   </c:chart>
   <c:spPr>
     <a:solidFill>
@@ -3317,6 +3317,7 @@
     </c:legend>
     <c:plotVisOnly val="1"/>
     <c:dispBlanksAs val="zero"/>
+    <c:showDLblsOverMax val="0"/>
     <c:extLst>
       <c:ext xmlns:c16r3="http://schemas.microsoft.com/office/drawing/2017/03/chart" uri="{56B9EC1D-385E-4148-901F-78D8002777C0}">
         <c16r3:dataDisplayOptions16>
@@ -3324,7 +3325,6 @@
         </c16r3:dataDisplayOptions16>
       </c:ext>
     </c:extLst>
-    <c:showDLblsOverMax val="0"/>
   </c:chart>
   <c:spPr>
     <a:solidFill>
@@ -3978,6 +3978,7 @@
     </c:legend>
     <c:plotVisOnly val="1"/>
     <c:dispBlanksAs val="gap"/>
+    <c:showDLblsOverMax val="0"/>
     <c:extLst>
       <c:ext xmlns:c16r3="http://schemas.microsoft.com/office/drawing/2017/03/chart" uri="{56B9EC1D-385E-4148-901F-78D8002777C0}">
         <c16r3:dataDisplayOptions16>
@@ -3985,7 +3986,6 @@
         </c16r3:dataDisplayOptions16>
       </c:ext>
     </c:extLst>
-    <c:showDLblsOverMax val="0"/>
   </c:chart>
   <c:spPr>
     <a:solidFill>
@@ -4639,6 +4639,7 @@
     </c:legend>
     <c:plotVisOnly val="1"/>
     <c:dispBlanksAs val="gap"/>
+    <c:showDLblsOverMax val="0"/>
     <c:extLst>
       <c:ext xmlns:c16r3="http://schemas.microsoft.com/office/drawing/2017/03/chart" uri="{56B9EC1D-385E-4148-901F-78D8002777C0}">
         <c16r3:dataDisplayOptions16>
@@ -4646,7 +4647,6 @@
         </c16r3:dataDisplayOptions16>
       </c:ext>
     </c:extLst>
-    <c:showDLblsOverMax val="0"/>
   </c:chart>
   <c:spPr>
     <a:solidFill>
@@ -8559,7 +8559,7 @@
             <a:pPr rtl="0"/>
             <a:fld id="{3CC097E2-C1A8-45B5-8DD2-EA6696F7EE1C}" type="datetime1">
               <a:rPr lang="it-IT" smtClean="0"/>
-              <a:t>11/05/2020</a:t>
+              <a:t>16/05/2020</a:t>
             </a:fld>
             <a:endParaRPr lang="it-IT" dirty="0"/>
           </a:p>
@@ -8729,7 +8729,7 @@
             <a:fld id="{7F9C49DA-EF53-46E1-8D2F-E5AD170D68F7}" type="datetime1">
               <a:rPr lang="it-IT" smtClean="0"/>
               <a:pPr/>
-              <a:t>11/05/2020</a:t>
+              <a:t>16/05/2020</a:t>
             </a:fld>
             <a:endParaRPr lang="it-IT" dirty="0"/>
           </a:p>
@@ -9683,7 +9683,7 @@
             <a:pPr rtl="0"/>
             <a:fld id="{E4973A7A-4209-43E9-99B3-6B59C9756F91}" type="datetime1">
               <a:rPr lang="it-IT" smtClean="0"/>
-              <a:t>11/05/2020</a:t>
+              <a:t>16/05/2020</a:t>
             </a:fld>
             <a:endParaRPr lang="it-IT" dirty="0"/>
           </a:p>
@@ -9886,7 +9886,7 @@
             <a:pPr rtl="0"/>
             <a:fld id="{B78B0084-E10E-4817-BDAE-932E8737945B}" type="datetime1">
               <a:rPr lang="it-IT" smtClean="0"/>
-              <a:t>11/05/2020</a:t>
+              <a:t>16/05/2020</a:t>
             </a:fld>
             <a:endParaRPr lang="it-IT" dirty="0"/>
           </a:p>
@@ -10164,7 +10164,7 @@
             <a:fld id="{2D37122F-874F-48B2-ACE2-0E33110ED286}" type="datetime1">
               <a:rPr lang="it-IT" smtClean="0"/>
               <a:pPr/>
-              <a:t>11/05/2020</a:t>
+              <a:t>16/05/2020</a:t>
             </a:fld>
             <a:endParaRPr lang="it-IT" dirty="0"/>
           </a:p>
@@ -10360,7 +10360,7 @@
             <a:pPr rtl="0"/>
             <a:fld id="{0FAF0824-C3FA-4EB7-BB72-C75DA1716884}" type="datetime1">
               <a:rPr lang="it-IT" smtClean="0"/>
-              <a:t>11/05/2020</a:t>
+              <a:t>16/05/2020</a:t>
             </a:fld>
             <a:endParaRPr lang="it-IT" dirty="0"/>
           </a:p>
@@ -10746,7 +10746,7 @@
             <a:pPr rtl="0"/>
             <a:fld id="{E0464D3B-8E25-4DB1-84E0-219829AEE0E1}" type="datetime1">
               <a:rPr lang="it-IT" smtClean="0"/>
-              <a:t>11/05/2020</a:t>
+              <a:t>16/05/2020</a:t>
             </a:fld>
             <a:endParaRPr lang="it-IT" dirty="0"/>
           </a:p>
@@ -11011,7 +11011,7 @@
             <a:pPr rtl="0"/>
             <a:fld id="{530E296F-8CE9-430C-9F53-13A1C8C5EC41}" type="datetime1">
               <a:rPr lang="it-IT" smtClean="0"/>
-              <a:t>11/05/2020</a:t>
+              <a:t>16/05/2020</a:t>
             </a:fld>
             <a:endParaRPr lang="it-IT" dirty="0"/>
           </a:p>
@@ -11389,7 +11389,7 @@
             <a:pPr rtl="0"/>
             <a:fld id="{4999F434-6DF7-466A-AAC9-9DD2C29A434C}" type="datetime1">
               <a:rPr lang="it-IT" smtClean="0"/>
-              <a:t>11/05/2020</a:t>
+              <a:t>16/05/2020</a:t>
             </a:fld>
             <a:endParaRPr lang="it-IT" dirty="0"/>
           </a:p>
@@ -11523,7 +11523,7 @@
             <a:pPr rtl="0"/>
             <a:fld id="{055B652D-F48B-4BAB-8291-7C3A3D6531D8}" type="datetime1">
               <a:rPr lang="it-IT" smtClean="0"/>
-              <a:t>11/05/2020</a:t>
+              <a:t>16/05/2020</a:t>
             </a:fld>
             <a:endParaRPr lang="it-IT" dirty="0"/>
           </a:p>
@@ -11633,7 +11633,7 @@
             <a:pPr rtl="0"/>
             <a:fld id="{40691292-BC42-4503-BCF0-54DC7A09D527}" type="datetime1">
               <a:rPr lang="it-IT" smtClean="0"/>
-              <a:t>11/05/2020</a:t>
+              <a:t>16/05/2020</a:t>
             </a:fld>
             <a:endParaRPr lang="it-IT" dirty="0"/>
           </a:p>
@@ -11930,7 +11930,7 @@
             <a:pPr rtl="0"/>
             <a:fld id="{DA59007C-71C1-45B6-9C08-D6C2086C0629}" type="datetime1">
               <a:rPr lang="it-IT" smtClean="0"/>
-              <a:t>11/05/2020</a:t>
+              <a:t>16/05/2020</a:t>
             </a:fld>
             <a:endParaRPr lang="it-IT" dirty="0"/>
           </a:p>
@@ -12205,7 +12205,7 @@
             <a:pPr rtl="0"/>
             <a:fld id="{C9604D06-2BD0-44B1-AD13-FD755D153433}" type="datetime1">
               <a:rPr lang="it-IT" smtClean="0"/>
-              <a:t>11/05/2020</a:t>
+              <a:t>16/05/2020</a:t>
             </a:fld>
             <a:endParaRPr lang="it-IT" dirty="0"/>
           </a:p>
@@ -12531,7 +12531,7 @@
             <a:fld id="{50F62044-751B-41C8-9D85-1AB1BCC2C196}" type="datetime1">
               <a:rPr lang="it-IT" smtClean="0"/>
               <a:pPr/>
-              <a:t>11/05/2020</a:t>
+              <a:t>16/05/2020</a:t>
             </a:fld>
             <a:endParaRPr lang="it-IT" dirty="0"/>
           </a:p>
@@ -14243,10 +14243,124 @@
           <a:bodyPr/>
           <a:lstStyle/>
           <a:p>
-            <a:endParaRPr lang="it-IT"/>
+            <a:r>
+              <a:rPr lang="it-IT" dirty="0" smtClean="0"/>
+              <a:t>Libreria scelta: </a:t>
+            </a:r>
+            <a:r>
+              <a:rPr lang="it-IT" dirty="0" err="1" smtClean="0"/>
+              <a:t>Eigen</a:t>
+            </a:r>
+            <a:r>
+              <a:rPr lang="it-IT" dirty="0" smtClean="0"/>
+              <a:t>.</a:t>
+            </a:r>
+          </a:p>
+          <a:p>
+            <a:r>
+              <a:rPr lang="it-IT" dirty="0" smtClean="0"/>
+              <a:t>I passi dell’analisi seguono lo schema utilizzato per MATLAB, con alcune complicazioni riguardo:</a:t>
+            </a:r>
+          </a:p>
+          <a:p>
+            <a:pPr marL="914400" lvl="1" indent="-457200">
+              <a:buFont typeface="+mj-lt"/>
+              <a:buAutoNum type="arabicPeriod"/>
+            </a:pPr>
+            <a:r>
+              <a:rPr lang="it-IT" dirty="0" smtClean="0"/>
+              <a:t>Caricamento a memoria della matrice: scrittura di un metodo ad-hoc per matrici Matrix Market.</a:t>
+            </a:r>
+          </a:p>
+          <a:p>
+            <a:pPr marL="914400" lvl="1" indent="-457200">
+              <a:buFont typeface="+mj-lt"/>
+              <a:buAutoNum type="arabicPeriod"/>
+            </a:pPr>
+            <a:r>
+              <a:rPr lang="it-IT" dirty="0" smtClean="0"/>
+              <a:t>Spazio in memoria utilizzato: calcolo empirico sfruttando la struttura CSC/CSR</a:t>
+            </a:r>
+          </a:p>
+          <a:p>
+            <a:pPr marL="457200" lvl="1" indent="0">
+              <a:buNone/>
+            </a:pPr>
+            <a:endParaRPr lang="it-IT" dirty="0" smtClean="0"/>
+          </a:p>
+          <a:p>
+            <a:r>
+              <a:rPr lang="it-IT" dirty="0" smtClean="0"/>
+              <a:t>Risultati peggiori in termini di tempo di calcolo della decomposizione </a:t>
+            </a:r>
+            <a:r>
+              <a:rPr lang="it-IT" dirty="0" err="1" smtClean="0"/>
+              <a:t>Cholesky</a:t>
+            </a:r>
+            <a:r>
+              <a:rPr lang="it-IT" dirty="0" smtClean="0"/>
+              <a:t>, causato dalla natura single-core di </a:t>
+            </a:r>
+            <a:r>
+              <a:rPr lang="it-IT" dirty="0" err="1" smtClean="0"/>
+              <a:t>Eigen</a:t>
+            </a:r>
+            <a:r>
+              <a:rPr lang="it-IT" dirty="0" smtClean="0"/>
+              <a:t>. I tempi sarebbero migliorabili utilizzando il modulo per il supporto a </a:t>
+            </a:r>
+            <a:r>
+              <a:rPr lang="it-IT" dirty="0" err="1" smtClean="0"/>
+              <a:t>PaStiX</a:t>
+            </a:r>
+            <a:r>
+              <a:rPr lang="it-IT" dirty="0" smtClean="0"/>
+              <a:t> o </a:t>
+            </a:r>
+            <a:r>
+              <a:rPr lang="it-IT" dirty="0" err="1" smtClean="0"/>
+              <a:t>ParadisoMKT</a:t>
+            </a:r>
+            <a:r>
+              <a:rPr lang="it-IT" dirty="0" smtClean="0"/>
+              <a:t>.</a:t>
+            </a:r>
+          </a:p>
+          <a:p>
+            <a:endParaRPr lang="it-IT" dirty="0"/>
           </a:p>
         </p:txBody>
       </p:sp>
+      <p:pic>
+        <p:nvPicPr>
+          <p:cNvPr id="5" name="Immagine 4"/>
+          <p:cNvPicPr>
+            <a:picLocks noChangeAspect="1"/>
+          </p:cNvPicPr>
+          <p:nvPr/>
+        </p:nvPicPr>
+        <p:blipFill>
+          <a:blip r:embed="rId2">
+            <a:extLst>
+              <a:ext uri="{28A0092B-C50C-407E-A947-70E740481C1C}">
+                <a14:useLocalDpi xmlns:a14="http://schemas.microsoft.com/office/drawing/2010/main" val="0"/>
+              </a:ext>
+            </a:extLst>
+          </a:blip>
+          <a:stretch>
+            <a:fillRect/>
+          </a:stretch>
+        </p:blipFill>
+        <p:spPr>
+          <a:xfrm>
+            <a:off x="2273507" y="4493710"/>
+            <a:ext cx="8013941" cy="218960"/>
+          </a:xfrm>
+          <a:prstGeom prst="rect">
+            <a:avLst/>
+          </a:prstGeom>
+        </p:spPr>
+      </p:pic>
     </p:spTree>
     <p:extLst>
       <p:ext uri="{BB962C8B-B14F-4D97-AF65-F5344CB8AC3E}">

--- a/final results/Relazione.pptx
+++ b/final results/Relazione.pptx
@@ -715,7 +715,6 @@
     </c:legend>
     <c:plotVisOnly val="1"/>
     <c:dispBlanksAs val="zero"/>
-    <c:showDLblsOverMax val="0"/>
     <c:extLst>
       <c:ext xmlns:c16r3="http://schemas.microsoft.com/office/drawing/2017/03/chart" uri="{56B9EC1D-385E-4148-901F-78D8002777C0}">
         <c16r3:dataDisplayOptions16>
@@ -723,6 +722,7 @@
         </c16r3:dataDisplayOptions16>
       </c:ext>
     </c:extLst>
+    <c:showDLblsOverMax val="0"/>
   </c:chart>
   <c:spPr>
     <a:solidFill>
@@ -1321,7 +1321,6 @@
     </c:legend>
     <c:plotVisOnly val="1"/>
     <c:dispBlanksAs val="gap"/>
-    <c:showDLblsOverMax val="0"/>
     <c:extLst>
       <c:ext xmlns:c16r3="http://schemas.microsoft.com/office/drawing/2017/03/chart" uri="{56B9EC1D-385E-4148-901F-78D8002777C0}">
         <c16r3:dataDisplayOptions16>
@@ -1329,6 +1328,7 @@
         </c16r3:dataDisplayOptions16>
       </c:ext>
     </c:extLst>
+    <c:showDLblsOverMax val="0"/>
   </c:chart>
   <c:spPr>
     <a:solidFill>
@@ -1982,7 +1982,6 @@
     </c:legend>
     <c:plotVisOnly val="1"/>
     <c:dispBlanksAs val="gap"/>
-    <c:showDLblsOverMax val="0"/>
     <c:extLst>
       <c:ext xmlns:c16r3="http://schemas.microsoft.com/office/drawing/2017/03/chart" uri="{56B9EC1D-385E-4148-901F-78D8002777C0}">
         <c16r3:dataDisplayOptions16>
@@ -1990,6 +1989,7 @@
         </c16r3:dataDisplayOptions16>
       </c:ext>
     </c:extLst>
+    <c:showDLblsOverMax val="0"/>
   </c:chart>
   <c:spPr>
     <a:solidFill>
@@ -2648,7 +2648,6 @@
     </c:legend>
     <c:plotVisOnly val="1"/>
     <c:dispBlanksAs val="gap"/>
-    <c:showDLblsOverMax val="0"/>
     <c:extLst>
       <c:ext xmlns:c16r3="http://schemas.microsoft.com/office/drawing/2017/03/chart" uri="{56B9EC1D-385E-4148-901F-78D8002777C0}">
         <c16r3:dataDisplayOptions16>
@@ -2656,6 +2655,7 @@
         </c16r3:dataDisplayOptions16>
       </c:ext>
     </c:extLst>
+    <c:showDLblsOverMax val="0"/>
   </c:chart>
   <c:spPr>
     <a:solidFill>
@@ -3317,7 +3317,6 @@
     </c:legend>
     <c:plotVisOnly val="1"/>
     <c:dispBlanksAs val="zero"/>
-    <c:showDLblsOverMax val="0"/>
     <c:extLst>
       <c:ext xmlns:c16r3="http://schemas.microsoft.com/office/drawing/2017/03/chart" uri="{56B9EC1D-385E-4148-901F-78D8002777C0}">
         <c16r3:dataDisplayOptions16>
@@ -3325,6 +3324,7 @@
         </c16r3:dataDisplayOptions16>
       </c:ext>
     </c:extLst>
+    <c:showDLblsOverMax val="0"/>
   </c:chart>
   <c:spPr>
     <a:solidFill>
@@ -3978,7 +3978,6 @@
     </c:legend>
     <c:plotVisOnly val="1"/>
     <c:dispBlanksAs val="gap"/>
-    <c:showDLblsOverMax val="0"/>
     <c:extLst>
       <c:ext xmlns:c16r3="http://schemas.microsoft.com/office/drawing/2017/03/chart" uri="{56B9EC1D-385E-4148-901F-78D8002777C0}">
         <c16r3:dataDisplayOptions16>
@@ -3986,6 +3985,7 @@
         </c16r3:dataDisplayOptions16>
       </c:ext>
     </c:extLst>
+    <c:showDLblsOverMax val="0"/>
   </c:chart>
   <c:spPr>
     <a:solidFill>
@@ -4639,7 +4639,6 @@
     </c:legend>
     <c:plotVisOnly val="1"/>
     <c:dispBlanksAs val="gap"/>
-    <c:showDLblsOverMax val="0"/>
     <c:extLst>
       <c:ext xmlns:c16r3="http://schemas.microsoft.com/office/drawing/2017/03/chart" uri="{56B9EC1D-385E-4148-901F-78D8002777C0}">
         <c16r3:dataDisplayOptions16>
@@ -4647,6 +4646,7 @@
         </c16r3:dataDisplayOptions16>
       </c:ext>
     </c:extLst>
+    <c:showDLblsOverMax val="0"/>
   </c:chart>
   <c:spPr>
     <a:solidFill>
@@ -13366,7 +13366,7 @@
           <a:p>
             <a:r>
               <a:rPr lang="it-IT" dirty="0"/>
-              <a:t>Alberici Federico</a:t>
+              <a:t>Alberici Federico 808058</a:t>
             </a:r>
           </a:p>
           <a:p>
@@ -13384,7 +13384,7 @@
           <a:p>
             <a:r>
               <a:rPr lang="it-IT" dirty="0"/>
-              <a:t>Traversa Silvia</a:t>
+              <a:t>Traversa Silvia 816435</a:t>
             </a:r>
           </a:p>
         </p:txBody>
@@ -14020,7 +14020,7 @@
         <p:spPr/>
         <p:txBody>
           <a:bodyPr rtlCol="0">
-            <a:normAutofit fontScale="92500" lnSpcReduction="20000"/>
+            <a:normAutofit lnSpcReduction="10000"/>
           </a:bodyPr>
           <a:lstStyle/>
           <a:p>
@@ -14061,44 +14061,6 @@
             <a:r>
               <a:rPr lang="it-IT" dirty="0"/>
               <a:t> abbiamo calcolato il tempo di esecuzione di tutto lo script e anche quello di calcolo dei vari elementi del codice.</a:t>
-            </a:r>
-          </a:p>
-          <a:p>
-            <a:r>
-              <a:rPr lang="it-IT" dirty="0"/>
-              <a:t>Prima di eseguire la </a:t>
-            </a:r>
-            <a:r>
-              <a:rPr lang="it-IT" i="1" dirty="0"/>
-              <a:t>decomposizione di Choleski</a:t>
-            </a:r>
-            <a:r>
-              <a:rPr lang="it-IT" dirty="0"/>
-              <a:t>, abbiamo risolto il sistema in questo modo </a:t>
-            </a:r>
-            <a:r>
-              <a:rPr lang="it-IT" i="1" dirty="0"/>
-              <a:t>b = A * </a:t>
-            </a:r>
-            <a:r>
-              <a:rPr lang="it-IT" i="1" dirty="0" err="1"/>
-              <a:t>xe</a:t>
-            </a:r>
-            <a:r>
-              <a:rPr lang="it-IT" i="1" dirty="0"/>
-              <a:t>'</a:t>
-            </a:r>
-            <a:r>
-              <a:rPr lang="it-IT" dirty="0"/>
-              <a:t>, poi attraverso il comando </a:t>
-            </a:r>
-            <a:r>
-              <a:rPr lang="it-IT" i="1" dirty="0"/>
-              <a:t>Chol</a:t>
-            </a:r>
-            <a:r>
-              <a:rPr lang="it-IT" dirty="0"/>
-              <a:t> eseguito la decomposizione. </a:t>
             </a:r>
           </a:p>
           <a:p>
@@ -14244,21 +14206,21 @@
           <a:lstStyle/>
           <a:p>
             <a:r>
-              <a:rPr lang="it-IT" dirty="0" smtClean="0"/>
+              <a:rPr lang="it-IT" dirty="0"/>
               <a:t>Libreria scelta: </a:t>
             </a:r>
             <a:r>
-              <a:rPr lang="it-IT" dirty="0" err="1" smtClean="0"/>
+              <a:rPr lang="it-IT" dirty="0" err="1"/>
               <a:t>Eigen</a:t>
             </a:r>
             <a:r>
-              <a:rPr lang="it-IT" dirty="0" smtClean="0"/>
+              <a:rPr lang="it-IT" dirty="0"/>
               <a:t>.</a:t>
             </a:r>
           </a:p>
           <a:p>
             <a:r>
-              <a:rPr lang="it-IT" dirty="0" smtClean="0"/>
+              <a:rPr lang="it-IT" dirty="0"/>
               <a:t>I passi dell’analisi seguono lo schema utilizzato per MATLAB, con alcune complicazioni riguardo:</a:t>
             </a:r>
           </a:p>
@@ -14268,7 +14230,7 @@
               <a:buAutoNum type="arabicPeriod"/>
             </a:pPr>
             <a:r>
-              <a:rPr lang="it-IT" dirty="0" smtClean="0"/>
+              <a:rPr lang="it-IT" dirty="0"/>
               <a:t>Caricamento a memoria della matrice: scrittura di un metodo ad-hoc per matrici Matrix Market.</a:t>
             </a:r>
           </a:p>
@@ -14278,7 +14240,7 @@
               <a:buAutoNum type="arabicPeriod"/>
             </a:pPr>
             <a:r>
-              <a:rPr lang="it-IT" dirty="0" smtClean="0"/>
+              <a:rPr lang="it-IT" dirty="0"/>
               <a:t>Spazio in memoria utilizzato: calcolo empirico sfruttando la struttura CSC/CSR</a:t>
             </a:r>
           </a:p>
@@ -14286,43 +14248,43 @@
             <a:pPr marL="457200" lvl="1" indent="0">
               <a:buNone/>
             </a:pPr>
-            <a:endParaRPr lang="it-IT" dirty="0" smtClean="0"/>
-          </a:p>
-          <a:p>
-            <a:r>
-              <a:rPr lang="it-IT" dirty="0" smtClean="0"/>
+            <a:endParaRPr lang="it-IT" dirty="0"/>
+          </a:p>
+          <a:p>
+            <a:r>
+              <a:rPr lang="it-IT" dirty="0"/>
               <a:t>Risultati peggiori in termini di tempo di calcolo della decomposizione </a:t>
             </a:r>
             <a:r>
-              <a:rPr lang="it-IT" dirty="0" err="1" smtClean="0"/>
+              <a:rPr lang="it-IT" dirty="0" err="1"/>
               <a:t>Cholesky</a:t>
             </a:r>
             <a:r>
-              <a:rPr lang="it-IT" dirty="0" smtClean="0"/>
+              <a:rPr lang="it-IT" dirty="0"/>
               <a:t>, causato dalla natura single-core di </a:t>
             </a:r>
             <a:r>
-              <a:rPr lang="it-IT" dirty="0" err="1" smtClean="0"/>
+              <a:rPr lang="it-IT" dirty="0" err="1"/>
               <a:t>Eigen</a:t>
             </a:r>
             <a:r>
-              <a:rPr lang="it-IT" dirty="0" smtClean="0"/>
+              <a:rPr lang="it-IT" dirty="0"/>
               <a:t>. I tempi sarebbero migliorabili utilizzando il modulo per il supporto a </a:t>
             </a:r>
             <a:r>
-              <a:rPr lang="it-IT" dirty="0" err="1" smtClean="0"/>
+              <a:rPr lang="it-IT" dirty="0" err="1"/>
               <a:t>PaStiX</a:t>
             </a:r>
             <a:r>
-              <a:rPr lang="it-IT" dirty="0" smtClean="0"/>
+              <a:rPr lang="it-IT" dirty="0"/>
               <a:t> o </a:t>
             </a:r>
             <a:r>
-              <a:rPr lang="it-IT" dirty="0" err="1" smtClean="0"/>
+              <a:rPr lang="it-IT" dirty="0" err="1"/>
               <a:t>ParadisoMKT</a:t>
             </a:r>
             <a:r>
-              <a:rPr lang="it-IT" dirty="0" smtClean="0"/>
+              <a:rPr lang="it-IT" dirty="0"/>
               <a:t>.</a:t>
             </a:r>
           </a:p>
@@ -14449,10 +14411,92 @@
         </p:nvSpPr>
         <p:spPr/>
         <p:txBody>
-          <a:bodyPr/>
+          <a:bodyPr>
+            <a:normAutofit lnSpcReduction="10000"/>
+          </a:bodyPr>
           <a:lstStyle/>
           <a:p>
-            <a:endParaRPr lang="it-IT"/>
+            <a:r>
+              <a:rPr lang="it-IT" dirty="0"/>
+              <a:t>Abbiamo deciso di ricorrere alla libreria </a:t>
+            </a:r>
+            <a:r>
+              <a:rPr lang="it-IT" i="1" dirty="0"/>
+              <a:t>spam,</a:t>
+            </a:r>
+            <a:r>
+              <a:rPr lang="it-IT" dirty="0"/>
+              <a:t> implementa la funzione che permette di effettuare la decomposizione di </a:t>
+            </a:r>
+            <a:r>
+              <a:rPr lang="it-IT" dirty="0" err="1"/>
+              <a:t>Choleksy</a:t>
+            </a:r>
+            <a:r>
+              <a:rPr lang="it-IT" dirty="0"/>
+              <a:t>.</a:t>
+            </a:r>
+          </a:p>
+          <a:p>
+            <a:r>
+              <a:rPr lang="it-IT" dirty="0"/>
+              <a:t>Importiamo la matrice con la funzione </a:t>
+            </a:r>
+            <a:r>
+              <a:rPr lang="it-IT" i="1" dirty="0"/>
+              <a:t>read.MM</a:t>
+            </a:r>
+            <a:r>
+              <a:rPr lang="it-IT" dirty="0"/>
+              <a:t>, che ci permette di salvarla in formato sparso.</a:t>
+            </a:r>
+          </a:p>
+          <a:p>
+            <a:r>
+              <a:rPr lang="it-IT" dirty="0"/>
+              <a:t>Grazie al comando </a:t>
+            </a:r>
+            <a:r>
+              <a:rPr lang="it-IT" i="1" dirty="0" err="1"/>
+              <a:t>chol.spam</a:t>
+            </a:r>
+            <a:r>
+              <a:rPr lang="it-IT" dirty="0"/>
+              <a:t> effettuiamo la decomposizione di </a:t>
+            </a:r>
+            <a:r>
+              <a:rPr lang="it-IT" dirty="0" err="1"/>
+              <a:t>Cholesky</a:t>
+            </a:r>
+            <a:r>
+              <a:rPr lang="it-IT" dirty="0"/>
+              <a:t> sulla matrice in esame, la funzione riconosce da sola se la matrice passata è simmetrica e definita positiva.</a:t>
+            </a:r>
+          </a:p>
+          <a:p>
+            <a:r>
+              <a:rPr lang="it-IT" dirty="0"/>
+              <a:t>La libreria in uso implementa anche la funzione </a:t>
+            </a:r>
+            <a:r>
+              <a:rPr lang="it-IT" i="1" dirty="0" err="1"/>
+              <a:t>solve.spam</a:t>
+            </a:r>
+            <a:r>
+              <a:rPr lang="it-IT" dirty="0"/>
+              <a:t> che, dato in input il risultato della funzione </a:t>
+            </a:r>
+            <a:r>
+              <a:rPr lang="it-IT" i="1" dirty="0" err="1"/>
+              <a:t>chol.spam</a:t>
+            </a:r>
+            <a:r>
+              <a:rPr lang="it-IT" dirty="0"/>
+              <a:t>, calcola direttamente il risultato del sistema lineare.</a:t>
+            </a:r>
+          </a:p>
+          <a:p>
+            <a:endParaRPr lang="it-IT" dirty="0"/>
           </a:p>
         </p:txBody>
       </p:sp>

--- a/final results/Relazione.pptx
+++ b/final results/Relazione.pptx
@@ -13377,9 +13377,10 @@
           </a:p>
           <a:p>
             <a:r>
-              <a:rPr lang="it-IT" dirty="0"/>
-              <a:t>Cocca Umberto</a:t>
-            </a:r>
+              <a:rPr lang="it-IT"/>
+              <a:t>Cocca Umberto 807191</a:t>
+            </a:r>
+            <a:endParaRPr lang="it-IT" dirty="0"/>
           </a:p>
           <a:p>
             <a:r>

--- a/final results/Relazione.pptx
+++ b/final results/Relazione.pptx
@@ -14427,10 +14427,14 @@
             </a:r>
             <a:r>
               <a:rPr lang="it-IT" dirty="0"/>
-              <a:t> implementa la funzione che permette di effettuare la decomposizione di </a:t>
-            </a:r>
-            <a:r>
-              <a:rPr lang="it-IT" dirty="0" err="1"/>
+              <a:t> implementa la funzione che permette di effettuare la decomposizione di</a:t>
+            </a:r>
+            <a:r>
+              <a:rPr lang="it-IT" i="1" dirty="0"/>
+              <a:t> </a:t>
+            </a:r>
+            <a:r>
+              <a:rPr lang="it-IT" i="1" dirty="0" err="1"/>
               <a:t>Choleksy</a:t>
             </a:r>
             <a:r>
@@ -14592,7 +14596,120 @@
           <a:bodyPr/>
           <a:lstStyle/>
           <a:p>
-            <a:endParaRPr lang="it-IT"/>
+            <a:r>
+              <a:rPr lang="it-IT" dirty="0"/>
+              <a:t>Il calcolo della decomposizione di </a:t>
+            </a:r>
+            <a:r>
+              <a:rPr lang="it-IT" i="1" dirty="0" err="1"/>
+              <a:t>Cholesky</a:t>
+            </a:r>
+            <a:r>
+              <a:rPr lang="it-IT" dirty="0"/>
+              <a:t> può essere eseguito con la libreria </a:t>
+            </a:r>
+            <a:r>
+              <a:rPr lang="it-IT" i="1" dirty="0" err="1"/>
+              <a:t>numpy</a:t>
+            </a:r>
+            <a:r>
+              <a:rPr lang="it-IT" dirty="0"/>
+              <a:t> e </a:t>
+            </a:r>
+            <a:r>
+              <a:rPr lang="it-IT" i="1" dirty="0" err="1"/>
+              <a:t>scipy</a:t>
+            </a:r>
+            <a:r>
+              <a:rPr lang="it-IT" dirty="0"/>
+              <a:t> per matrici dense e con  </a:t>
+            </a:r>
+            <a:r>
+              <a:rPr lang="it-IT" i="1" dirty="0" err="1"/>
+              <a:t>scikits.sparse</a:t>
+            </a:r>
+            <a:r>
+              <a:rPr lang="it-IT" i="1" dirty="0"/>
+              <a:t> </a:t>
+            </a:r>
+            <a:r>
+              <a:rPr lang="it-IT" dirty="0"/>
+              <a:t>per le matrici sparse.</a:t>
+            </a:r>
+          </a:p>
+          <a:p>
+            <a:r>
+              <a:rPr lang="it-IT" dirty="0"/>
+              <a:t>Seppur il pacchetto </a:t>
+            </a:r>
+            <a:r>
+              <a:rPr lang="it-IT" i="1" dirty="0" err="1"/>
+              <a:t>scikits.sparse</a:t>
+            </a:r>
+            <a:r>
+              <a:rPr lang="it-IT" i="1" dirty="0"/>
+              <a:t> </a:t>
+            </a:r>
+            <a:r>
+              <a:rPr lang="it-IT" dirty="0"/>
+              <a:t>a detta dei creatori è usabile sia in ambiente Windows che Linux, in realtà ci sono dei problemi di installazione lato windows, come si può vedere nella schermata </a:t>
+            </a:r>
+            <a:r>
+              <a:rPr lang="it-IT" i="1" dirty="0" err="1"/>
+              <a:t>issues</a:t>
+            </a:r>
+            <a:r>
+              <a:rPr lang="it-IT" dirty="0"/>
+              <a:t> della </a:t>
+            </a:r>
+            <a:r>
+              <a:rPr lang="it-IT" u="sng" dirty="0">
+                <a:hlinkClick r:id="rId2"/>
+              </a:rPr>
+              <a:t>repository</a:t>
+            </a:r>
+            <a:r>
+              <a:rPr lang="it-IT" dirty="0"/>
+              <a:t> ufficiale.</a:t>
+            </a:r>
+          </a:p>
+          <a:p>
+            <a:r>
+              <a:rPr lang="it-IT" dirty="0"/>
+              <a:t>È stato possibile installare la libreria su una macchina virtuale con </a:t>
+            </a:r>
+            <a:r>
+              <a:rPr lang="it-IT" i="1" dirty="0"/>
+              <a:t>Os </a:t>
+            </a:r>
+            <a:r>
+              <a:rPr lang="it-IT" i="1" dirty="0" err="1"/>
+              <a:t>Xubuntu</a:t>
+            </a:r>
+            <a:r>
+              <a:rPr lang="it-IT" dirty="0"/>
+              <a:t>. </a:t>
+            </a:r>
+          </a:p>
+          <a:p>
+            <a:r>
+              <a:rPr lang="it-IT" dirty="0"/>
+              <a:t>Il calcolo è eseguito nel seguente modo, se A è una matrice sparsa, simmetrica e definita positiva, e  b è una matrice o vettore (sparso o denso) allora il codice seguente risolve l’equazione </a:t>
+            </a:r>
+            <a:r>
+              <a:rPr lang="it-IT" dirty="0" err="1"/>
+              <a:t>Ax</a:t>
+            </a:r>
+            <a:r>
+              <a:rPr lang="it-IT" dirty="0"/>
+              <a:t>=b.</a:t>
+            </a:r>
+          </a:p>
+          <a:p>
+            <a:endParaRPr lang="it-IT" dirty="0"/>
+          </a:p>
+          <a:p>
+            <a:endParaRPr lang="it-IT" dirty="0"/>
           </a:p>
         </p:txBody>
       </p:sp>

--- a/final results/Relazione.pptx
+++ b/final results/Relazione.pptx
@@ -13875,7 +13875,7 @@
         <p:spPr/>
         <p:txBody>
           <a:bodyPr rtlCol="0">
-            <a:normAutofit lnSpcReduction="10000"/>
+            <a:normAutofit fontScale="92500" lnSpcReduction="10000"/>
           </a:bodyPr>
           <a:lstStyle/>
           <a:p>
@@ -13888,12 +13888,22 @@
             </a:r>
           </a:p>
           <a:p>
+            <a:pPr lvl="0"/>
             <a:r>
               <a:rPr lang="it-IT" dirty="0"/>
-              <a:t>il tempo necessario per calcolare la soluzione x;</a:t>
-            </a:r>
-          </a:p>
-          <a:p>
+              <a:t>il tempo necessario per calcolare la soluzione x del sistema </a:t>
+            </a:r>
+            <a:r>
+              <a:rPr lang="it-IT" dirty="0" err="1"/>
+              <a:t>Ax</a:t>
+            </a:r>
+            <a:r>
+              <a:rPr lang="it-IT" dirty="0"/>
+              <a:t>=b;</a:t>
+            </a:r>
+          </a:p>
+          <a:p>
+            <a:pPr lvl="0"/>
             <a:r>
               <a:rPr lang="it-IT" dirty="0"/>
               <a:t>l’errore relativo tra la soluzione calcolata x e la soluzione esatta </a:t>
@@ -13904,7 +13914,15 @@
             </a:r>
             <a:r>
               <a:rPr lang="it-IT" dirty="0"/>
-              <a:t>;</a:t>
+              <a:t>, calcolata come soluzione del sistema </a:t>
+            </a:r>
+            <a:r>
+              <a:rPr lang="it-IT" dirty="0" err="1"/>
+              <a:t>Axe</a:t>
+            </a:r>
+            <a:r>
+              <a:rPr lang="it-IT" dirty="0"/>
+              <a:t>=B;</a:t>
             </a:r>
           </a:p>
           <a:p>
@@ -14021,7 +14039,7 @@
         <p:spPr/>
         <p:txBody>
           <a:bodyPr rtlCol="0">
-            <a:normAutofit lnSpcReduction="10000"/>
+            <a:normAutofit/>
           </a:bodyPr>
           <a:lstStyle/>
           <a:p>
@@ -14048,20 +14066,6 @@
             <a:r>
               <a:rPr lang="it-IT" dirty="0"/>
               <a:t> in modo da mantenere linearità con gli altri linguaggi.</a:t>
-            </a:r>
-          </a:p>
-          <a:p>
-            <a:r>
-              <a:rPr lang="it-IT" dirty="0"/>
-              <a:t>Attraverso la funzione </a:t>
-            </a:r>
-            <a:r>
-              <a:rPr lang="it-IT" i="1" dirty="0"/>
-              <a:t>tic toc</a:t>
-            </a:r>
-            <a:r>
-              <a:rPr lang="it-IT" dirty="0"/>
-              <a:t> abbiamo calcolato il tempo di esecuzione di tutto lo script e anche quello di calcolo dei vari elementi del codice.</a:t>
             </a:r>
           </a:p>
           <a:p>

--- a/final results/Relazione.pptx
+++ b/final results/Relazione.pptx
@@ -19,8 +19,8 @@
     <p:sldId id="273" r:id="rId7"/>
     <p:sldId id="274" r:id="rId8"/>
     <p:sldId id="267" r:id="rId9"/>
-    <p:sldId id="275" r:id="rId10"/>
-    <p:sldId id="277" r:id="rId11"/>
+    <p:sldId id="277" r:id="rId10"/>
+    <p:sldId id="275" r:id="rId11"/>
     <p:sldId id="276" r:id="rId12"/>
   </p:sldIdLst>
   <p:sldSz cx="12192000" cy="6858000"/>
@@ -210,91 +210,7 @@
           <c:idx val="0"/>
           <c:order val="0"/>
           <c:tx>
-            <c:v>Chol_size</c:v>
-          </c:tx>
-          <c:spPr>
-            <a:ln w="28575" cap="rnd">
-              <a:solidFill>
-                <a:schemeClr val="accent1"/>
-              </a:solidFill>
-              <a:round/>
-            </a:ln>
-            <a:effectLst/>
-          </c:spPr>
-          <c:marker>
-            <c:symbol val="circle"/>
-            <c:size val="5"/>
-            <c:spPr>
-              <a:solidFill>
-                <a:schemeClr val="accent1"/>
-              </a:solidFill>
-              <a:ln w="9525">
-                <a:solidFill>
-                  <a:schemeClr val="accent1"/>
-                </a:solidFill>
-              </a:ln>
-              <a:effectLst/>
-            </c:spPr>
-          </c:marker>
-          <c:cat>
-            <c:strRef>
-              <c:f>Foglio1!$B$9:$B$13</c:f>
-              <c:strCache>
-                <c:ptCount val="5"/>
-                <c:pt idx="0">
-                  <c:v>ex15.mtx</c:v>
-                </c:pt>
-                <c:pt idx="1">
-                  <c:v>shallow_water1.mtx</c:v>
-                </c:pt>
-                <c:pt idx="2">
-                  <c:v>cfd1.mtx</c:v>
-                </c:pt>
-                <c:pt idx="3">
-                  <c:v>cfd2.mtx</c:v>
-                </c:pt>
-                <c:pt idx="4">
-                  <c:v>apache2.mtx</c:v>
-                </c:pt>
-              </c:strCache>
-            </c:strRef>
-          </c:cat>
-          <c:val>
-            <c:numRef>
-              <c:f>Foglio1!$I$9:$I$13</c:f>
-              <c:numCache>
-                <c:formatCode>0</c:formatCode>
-                <c:ptCount val="5"/>
-                <c:pt idx="0">
-                  <c:v>4186000</c:v>
-                </c:pt>
-                <c:pt idx="1">
-                  <c:v>368859400</c:v>
-                </c:pt>
-                <c:pt idx="2">
-                  <c:v>1268173672</c:v>
-                </c:pt>
-                <c:pt idx="3">
-                  <c:v>2498198312</c:v>
-                </c:pt>
-                <c:pt idx="4">
-                  <c:v>27490866776</c:v>
-                </c:pt>
-              </c:numCache>
-            </c:numRef>
-          </c:val>
-          <c:smooth val="0"/>
-          <c:extLst>
-            <c:ext xmlns:c16="http://schemas.microsoft.com/office/drawing/2014/chart" uri="{C3380CC4-5D6E-409C-BE32-E72D297353CC}">
-              <c16:uniqueId val="{00000000-11E8-4EFA-91C7-CD29F6D1DB50}"/>
-            </c:ext>
-          </c:extLst>
-        </c:ser>
-        <c:ser>
-          <c:idx val="1"/>
-          <c:order val="1"/>
-          <c:tx>
-            <c:v>sol_time</c:v>
+            <c:v>chol_size</c:v>
           </c:tx>
           <c:spPr>
             <a:ln w="28575" cap="rnd">
@@ -322,9 +238,9 @@
           </c:marker>
           <c:cat>
             <c:strRef>
-              <c:f>Foglio1!$B$9:$B$13</c:f>
+              <c:f>Foglio2!$B$9:$B$12</c:f>
               <c:strCache>
-                <c:ptCount val="5"/>
+                <c:ptCount val="4"/>
                 <c:pt idx="0">
                   <c:v>ex15.mtx</c:v>
                 </c:pt>
@@ -336,33 +252,27 @@
                 </c:pt>
                 <c:pt idx="3">
                   <c:v>cfd2.mtx</c:v>
-                </c:pt>
-                <c:pt idx="4">
-                  <c:v>apache2.mtx</c:v>
                 </c:pt>
               </c:strCache>
             </c:strRef>
           </c:cat>
           <c:val>
             <c:numRef>
-              <c:f>Foglio1!$J$9:$J$13</c:f>
+              <c:f>Foglio2!$I$9:$I$12</c:f>
               <c:numCache>
                 <c:formatCode>General</c:formatCode>
-                <c:ptCount val="5"/>
+                <c:ptCount val="4"/>
                 <c:pt idx="0">
-                  <c:v>1.7049229008776801</c:v>
+                  <c:v>4186000</c:v>
                 </c:pt>
                 <c:pt idx="1">
-                  <c:v>70.927736612451298</c:v>
+                  <c:v>368859400</c:v>
                 </c:pt>
                 <c:pt idx="2">
-                  <c:v>235.27328045341699</c:v>
+                  <c:v>1268173672</c:v>
                 </c:pt>
                 <c:pt idx="3">
-                  <c:v>488.37689291880997</c:v>
-                </c:pt>
-                <c:pt idx="4">
-                  <c:v>6462.9462999999996</c:v>
+                  <c:v>2498198312</c:v>
                 </c:pt>
               </c:numCache>
             </c:numRef>
@@ -370,7 +280,85 @@
           <c:smooth val="0"/>
           <c:extLst>
             <c:ext xmlns:c16="http://schemas.microsoft.com/office/drawing/2014/chart" uri="{C3380CC4-5D6E-409C-BE32-E72D297353CC}">
-              <c16:uniqueId val="{00000001-11E8-4EFA-91C7-CD29F6D1DB50}"/>
+              <c16:uniqueId val="{00000000-CD56-443D-BD84-30327606E463}"/>
+            </c:ext>
+          </c:extLst>
+        </c:ser>
+        <c:ser>
+          <c:idx val="1"/>
+          <c:order val="1"/>
+          <c:tx>
+            <c:v>total_time</c:v>
+          </c:tx>
+          <c:spPr>
+            <a:ln w="28575" cap="rnd">
+              <a:solidFill>
+                <a:schemeClr val="accent4"/>
+              </a:solidFill>
+              <a:round/>
+            </a:ln>
+            <a:effectLst/>
+          </c:spPr>
+          <c:marker>
+            <c:symbol val="circle"/>
+            <c:size val="5"/>
+            <c:spPr>
+              <a:solidFill>
+                <a:schemeClr val="accent4"/>
+              </a:solidFill>
+              <a:ln w="9525">
+                <a:solidFill>
+                  <a:schemeClr val="accent4"/>
+                </a:solidFill>
+              </a:ln>
+              <a:effectLst/>
+            </c:spPr>
+          </c:marker>
+          <c:cat>
+            <c:strRef>
+              <c:f>Foglio2!$B$9:$B$12</c:f>
+              <c:strCache>
+                <c:ptCount val="4"/>
+                <c:pt idx="0">
+                  <c:v>ex15.mtx</c:v>
+                </c:pt>
+                <c:pt idx="1">
+                  <c:v>shallow_water1.mtx</c:v>
+                </c:pt>
+                <c:pt idx="2">
+                  <c:v>cfd1.mtx</c:v>
+                </c:pt>
+                <c:pt idx="3">
+                  <c:v>cfd2.mtx</c:v>
+                </c:pt>
+              </c:strCache>
+            </c:strRef>
+          </c:cat>
+          <c:val>
+            <c:numRef>
+              <c:f>Foglio2!$L$9:$L$12</c:f>
+              <c:numCache>
+                <c:formatCode>General</c:formatCode>
+                <c:ptCount val="4"/>
+                <c:pt idx="0">
+                  <c:v>272.11360000000002</c:v>
+                </c:pt>
+                <c:pt idx="1">
+                  <c:v>5471.7317000000003</c:v>
+                </c:pt>
+                <c:pt idx="2">
+                  <c:v>8588.9904000000006</c:v>
+                </c:pt>
+                <c:pt idx="3">
+                  <c:v>15147.8421</c:v>
+                </c:pt>
+              </c:numCache>
+            </c:numRef>
+          </c:val>
+          <c:smooth val="0"/>
+          <c:extLst>
+            <c:ext xmlns:c16="http://schemas.microsoft.com/office/drawing/2014/chart" uri="{C3380CC4-5D6E-409C-BE32-E72D297353CC}">
+              <c16:uniqueId val="{00000001-CD56-443D-BD84-30327606E463}"/>
             </c:ext>
           </c:extLst>
         </c:ser>
@@ -383,7 +371,7 @@
           <c:spPr>
             <a:ln w="28575" cap="rnd">
               <a:solidFill>
-                <a:srgbClr val="FF0000"/>
+                <a:schemeClr val="accent6"/>
               </a:solidFill>
               <a:round/>
             </a:ln>
@@ -394,11 +382,11 @@
             <c:size val="5"/>
             <c:spPr>
               <a:solidFill>
-                <a:srgbClr val="FF0000"/>
+                <a:schemeClr val="accent6"/>
               </a:solidFill>
               <a:ln w="9525">
                 <a:solidFill>
-                  <a:schemeClr val="accent3"/>
+                  <a:schemeClr val="accent6"/>
                 </a:solidFill>
               </a:ln>
               <a:effectLst/>
@@ -406,9 +394,9 @@
           </c:marker>
           <c:cat>
             <c:strRef>
-              <c:f>Foglio1!$B$9:$B$13</c:f>
+              <c:f>Foglio2!$B$9:$B$12</c:f>
               <c:strCache>
-                <c:ptCount val="5"/>
+                <c:ptCount val="4"/>
                 <c:pt idx="0">
                   <c:v>ex15.mtx</c:v>
                 </c:pt>
@@ -420,33 +408,27 @@
                 </c:pt>
                 <c:pt idx="3">
                   <c:v>cfd2.mtx</c:v>
-                </c:pt>
-                <c:pt idx="4">
-                  <c:v>apache2.mtx</c:v>
                 </c:pt>
               </c:strCache>
             </c:strRef>
           </c:cat>
           <c:val>
             <c:numRef>
-              <c:f>Foglio1!$K$9:$K$13</c:f>
+              <c:f>Foglio2!$K$9:$K$12</c:f>
               <c:numCache>
                 <c:formatCode>General</c:formatCode>
-                <c:ptCount val="5"/>
+                <c:ptCount val="4"/>
                 <c:pt idx="0">
-                  <c:v>8.0432656803459504E-7</c:v>
+                  <c:v>8.5530676175293696E-7</c:v>
                 </c:pt>
                 <c:pt idx="1">
-                  <c:v>3.2014955050903199E-16</c:v>
+                  <c:v>3.2036731129880599E-16</c:v>
                 </c:pt>
                 <c:pt idx="2">
-                  <c:v>2.7351663848831898E-13</c:v>
+                  <c:v>2.3847712940277298E-13</c:v>
                 </c:pt>
                 <c:pt idx="3">
-                  <c:v>6.5042951458471295E-13</c:v>
-                </c:pt>
-                <c:pt idx="4">
-                  <c:v>9.7658714916960408E-12</c:v>
+                  <c:v>6.7556406837391204E-13</c:v>
                 </c:pt>
               </c:numCache>
             </c:numRef>
@@ -454,7 +436,7 @@
           <c:smooth val="0"/>
           <c:extLst>
             <c:ext xmlns:c16="http://schemas.microsoft.com/office/drawing/2014/chart" uri="{C3380CC4-5D6E-409C-BE32-E72D297353CC}">
-              <c16:uniqueId val="{00000002-11E8-4EFA-91C7-CD29F6D1DB50}"/>
+              <c16:uniqueId val="{00000002-CD56-443D-BD84-30327606E463}"/>
             </c:ext>
           </c:extLst>
         </c:ser>
@@ -468,8 +450,8 @@
         </c:dLbls>
         <c:marker val="1"/>
         <c:smooth val="0"/>
-        <c:axId val="1755775887"/>
-        <c:axId val="1726447551"/>
+        <c:axId val="696070255"/>
+        <c:axId val="560842191"/>
         <c:extLst>
           <c:ext xmlns:c15="http://schemas.microsoft.com/office/drawing/2012/chart" uri="{02D57815-91ED-43cb-92C2-25804820EDAC}">
             <c15:filteredLineSeries>
@@ -477,26 +459,14 @@
                 <c:idx val="3"/>
                 <c:order val="3"/>
                 <c:tx>
-                  <c:strRef>
-                    <c:extLst>
-                      <c:ext uri="{02D57815-91ED-43cb-92C2-25804820EDAC}">
-                        <c15:formulaRef>
-                          <c15:sqref>Foglio1!$B$1</c15:sqref>
-                        </c15:formulaRef>
-                      </c:ext>
-                    </c:extLst>
-                    <c:strCache>
-                      <c:ptCount val="1"/>
-                      <c:pt idx="0">
-                        <c:v>name</c:v>
-                      </c:pt>
-                    </c:strCache>
-                  </c:strRef>
+                  <c:v>name</c:v>
                 </c:tx>
                 <c:spPr>
                   <a:ln w="28575" cap="rnd">
                     <a:solidFill>
-                      <a:schemeClr val="accent4"/>
+                      <a:schemeClr val="accent2">
+                        <a:lumMod val="60000"/>
+                      </a:schemeClr>
                     </a:solidFill>
                     <a:round/>
                   </a:ln>
@@ -507,11 +477,15 @@
                   <c:size val="5"/>
                   <c:spPr>
                     <a:solidFill>
-                      <a:schemeClr val="accent4"/>
+                      <a:schemeClr val="accent2">
+                        <a:lumMod val="60000"/>
+                      </a:schemeClr>
                     </a:solidFill>
                     <a:ln w="9525">
                       <a:solidFill>
-                        <a:schemeClr val="accent4"/>
+                        <a:schemeClr val="accent2">
+                          <a:lumMod val="60000"/>
+                        </a:schemeClr>
                       </a:solidFill>
                     </a:ln>
                     <a:effectLst/>
@@ -522,12 +496,12 @@
                     <c:extLst>
                       <c:ext uri="{02D57815-91ED-43cb-92C2-25804820EDAC}">
                         <c15:formulaRef>
-                          <c15:sqref>Foglio1!$B$9:$B$13</c15:sqref>
+                          <c15:sqref>Foglio2!$B$9:$B$12</c15:sqref>
                         </c15:formulaRef>
                       </c:ext>
                     </c:extLst>
                     <c:strCache>
-                      <c:ptCount val="5"/>
+                      <c:ptCount val="4"/>
                       <c:pt idx="0">
                         <c:v>ex15.mtx</c:v>
                       </c:pt>
@@ -540,25 +514,40 @@
                       <c:pt idx="3">
                         <c:v>cfd2.mtx</c:v>
                       </c:pt>
-                      <c:pt idx="4">
-                        <c:v>apache2.mtx</c:v>
-                      </c:pt>
                     </c:strCache>
                   </c:strRef>
                 </c:cat>
                 <c:val>
-                  <c:numLit>
-                    <c:formatCode>General</c:formatCode>
-                    <c:ptCount val="1"/>
-                    <c:pt idx="0">
-                      <c:v>1</c:v>
-                    </c:pt>
-                  </c:numLit>
+                  <c:numRef>
+                    <c:extLst>
+                      <c:ext uri="{02D57815-91ED-43cb-92C2-25804820EDAC}">
+                        <c15:formulaRef>
+                          <c15:sqref>Foglio2!$B$9:$B$12</c15:sqref>
+                        </c15:formulaRef>
+                      </c:ext>
+                    </c:extLst>
+                    <c:numCache>
+                      <c:formatCode>General</c:formatCode>
+                      <c:ptCount val="4"/>
+                      <c:pt idx="0">
+                        <c:v>0</c:v>
+                      </c:pt>
+                      <c:pt idx="1">
+                        <c:v>0</c:v>
+                      </c:pt>
+                      <c:pt idx="2">
+                        <c:v>0</c:v>
+                      </c:pt>
+                      <c:pt idx="3">
+                        <c:v>0</c:v>
+                      </c:pt>
+                    </c:numCache>
+                  </c:numRef>
                 </c:val>
                 <c:smooth val="0"/>
                 <c:extLst>
                   <c:ext xmlns:c16="http://schemas.microsoft.com/office/drawing/2014/chart" uri="{C3380CC4-5D6E-409C-BE32-E72D297353CC}">
-                    <c16:uniqueId val="{00000003-11E8-4EFA-91C7-CD29F6D1DB50}"/>
+                    <c16:uniqueId val="{00000003-CD56-443D-BD84-30327606E463}"/>
                   </c:ext>
                 </c:extLst>
               </c15:ser>
@@ -567,7 +556,7 @@
         </c:extLst>
       </c:lineChart>
       <c:catAx>
-        <c:axId val="1755775887"/>
+        <c:axId val="696070255"/>
         <c:scaling>
           <c:orientation val="minMax"/>
         </c:scaling>
@@ -576,7 +565,7 @@
         <c:numFmt formatCode="General" sourceLinked="1"/>
         <c:majorTickMark val="none"/>
         <c:minorTickMark val="none"/>
-        <c:tickLblPos val="low"/>
+        <c:tickLblPos val="nextTo"/>
         <c:spPr>
           <a:noFill/>
           <a:ln w="9525" cap="flat" cmpd="sng" algn="ctr">
@@ -591,7 +580,7 @@
           <a:effectLst/>
         </c:spPr>
         <c:txPr>
-          <a:bodyPr rot="-60000000" spcFirstLastPara="1" vertOverflow="ellipsis" vert="horz" wrap="square" anchor="ctr" anchorCtr="1"/>
+          <a:bodyPr rot="-60000000" spcFirstLastPara="1" vertOverflow="ellipsis" vert="horz" wrap="square" anchor="b" anchorCtr="0"/>
           <a:lstStyle/>
           <a:p>
             <a:pPr>
@@ -610,7 +599,7 @@
             <a:endParaRPr lang="it-IT"/>
           </a:p>
         </c:txPr>
-        <c:crossAx val="1726447551"/>
+        <c:crossAx val="560842191"/>
         <c:crosses val="autoZero"/>
         <c:auto val="1"/>
         <c:lblAlgn val="ctr"/>
@@ -618,7 +607,7 @@
         <c:noMultiLvlLbl val="0"/>
       </c:catAx>
       <c:valAx>
-        <c:axId val="1726447551"/>
+        <c:axId val="560842191"/>
         <c:scaling>
           <c:logBase val="10"/>
           <c:orientation val="minMax"/>
@@ -670,613 +659,7 @@
             <a:endParaRPr lang="it-IT"/>
           </a:p>
         </c:txPr>
-        <c:crossAx val="1755775887"/>
-        <c:crosses val="autoZero"/>
-        <c:crossBetween val="between"/>
-      </c:valAx>
-      <c:spPr>
-        <a:noFill/>
-        <a:ln>
-          <a:noFill/>
-        </a:ln>
-        <a:effectLst/>
-      </c:spPr>
-    </c:plotArea>
-    <c:legend>
-      <c:legendPos val="r"/>
-      <c:overlay val="0"/>
-      <c:spPr>
-        <a:noFill/>
-        <a:ln>
-          <a:noFill/>
-        </a:ln>
-        <a:effectLst/>
-      </c:spPr>
-      <c:txPr>
-        <a:bodyPr rot="0" spcFirstLastPara="1" vertOverflow="ellipsis" vert="horz" wrap="square" anchor="ctr" anchorCtr="1"/>
-        <a:lstStyle/>
-        <a:p>
-          <a:pPr>
-            <a:defRPr sz="900" b="0" i="0" u="none" strike="noStrike" kern="1200" baseline="0">
-              <a:solidFill>
-                <a:schemeClr val="tx1">
-                  <a:lumMod val="65000"/>
-                  <a:lumOff val="35000"/>
-                </a:schemeClr>
-              </a:solidFill>
-              <a:latin typeface="+mn-lt"/>
-              <a:ea typeface="+mn-ea"/>
-              <a:cs typeface="+mn-cs"/>
-            </a:defRPr>
-          </a:pPr>
-          <a:endParaRPr lang="it-IT"/>
-        </a:p>
-      </c:txPr>
-    </c:legend>
-    <c:plotVisOnly val="1"/>
-    <c:dispBlanksAs val="zero"/>
-    <c:extLst>
-      <c:ext xmlns:c16r3="http://schemas.microsoft.com/office/drawing/2017/03/chart" uri="{56B9EC1D-385E-4148-901F-78D8002777C0}">
-        <c16r3:dataDisplayOptions16>
-          <c16r3:dispNaAsBlank val="1"/>
-        </c16r3:dataDisplayOptions16>
-      </c:ext>
-    </c:extLst>
-    <c:showDLblsOverMax val="0"/>
-  </c:chart>
-  <c:spPr>
-    <a:solidFill>
-      <a:schemeClr val="bg1"/>
-    </a:solidFill>
-    <a:ln w="9525" cap="flat" cmpd="sng" algn="ctr">
-      <a:noFill/>
-      <a:round/>
-    </a:ln>
-    <a:effectLst/>
-  </c:spPr>
-  <c:txPr>
-    <a:bodyPr/>
-    <a:lstStyle/>
-    <a:p>
-      <a:pPr>
-        <a:defRPr/>
-      </a:pPr>
-      <a:endParaRPr lang="it-IT"/>
-    </a:p>
-  </c:txPr>
-  <c:externalData r:id="rId3">
-    <c:autoUpdate val="0"/>
-  </c:externalData>
-</c:chartSpace>
-</file>
-
-<file path=ppt/charts/chart2.xml><?xml version="1.0" encoding="utf-8"?>
-<c:chartSpace xmlns:c="http://schemas.openxmlformats.org/drawingml/2006/chart" xmlns:a="http://schemas.openxmlformats.org/drawingml/2006/main" xmlns:r="http://schemas.openxmlformats.org/officeDocument/2006/relationships" xmlns:c16r2="http://schemas.microsoft.com/office/drawing/2015/06/chart">
-  <c:date1904 val="0"/>
-  <c:lang val="it-IT"/>
-  <c:roundedCorners val="0"/>
-  <mc:AlternateContent xmlns:mc="http://schemas.openxmlformats.org/markup-compatibility/2006">
-    <mc:Choice xmlns:c14="http://schemas.microsoft.com/office/drawing/2007/8/2/chart" Requires="c14">
-      <c14:style val="102"/>
-    </mc:Choice>
-    <mc:Fallback>
-      <c:style val="2"/>
-    </mc:Fallback>
-  </mc:AlternateContent>
-  <c:chart>
-    <c:title>
-      <c:tx>
-        <c:rich>
-          <a:bodyPr rot="0" spcFirstLastPara="1" vertOverflow="ellipsis" vert="horz" wrap="square" anchor="ctr" anchorCtr="1"/>
-          <a:lstStyle/>
-          <a:p>
-            <a:pPr>
-              <a:defRPr sz="1400" b="0" i="0" u="none" strike="noStrike" kern="1200" spc="0" baseline="0">
-                <a:solidFill>
-                  <a:schemeClr val="tx1">
-                    <a:lumMod val="65000"/>
-                    <a:lumOff val="35000"/>
-                  </a:schemeClr>
-                </a:solidFill>
-                <a:latin typeface="+mn-lt"/>
-                <a:ea typeface="+mn-ea"/>
-                <a:cs typeface="+mn-cs"/>
-              </a:defRPr>
-            </a:pPr>
-            <a:r>
-              <a:rPr lang="en-US"/>
-              <a:t>Matlab - Linux</a:t>
-            </a:r>
-          </a:p>
-        </c:rich>
-      </c:tx>
-      <c:layout>
-        <c:manualLayout>
-          <c:xMode val="edge"/>
-          <c:yMode val="edge"/>
-          <c:x val="0.39930555555555558"/>
-          <c:y val="2.3228803716608595E-2"/>
-        </c:manualLayout>
-      </c:layout>
-      <c:overlay val="0"/>
-      <c:spPr>
-        <a:noFill/>
-        <a:ln>
-          <a:noFill/>
-        </a:ln>
-        <a:effectLst/>
-      </c:spPr>
-      <c:txPr>
-        <a:bodyPr rot="0" spcFirstLastPara="1" vertOverflow="ellipsis" vert="horz" wrap="square" anchor="ctr" anchorCtr="1"/>
-        <a:lstStyle/>
-        <a:p>
-          <a:pPr>
-            <a:defRPr sz="1400" b="0" i="0" u="none" strike="noStrike" kern="1200" spc="0" baseline="0">
-              <a:solidFill>
-                <a:schemeClr val="tx1">
-                  <a:lumMod val="65000"/>
-                  <a:lumOff val="35000"/>
-                </a:schemeClr>
-              </a:solidFill>
-              <a:latin typeface="+mn-lt"/>
-              <a:ea typeface="+mn-ea"/>
-              <a:cs typeface="+mn-cs"/>
-            </a:defRPr>
-          </a:pPr>
-          <a:endParaRPr lang="it-IT"/>
-        </a:p>
-      </c:txPr>
-    </c:title>
-    <c:autoTitleDeleted val="0"/>
-    <c:plotArea>
-      <c:layout/>
-      <c:lineChart>
-        <c:grouping val="standard"/>
-        <c:varyColors val="0"/>
-        <c:ser>
-          <c:idx val="0"/>
-          <c:order val="0"/>
-          <c:tx>
-            <c:v>Chol_size</c:v>
-          </c:tx>
-          <c:spPr>
-            <a:ln w="28575" cap="rnd">
-              <a:solidFill>
-                <a:schemeClr val="accent1"/>
-              </a:solidFill>
-              <a:round/>
-            </a:ln>
-            <a:effectLst/>
-          </c:spPr>
-          <c:marker>
-            <c:symbol val="circle"/>
-            <c:size val="5"/>
-            <c:spPr>
-              <a:solidFill>
-                <a:schemeClr val="accent1"/>
-              </a:solidFill>
-              <a:ln w="9525">
-                <a:solidFill>
-                  <a:schemeClr val="accent1"/>
-                </a:solidFill>
-              </a:ln>
-              <a:effectLst/>
-            </c:spPr>
-          </c:marker>
-          <c:cat>
-            <c:strRef>
-              <c:f>Foglio1!$B$9:$B$12</c:f>
-              <c:strCache>
-                <c:ptCount val="4"/>
-                <c:pt idx="0">
-                  <c:v>ex15.mtx</c:v>
-                </c:pt>
-                <c:pt idx="1">
-                  <c:v>shallow_water1.mtx</c:v>
-                </c:pt>
-                <c:pt idx="2">
-                  <c:v>cfd1.mtx</c:v>
-                </c:pt>
-                <c:pt idx="3">
-                  <c:v>cfd2.mtx</c:v>
-                </c:pt>
-              </c:strCache>
-            </c:strRef>
-          </c:cat>
-          <c:val>
-            <c:numRef>
-              <c:f>Foglio1!$I$2:$I$5</c:f>
-              <c:numCache>
-                <c:formatCode>General</c:formatCode>
-                <c:ptCount val="4"/>
-                <c:pt idx="0">
-                  <c:v>2774968</c:v>
-                </c:pt>
-                <c:pt idx="1">
-                  <c:v>27857172</c:v>
-                </c:pt>
-                <c:pt idx="2" formatCode="0">
-                  <c:v>406911040</c:v>
-                </c:pt>
-                <c:pt idx="3">
-                  <c:v>904888848</c:v>
-                </c:pt>
-              </c:numCache>
-            </c:numRef>
-          </c:val>
-          <c:smooth val="0"/>
-          <c:extLst>
-            <c:ext xmlns:c16="http://schemas.microsoft.com/office/drawing/2014/chart" uri="{C3380CC4-5D6E-409C-BE32-E72D297353CC}">
-              <c16:uniqueId val="{00000000-8058-4EDF-BC2B-B4013BFFC100}"/>
-            </c:ext>
-          </c:extLst>
-        </c:ser>
-        <c:ser>
-          <c:idx val="1"/>
-          <c:order val="1"/>
-          <c:tx>
-            <c:v>sol_time</c:v>
-          </c:tx>
-          <c:spPr>
-            <a:ln w="28575" cap="rnd">
-              <a:solidFill>
-                <a:schemeClr val="accent2"/>
-              </a:solidFill>
-              <a:round/>
-            </a:ln>
-            <a:effectLst/>
-          </c:spPr>
-          <c:marker>
-            <c:symbol val="circle"/>
-            <c:size val="5"/>
-            <c:spPr>
-              <a:solidFill>
-                <a:schemeClr val="accent2"/>
-              </a:solidFill>
-              <a:ln w="9525">
-                <a:solidFill>
-                  <a:schemeClr val="accent2"/>
-                </a:solidFill>
-              </a:ln>
-              <a:effectLst/>
-            </c:spPr>
-          </c:marker>
-          <c:cat>
-            <c:strRef>
-              <c:f>Foglio1!$B$9:$B$12</c:f>
-              <c:strCache>
-                <c:ptCount val="4"/>
-                <c:pt idx="0">
-                  <c:v>ex15.mtx</c:v>
-                </c:pt>
-                <c:pt idx="1">
-                  <c:v>shallow_water1.mtx</c:v>
-                </c:pt>
-                <c:pt idx="2">
-                  <c:v>cfd1.mtx</c:v>
-                </c:pt>
-                <c:pt idx="3">
-                  <c:v>cfd2.mtx</c:v>
-                </c:pt>
-              </c:strCache>
-            </c:strRef>
-          </c:cat>
-          <c:val>
-            <c:numRef>
-              <c:f>Foglio1!$J$2:$J$5</c:f>
-              <c:numCache>
-                <c:formatCode>General</c:formatCode>
-                <c:ptCount val="4"/>
-                <c:pt idx="0">
-                  <c:v>13</c:v>
-                </c:pt>
-                <c:pt idx="1">
-                  <c:v>150</c:v>
-                </c:pt>
-                <c:pt idx="2">
-                  <c:v>1027</c:v>
-                </c:pt>
-                <c:pt idx="3">
-                  <c:v>2246</c:v>
-                </c:pt>
-              </c:numCache>
-            </c:numRef>
-          </c:val>
-          <c:smooth val="0"/>
-          <c:extLst>
-            <c:ext xmlns:c16="http://schemas.microsoft.com/office/drawing/2014/chart" uri="{C3380CC4-5D6E-409C-BE32-E72D297353CC}">
-              <c16:uniqueId val="{00000001-8058-4EDF-BC2B-B4013BFFC100}"/>
-            </c:ext>
-          </c:extLst>
-        </c:ser>
-        <c:ser>
-          <c:idx val="2"/>
-          <c:order val="2"/>
-          <c:tx>
-            <c:v>err</c:v>
-          </c:tx>
-          <c:spPr>
-            <a:ln w="28575" cap="rnd">
-              <a:solidFill>
-                <a:srgbClr val="FF0000"/>
-              </a:solidFill>
-              <a:round/>
-            </a:ln>
-            <a:effectLst/>
-          </c:spPr>
-          <c:marker>
-            <c:symbol val="circle"/>
-            <c:size val="5"/>
-            <c:spPr>
-              <a:solidFill>
-                <a:srgbClr val="FF0000"/>
-              </a:solidFill>
-              <a:ln w="9525">
-                <a:solidFill>
-                  <a:schemeClr val="accent3"/>
-                </a:solidFill>
-              </a:ln>
-              <a:effectLst/>
-            </c:spPr>
-          </c:marker>
-          <c:cat>
-            <c:strRef>
-              <c:f>Foglio1!$B$9:$B$12</c:f>
-              <c:strCache>
-                <c:ptCount val="4"/>
-                <c:pt idx="0">
-                  <c:v>ex15.mtx</c:v>
-                </c:pt>
-                <c:pt idx="1">
-                  <c:v>shallow_water1.mtx</c:v>
-                </c:pt>
-                <c:pt idx="2">
-                  <c:v>cfd1.mtx</c:v>
-                </c:pt>
-                <c:pt idx="3">
-                  <c:v>cfd2.mtx</c:v>
-                </c:pt>
-              </c:strCache>
-            </c:strRef>
-          </c:cat>
-          <c:val>
-            <c:numRef>
-              <c:f>Foglio1!$K$2:$K$5</c:f>
-              <c:numCache>
-                <c:formatCode>General</c:formatCode>
-                <c:ptCount val="4"/>
-                <c:pt idx="0">
-                  <c:v>7.9530000000000003E-7</c:v>
-                </c:pt>
-                <c:pt idx="1">
-                  <c:v>2.7969900000000002E-16</c:v>
-                </c:pt>
-                <c:pt idx="2">
-                  <c:v>1.8845500000000001E-12</c:v>
-                </c:pt>
-                <c:pt idx="3">
-                  <c:v>6.3179100000000001E-12</c:v>
-                </c:pt>
-              </c:numCache>
-            </c:numRef>
-          </c:val>
-          <c:smooth val="0"/>
-          <c:extLst>
-            <c:ext xmlns:c16="http://schemas.microsoft.com/office/drawing/2014/chart" uri="{C3380CC4-5D6E-409C-BE32-E72D297353CC}">
-              <c16:uniqueId val="{00000002-8058-4EDF-BC2B-B4013BFFC100}"/>
-            </c:ext>
-          </c:extLst>
-        </c:ser>
-        <c:dLbls>
-          <c:showLegendKey val="0"/>
-          <c:showVal val="0"/>
-          <c:showCatName val="0"/>
-          <c:showSerName val="0"/>
-          <c:showPercent val="0"/>
-          <c:showBubbleSize val="0"/>
-        </c:dLbls>
-        <c:marker val="1"/>
-        <c:smooth val="0"/>
-        <c:axId val="34574959"/>
-        <c:axId val="1119808495"/>
-        <c:extLst>
-          <c:ext xmlns:c15="http://schemas.microsoft.com/office/drawing/2012/chart" uri="{02D57815-91ED-43cb-92C2-25804820EDAC}">
-            <c15:filteredLineSeries>
-              <c15:ser>
-                <c:idx val="3"/>
-                <c:order val="3"/>
-                <c:tx>
-                  <c:strRef>
-                    <c:extLst>
-                      <c:ext uri="{02D57815-91ED-43cb-92C2-25804820EDAC}">
-                        <c15:formulaRef>
-                          <c15:sqref>Foglio1!$B$1</c15:sqref>
-                        </c15:formulaRef>
-                      </c:ext>
-                    </c:extLst>
-                    <c:strCache>
-                      <c:ptCount val="1"/>
-                      <c:pt idx="0">
-                        <c:v>name</c:v>
-                      </c:pt>
-                    </c:strCache>
-                  </c:strRef>
-                </c:tx>
-                <c:spPr>
-                  <a:ln w="28575" cap="rnd">
-                    <a:solidFill>
-                      <a:schemeClr val="accent4"/>
-                    </a:solidFill>
-                    <a:round/>
-                  </a:ln>
-                  <a:effectLst/>
-                </c:spPr>
-                <c:marker>
-                  <c:symbol val="circle"/>
-                  <c:size val="5"/>
-                  <c:spPr>
-                    <a:solidFill>
-                      <a:schemeClr val="accent4"/>
-                    </a:solidFill>
-                    <a:ln w="9525">
-                      <a:solidFill>
-                        <a:schemeClr val="accent4"/>
-                      </a:solidFill>
-                    </a:ln>
-                    <a:effectLst/>
-                  </c:spPr>
-                </c:marker>
-                <c:cat>
-                  <c:strRef>
-                    <c:extLst>
-                      <c:ext uri="{02D57815-91ED-43cb-92C2-25804820EDAC}">
-                        <c15:formulaRef>
-                          <c15:sqref>Foglio1!$B$9:$B$12</c15:sqref>
-                        </c15:formulaRef>
-                      </c:ext>
-                    </c:extLst>
-                    <c:strCache>
-                      <c:ptCount val="4"/>
-                      <c:pt idx="0">
-                        <c:v>ex15.mtx</c:v>
-                      </c:pt>
-                      <c:pt idx="1">
-                        <c:v>shallow_water1.mtx</c:v>
-                      </c:pt>
-                      <c:pt idx="2">
-                        <c:v>cfd1.mtx</c:v>
-                      </c:pt>
-                      <c:pt idx="3">
-                        <c:v>cfd2.mtx</c:v>
-                      </c:pt>
-                    </c:strCache>
-                  </c:strRef>
-                </c:cat>
-                <c:val>
-                  <c:numLit>
-                    <c:formatCode>General</c:formatCode>
-                    <c:ptCount val="1"/>
-                    <c:pt idx="0">
-                      <c:v>1</c:v>
-                    </c:pt>
-                  </c:numLit>
-                </c:val>
-                <c:smooth val="0"/>
-                <c:extLst>
-                  <c:ext xmlns:c16="http://schemas.microsoft.com/office/drawing/2014/chart" uri="{C3380CC4-5D6E-409C-BE32-E72D297353CC}">
-                    <c16:uniqueId val="{00000003-8058-4EDF-BC2B-B4013BFFC100}"/>
-                  </c:ext>
-                </c:extLst>
-              </c15:ser>
-            </c15:filteredLineSeries>
-          </c:ext>
-        </c:extLst>
-      </c:lineChart>
-      <c:catAx>
-        <c:axId val="34574959"/>
-        <c:scaling>
-          <c:orientation val="minMax"/>
-        </c:scaling>
-        <c:delete val="0"/>
-        <c:axPos val="b"/>
-        <c:numFmt formatCode="General" sourceLinked="1"/>
-        <c:majorTickMark val="none"/>
-        <c:minorTickMark val="none"/>
-        <c:tickLblPos val="low"/>
-        <c:spPr>
-          <a:noFill/>
-          <a:ln w="9525" cap="flat" cmpd="sng" algn="ctr">
-            <a:solidFill>
-              <a:schemeClr val="tx1">
-                <a:lumMod val="15000"/>
-                <a:lumOff val="85000"/>
-              </a:schemeClr>
-            </a:solidFill>
-            <a:round/>
-          </a:ln>
-          <a:effectLst/>
-        </c:spPr>
-        <c:txPr>
-          <a:bodyPr rot="-60000000" spcFirstLastPara="1" vertOverflow="ellipsis" vert="horz" wrap="square" anchor="ctr" anchorCtr="1"/>
-          <a:lstStyle/>
-          <a:p>
-            <a:pPr>
-              <a:defRPr sz="900" b="0" i="0" u="none" strike="noStrike" kern="1200" baseline="0">
-                <a:solidFill>
-                  <a:schemeClr val="tx1">
-                    <a:lumMod val="65000"/>
-                    <a:lumOff val="35000"/>
-                  </a:schemeClr>
-                </a:solidFill>
-                <a:latin typeface="+mn-lt"/>
-                <a:ea typeface="+mn-ea"/>
-                <a:cs typeface="+mn-cs"/>
-              </a:defRPr>
-            </a:pPr>
-            <a:endParaRPr lang="it-IT"/>
-          </a:p>
-        </c:txPr>
-        <c:crossAx val="1119808495"/>
-        <c:crosses val="autoZero"/>
-        <c:auto val="1"/>
-        <c:lblAlgn val="ctr"/>
-        <c:lblOffset val="100"/>
-        <c:noMultiLvlLbl val="0"/>
-      </c:catAx>
-      <c:valAx>
-        <c:axId val="1119808495"/>
-        <c:scaling>
-          <c:logBase val="10"/>
-          <c:orientation val="minMax"/>
-        </c:scaling>
-        <c:delete val="0"/>
-        <c:axPos val="l"/>
-        <c:majorGridlines>
-          <c:spPr>
-            <a:ln w="9525" cap="flat" cmpd="sng" algn="ctr">
-              <a:solidFill>
-                <a:schemeClr val="tx1">
-                  <a:lumMod val="15000"/>
-                  <a:lumOff val="85000"/>
-                </a:schemeClr>
-              </a:solidFill>
-              <a:round/>
-            </a:ln>
-            <a:effectLst/>
-          </c:spPr>
-        </c:majorGridlines>
-        <c:numFmt formatCode="0.E+00" sourceLinked="0"/>
-        <c:majorTickMark val="none"/>
-        <c:minorTickMark val="none"/>
-        <c:tickLblPos val="nextTo"/>
-        <c:spPr>
-          <a:noFill/>
-          <a:ln>
-            <a:noFill/>
-          </a:ln>
-          <a:effectLst/>
-        </c:spPr>
-        <c:txPr>
-          <a:bodyPr rot="-60000000" spcFirstLastPara="1" vertOverflow="ellipsis" vert="horz" wrap="square" anchor="ctr" anchorCtr="1"/>
-          <a:lstStyle/>
-          <a:p>
-            <a:pPr>
-              <a:defRPr sz="900" b="0" i="0" u="none" strike="noStrike" kern="1200" baseline="0">
-                <a:solidFill>
-                  <a:schemeClr val="tx1">
-                    <a:lumMod val="65000"/>
-                    <a:lumOff val="35000"/>
-                  </a:schemeClr>
-                </a:solidFill>
-                <a:latin typeface="+mn-lt"/>
-                <a:ea typeface="+mn-ea"/>
-                <a:cs typeface="+mn-cs"/>
-              </a:defRPr>
-            </a:pPr>
-            <a:endParaRPr lang="it-IT"/>
-          </a:p>
-        </c:txPr>
-        <c:crossAx val="34574959"/>
+        <c:crossAx val="696070255"/>
         <c:crosses val="autoZero"/>
         <c:crossBetween val="between"/>
       </c:valAx>
@@ -1331,12 +714,9 @@
     <c:showDLblsOverMax val="0"/>
   </c:chart>
   <c:spPr>
-    <a:solidFill>
-      <a:schemeClr val="bg1"/>
-    </a:solidFill>
-    <a:ln w="9525" cap="flat" cmpd="sng" algn="ctr">
+    <a:noFill/>
+    <a:ln>
       <a:noFill/>
-      <a:round/>
     </a:ln>
     <a:effectLst/>
   </c:spPr>
@@ -1356,7 +736,7 @@
 </c:chartSpace>
 </file>
 
-<file path=ppt/charts/chart3.xml><?xml version="1.0" encoding="utf-8"?>
+<file path=ppt/charts/chart2.xml><?xml version="1.0" encoding="utf-8"?>
 <c:chartSpace xmlns:c="http://schemas.openxmlformats.org/drawingml/2006/chart" xmlns:a="http://schemas.openxmlformats.org/drawingml/2006/main" xmlns:r="http://schemas.openxmlformats.org/officeDocument/2006/relationships" xmlns:c16r2="http://schemas.microsoft.com/office/drawing/2015/06/chart">
   <c:date1904 val="0"/>
   <c:lang val="it-IT"/>
@@ -1390,8 +770,8 @@
               </a:defRPr>
             </a:pPr>
             <a:r>
-              <a:rPr lang="en-US"/>
-              <a:t>C++ - Windows</a:t>
+              <a:rPr lang="it-IT"/>
+              <a:t>Matlab - Linux</a:t>
             </a:r>
           </a:p>
         </c:rich>
@@ -1435,103 +815,7 @@
           <c:idx val="0"/>
           <c:order val="0"/>
           <c:tx>
-            <c:v>Chol_size</c:v>
-          </c:tx>
-          <c:spPr>
-            <a:ln w="28575" cap="rnd">
-              <a:solidFill>
-                <a:schemeClr val="accent1"/>
-              </a:solidFill>
-              <a:round/>
-            </a:ln>
-            <a:effectLst/>
-          </c:spPr>
-          <c:marker>
-            <c:symbol val="circle"/>
-            <c:size val="5"/>
-            <c:spPr>
-              <a:solidFill>
-                <a:schemeClr val="accent1"/>
-              </a:solidFill>
-              <a:ln w="9525">
-                <a:solidFill>
-                  <a:schemeClr val="accent1"/>
-                </a:solidFill>
-              </a:ln>
-              <a:effectLst/>
-            </c:spPr>
-          </c:marker>
-          <c:cat>
-            <c:strRef>
-              <c:f>Foglio1!$B$2:$B$8</c:f>
-              <c:strCache>
-                <c:ptCount val="7"/>
-                <c:pt idx="0">
-                  <c:v>ex15.mtx</c:v>
-                </c:pt>
-                <c:pt idx="1">
-                  <c:v>shallow_water1.mtx</c:v>
-                </c:pt>
-                <c:pt idx="2">
-                  <c:v>cfd1.mtx</c:v>
-                </c:pt>
-                <c:pt idx="3">
-                  <c:v>cfd2.mtx</c:v>
-                </c:pt>
-                <c:pt idx="4">
-                  <c:v>parabolic_fem.mtx</c:v>
-                </c:pt>
-                <c:pt idx="5">
-                  <c:v>apache2.mtx</c:v>
-                </c:pt>
-                <c:pt idx="6">
-                  <c:v>G3_circuit.mtx</c:v>
-                </c:pt>
-              </c:strCache>
-            </c:strRef>
-          </c:cat>
-          <c:val>
-            <c:numRef>
-              <c:f>Foglio1!$I$2:$I$8</c:f>
-              <c:numCache>
-                <c:formatCode>0</c:formatCode>
-                <c:ptCount val="7"/>
-                <c:pt idx="0">
-                  <c:v>2774968</c:v>
-                </c:pt>
-                <c:pt idx="1">
-                  <c:v>27857172</c:v>
-                </c:pt>
-                <c:pt idx="2">
-                  <c:v>406911040</c:v>
-                </c:pt>
-                <c:pt idx="3">
-                  <c:v>904888848</c:v>
-                </c:pt>
-                <c:pt idx="4">
-                  <c:v>435446512</c:v>
-                </c:pt>
-                <c:pt idx="5">
-                  <c:v>2671760416</c:v>
-                </c:pt>
-                <c:pt idx="6">
-                  <c:v>2039944908</c:v>
-                </c:pt>
-              </c:numCache>
-            </c:numRef>
-          </c:val>
-          <c:smooth val="0"/>
-          <c:extLst>
-            <c:ext xmlns:c16="http://schemas.microsoft.com/office/drawing/2014/chart" uri="{C3380CC4-5D6E-409C-BE32-E72D297353CC}">
-              <c16:uniqueId val="{00000000-C7F6-4387-93CF-F218142FD0FE}"/>
-            </c:ext>
-          </c:extLst>
-        </c:ser>
-        <c:ser>
-          <c:idx val="1"/>
-          <c:order val="1"/>
-          <c:tx>
-            <c:v>sol_time</c:v>
+            <c:v>chol_size</c:v>
           </c:tx>
           <c:spPr>
             <a:ln w="28575" cap="rnd">
@@ -1559,9 +843,9 @@
           </c:marker>
           <c:cat>
             <c:strRef>
-              <c:f>Foglio1!$B$2:$B$8</c:f>
+              <c:f>Foglio2!$B$9:$B$12</c:f>
               <c:strCache>
-                <c:ptCount val="7"/>
+                <c:ptCount val="4"/>
                 <c:pt idx="0">
                   <c:v>ex15.mtx</c:v>
                 </c:pt>
@@ -1573,45 +857,27 @@
                 </c:pt>
                 <c:pt idx="3">
                   <c:v>cfd2.mtx</c:v>
-                </c:pt>
-                <c:pt idx="4">
-                  <c:v>parabolic_fem.mtx</c:v>
-                </c:pt>
-                <c:pt idx="5">
-                  <c:v>apache2.mtx</c:v>
-                </c:pt>
-                <c:pt idx="6">
-                  <c:v>G3_circuit.mtx</c:v>
                 </c:pt>
               </c:strCache>
             </c:strRef>
           </c:cat>
           <c:val>
             <c:numRef>
-              <c:f>Foglio1!$J$2:$J$8</c:f>
+              <c:f>Foglio2!$I$9:$I$12</c:f>
               <c:numCache>
                 <c:formatCode>General</c:formatCode>
-                <c:ptCount val="7"/>
+                <c:ptCount val="4"/>
                 <c:pt idx="0">
-                  <c:v>11</c:v>
+                  <c:v>4186000</c:v>
                 </c:pt>
                 <c:pt idx="1">
-                  <c:v>121</c:v>
+                  <c:v>368859400</c:v>
                 </c:pt>
                 <c:pt idx="2">
-                  <c:v>922</c:v>
+                  <c:v>1268173672</c:v>
                 </c:pt>
                 <c:pt idx="3">
-                  <c:v>2024</c:v>
-                </c:pt>
-                <c:pt idx="4">
-                  <c:v>1375</c:v>
-                </c:pt>
-                <c:pt idx="5">
-                  <c:v>6234</c:v>
-                </c:pt>
-                <c:pt idx="6">
-                  <c:v>5673</c:v>
+                  <c:v>2498198312</c:v>
                 </c:pt>
               </c:numCache>
             </c:numRef>
@@ -1619,7 +885,85 @@
           <c:smooth val="0"/>
           <c:extLst>
             <c:ext xmlns:c16="http://schemas.microsoft.com/office/drawing/2014/chart" uri="{C3380CC4-5D6E-409C-BE32-E72D297353CC}">
-              <c16:uniqueId val="{00000001-C7F6-4387-93CF-F218142FD0FE}"/>
+              <c16:uniqueId val="{00000000-9749-413E-B0D6-55922C61CC28}"/>
+            </c:ext>
+          </c:extLst>
+        </c:ser>
+        <c:ser>
+          <c:idx val="1"/>
+          <c:order val="1"/>
+          <c:tx>
+            <c:v>total_time</c:v>
+          </c:tx>
+          <c:spPr>
+            <a:ln w="28575" cap="rnd">
+              <a:solidFill>
+                <a:schemeClr val="accent4"/>
+              </a:solidFill>
+              <a:round/>
+            </a:ln>
+            <a:effectLst/>
+          </c:spPr>
+          <c:marker>
+            <c:symbol val="circle"/>
+            <c:size val="5"/>
+            <c:spPr>
+              <a:solidFill>
+                <a:schemeClr val="accent4"/>
+              </a:solidFill>
+              <a:ln w="9525">
+                <a:solidFill>
+                  <a:schemeClr val="accent4"/>
+                </a:solidFill>
+              </a:ln>
+              <a:effectLst/>
+            </c:spPr>
+          </c:marker>
+          <c:cat>
+            <c:strRef>
+              <c:f>Foglio2!$B$9:$B$12</c:f>
+              <c:strCache>
+                <c:ptCount val="4"/>
+                <c:pt idx="0">
+                  <c:v>ex15.mtx</c:v>
+                </c:pt>
+                <c:pt idx="1">
+                  <c:v>shallow_water1.mtx</c:v>
+                </c:pt>
+                <c:pt idx="2">
+                  <c:v>cfd1.mtx</c:v>
+                </c:pt>
+                <c:pt idx="3">
+                  <c:v>cfd2.mtx</c:v>
+                </c:pt>
+              </c:strCache>
+            </c:strRef>
+          </c:cat>
+          <c:val>
+            <c:numRef>
+              <c:f>Foglio2!$L$9:$L$12</c:f>
+              <c:numCache>
+                <c:formatCode>General</c:formatCode>
+                <c:ptCount val="4"/>
+                <c:pt idx="0">
+                  <c:v>168.453</c:v>
+                </c:pt>
+                <c:pt idx="1">
+                  <c:v>4969.5200000000004</c:v>
+                </c:pt>
+                <c:pt idx="2">
+                  <c:v>9084.8689999999988</c:v>
+                </c:pt>
+                <c:pt idx="3">
+                  <c:v>15039.547999999999</c:v>
+                </c:pt>
+              </c:numCache>
+            </c:numRef>
+          </c:val>
+          <c:smooth val="0"/>
+          <c:extLst>
+            <c:ext xmlns:c16="http://schemas.microsoft.com/office/drawing/2014/chart" uri="{C3380CC4-5D6E-409C-BE32-E72D297353CC}">
+              <c16:uniqueId val="{00000001-9749-413E-B0D6-55922C61CC28}"/>
             </c:ext>
           </c:extLst>
         </c:ser>
@@ -1632,7 +976,7 @@
           <c:spPr>
             <a:ln w="28575" cap="rnd">
               <a:solidFill>
-                <a:srgbClr val="FF0000"/>
+                <a:schemeClr val="accent6"/>
               </a:solidFill>
               <a:round/>
             </a:ln>
@@ -1643,11 +987,11 @@
             <c:size val="5"/>
             <c:spPr>
               <a:solidFill>
-                <a:srgbClr val="FF0000"/>
+                <a:schemeClr val="accent6"/>
               </a:solidFill>
               <a:ln w="9525">
                 <a:solidFill>
-                  <a:schemeClr val="accent3"/>
+                  <a:schemeClr val="accent6"/>
                 </a:solidFill>
               </a:ln>
               <a:effectLst/>
@@ -1655,9 +999,9 @@
           </c:marker>
           <c:cat>
             <c:strRef>
-              <c:f>Foglio1!$B$2:$B$8</c:f>
+              <c:f>Foglio2!$B$9:$B$12</c:f>
               <c:strCache>
-                <c:ptCount val="7"/>
+                <c:ptCount val="4"/>
                 <c:pt idx="0">
                   <c:v>ex15.mtx</c:v>
                 </c:pt>
@@ -1669,45 +1013,27 @@
                 </c:pt>
                 <c:pt idx="3">
                   <c:v>cfd2.mtx</c:v>
-                </c:pt>
-                <c:pt idx="4">
-                  <c:v>parabolic_fem.mtx</c:v>
-                </c:pt>
-                <c:pt idx="5">
-                  <c:v>apache2.mtx</c:v>
-                </c:pt>
-                <c:pt idx="6">
-                  <c:v>G3_circuit.mtx</c:v>
                 </c:pt>
               </c:strCache>
             </c:strRef>
           </c:cat>
           <c:val>
             <c:numRef>
-              <c:f>Foglio1!$K$2:$K$8</c:f>
+              <c:f>Foglio2!$K$9:$K$12</c:f>
               <c:numCache>
                 <c:formatCode>General</c:formatCode>
-                <c:ptCount val="7"/>
+                <c:ptCount val="4"/>
                 <c:pt idx="0">
-                  <c:v>7.9529999999999998E-4</c:v>
+                  <c:v>8.5530676175293696E-7</c:v>
                 </c:pt>
                 <c:pt idx="1">
-                  <c:v>2.7971299999999999E-11</c:v>
+                  <c:v>3.2036731129880599E-16</c:v>
                 </c:pt>
                 <c:pt idx="2">
-                  <c:v>1.8825100000000001E-7</c:v>
+                  <c:v>2.3847712940277298E-13</c:v>
                 </c:pt>
                 <c:pt idx="3">
-                  <c:v>6.3119199999999998E-7</c:v>
-                </c:pt>
-                <c:pt idx="4">
-                  <c:v>2.35935E-7</c:v>
-                </c:pt>
-                <c:pt idx="5">
-                  <c:v>7.6493300000000002E-6</c:v>
-                </c:pt>
-                <c:pt idx="6">
-                  <c:v>7.5431100000000001E-7</c:v>
+                  <c:v>6.7556406837391204E-13</c:v>
                 </c:pt>
               </c:numCache>
             </c:numRef>
@@ -1715,7 +1041,7 @@
           <c:smooth val="0"/>
           <c:extLst>
             <c:ext xmlns:c16="http://schemas.microsoft.com/office/drawing/2014/chart" uri="{C3380CC4-5D6E-409C-BE32-E72D297353CC}">
-              <c16:uniqueId val="{00000002-C7F6-4387-93CF-F218142FD0FE}"/>
+              <c16:uniqueId val="{00000002-9749-413E-B0D6-55922C61CC28}"/>
             </c:ext>
           </c:extLst>
         </c:ser>
@@ -1729,8 +1055,8 @@
         </c:dLbls>
         <c:marker val="1"/>
         <c:smooth val="0"/>
-        <c:axId val="583183503"/>
-        <c:axId val="511313055"/>
+        <c:axId val="622155791"/>
+        <c:axId val="563039743"/>
         <c:extLst>
           <c:ext xmlns:c15="http://schemas.microsoft.com/office/drawing/2012/chart" uri="{02D57815-91ED-43cb-92C2-25804820EDAC}">
             <c15:filteredLineSeries>
@@ -1738,26 +1064,14 @@
                 <c:idx val="3"/>
                 <c:order val="3"/>
                 <c:tx>
-                  <c:strRef>
-                    <c:extLst>
-                      <c:ext uri="{02D57815-91ED-43cb-92C2-25804820EDAC}">
-                        <c15:formulaRef>
-                          <c15:sqref>Foglio1!$B$1</c15:sqref>
-                        </c15:formulaRef>
-                      </c:ext>
-                    </c:extLst>
-                    <c:strCache>
-                      <c:ptCount val="1"/>
-                      <c:pt idx="0">
-                        <c:v>name</c:v>
-                      </c:pt>
-                    </c:strCache>
-                  </c:strRef>
+                  <c:v>name</c:v>
                 </c:tx>
                 <c:spPr>
                   <a:ln w="28575" cap="rnd">
                     <a:solidFill>
-                      <a:schemeClr val="accent4"/>
+                      <a:schemeClr val="accent2">
+                        <a:lumMod val="60000"/>
+                      </a:schemeClr>
                     </a:solidFill>
                     <a:round/>
                   </a:ln>
@@ -1768,11 +1082,15 @@
                   <c:size val="5"/>
                   <c:spPr>
                     <a:solidFill>
-                      <a:schemeClr val="accent4"/>
+                      <a:schemeClr val="accent2">
+                        <a:lumMod val="60000"/>
+                      </a:schemeClr>
                     </a:solidFill>
                     <a:ln w="9525">
                       <a:solidFill>
-                        <a:schemeClr val="accent4"/>
+                        <a:schemeClr val="accent2">
+                          <a:lumMod val="60000"/>
+                        </a:schemeClr>
                       </a:solidFill>
                     </a:ln>
                     <a:effectLst/>
@@ -1783,12 +1101,12 @@
                     <c:extLst>
                       <c:ext uri="{02D57815-91ED-43cb-92C2-25804820EDAC}">
                         <c15:formulaRef>
-                          <c15:sqref>Foglio1!$B$2:$B$8</c15:sqref>
+                          <c15:sqref>Foglio2!$B$9:$B$12</c15:sqref>
                         </c15:formulaRef>
                       </c:ext>
                     </c:extLst>
                     <c:strCache>
-                      <c:ptCount val="7"/>
+                      <c:ptCount val="4"/>
                       <c:pt idx="0">
                         <c:v>ex15.mtx</c:v>
                       </c:pt>
@@ -1801,31 +1119,40 @@
                       <c:pt idx="3">
                         <c:v>cfd2.mtx</c:v>
                       </c:pt>
-                      <c:pt idx="4">
-                        <c:v>parabolic_fem.mtx</c:v>
-                      </c:pt>
-                      <c:pt idx="5">
-                        <c:v>apache2.mtx</c:v>
-                      </c:pt>
-                      <c:pt idx="6">
-                        <c:v>G3_circuit.mtx</c:v>
-                      </c:pt>
                     </c:strCache>
                   </c:strRef>
                 </c:cat>
                 <c:val>
-                  <c:numLit>
-                    <c:formatCode>General</c:formatCode>
-                    <c:ptCount val="1"/>
-                    <c:pt idx="0">
-                      <c:v>1</c:v>
-                    </c:pt>
-                  </c:numLit>
+                  <c:numRef>
+                    <c:extLst>
+                      <c:ext uri="{02D57815-91ED-43cb-92C2-25804820EDAC}">
+                        <c15:formulaRef>
+                          <c15:sqref>Foglio2!$B$9:$B$12</c15:sqref>
+                        </c15:formulaRef>
+                      </c:ext>
+                    </c:extLst>
+                    <c:numCache>
+                      <c:formatCode>General</c:formatCode>
+                      <c:ptCount val="4"/>
+                      <c:pt idx="0">
+                        <c:v>0</c:v>
+                      </c:pt>
+                      <c:pt idx="1">
+                        <c:v>0</c:v>
+                      </c:pt>
+                      <c:pt idx="2">
+                        <c:v>0</c:v>
+                      </c:pt>
+                      <c:pt idx="3">
+                        <c:v>0</c:v>
+                      </c:pt>
+                    </c:numCache>
+                  </c:numRef>
                 </c:val>
                 <c:smooth val="0"/>
                 <c:extLst>
                   <c:ext xmlns:c16="http://schemas.microsoft.com/office/drawing/2014/chart" uri="{C3380CC4-5D6E-409C-BE32-E72D297353CC}">
-                    <c16:uniqueId val="{00000003-C7F6-4387-93CF-F218142FD0FE}"/>
+                    <c16:uniqueId val="{00000003-9749-413E-B0D6-55922C61CC28}"/>
                   </c:ext>
                 </c:extLst>
               </c15:ser>
@@ -1834,16 +1161,16 @@
         </c:extLst>
       </c:lineChart>
       <c:catAx>
-        <c:axId val="583183503"/>
+        <c:axId val="622155791"/>
         <c:scaling>
           <c:orientation val="minMax"/>
         </c:scaling>
         <c:delete val="0"/>
         <c:axPos val="b"/>
         <c:numFmt formatCode="General" sourceLinked="1"/>
-        <c:majorTickMark val="out"/>
+        <c:majorTickMark val="none"/>
         <c:minorTickMark val="none"/>
-        <c:tickLblPos val="low"/>
+        <c:tickLblPos val="nextTo"/>
         <c:spPr>
           <a:noFill/>
           <a:ln w="9525" cap="flat" cmpd="sng" algn="ctr">
@@ -1877,15 +1204,15 @@
             <a:endParaRPr lang="it-IT"/>
           </a:p>
         </c:txPr>
-        <c:crossAx val="511313055"/>
+        <c:crossAx val="563039743"/>
         <c:crosses val="autoZero"/>
-        <c:auto val="0"/>
+        <c:auto val="1"/>
         <c:lblAlgn val="ctr"/>
         <c:lblOffset val="100"/>
         <c:noMultiLvlLbl val="0"/>
       </c:catAx>
       <c:valAx>
-        <c:axId val="511313055"/>
+        <c:axId val="563039743"/>
         <c:scaling>
           <c:logBase val="10"/>
           <c:orientation val="minMax"/>
@@ -1907,7 +1234,7 @@
           </c:spPr>
         </c:majorGridlines>
         <c:numFmt formatCode="0.E+00" sourceLinked="0"/>
-        <c:majorTickMark val="out"/>
+        <c:majorTickMark val="none"/>
         <c:minorTickMark val="none"/>
         <c:tickLblPos val="nextTo"/>
         <c:spPr>
@@ -1937,7 +1264,7 @@
             <a:endParaRPr lang="it-IT"/>
           </a:p>
         </c:txPr>
-        <c:crossAx val="583183503"/>
+        <c:crossAx val="622155791"/>
         <c:crosses val="autoZero"/>
         <c:crossBetween val="between"/>
       </c:valAx>
@@ -1992,12 +1319,9 @@
     <c:showDLblsOverMax val="0"/>
   </c:chart>
   <c:spPr>
-    <a:solidFill>
-      <a:schemeClr val="bg1"/>
-    </a:solidFill>
-    <a:ln w="9525" cap="flat" cmpd="sng" algn="ctr">
+    <a:noFill/>
+    <a:ln>
       <a:noFill/>
-      <a:round/>
     </a:ln>
     <a:effectLst/>
   </c:spPr>
@@ -2017,7 +1341,7 @@
 </c:chartSpace>
 </file>
 
-<file path=ppt/charts/chart4.xml><?xml version="1.0" encoding="utf-8"?>
+<file path=ppt/charts/chart3.xml><?xml version="1.0" encoding="utf-8"?>
 <c:chartSpace xmlns:c="http://schemas.openxmlformats.org/drawingml/2006/chart" xmlns:a="http://schemas.openxmlformats.org/drawingml/2006/main" xmlns:r="http://schemas.openxmlformats.org/officeDocument/2006/relationships" xmlns:c16r2="http://schemas.microsoft.com/office/drawing/2015/06/chart">
   <c:date1904 val="0"/>
   <c:lang val="it-IT"/>
@@ -2052,13 +1376,8 @@
             </a:pPr>
             <a:r>
               <a:rPr lang="it-IT"/>
-              <a:t> C++</a:t>
-            </a:r>
-            <a:r>
-              <a:rPr lang="it-IT" baseline="0"/>
-              <a:t> - Linux</a:t>
-            </a:r>
-            <a:endParaRPr lang="it-IT"/>
+              <a:t>C++ - Windows</a:t>
+            </a:r>
           </a:p>
         </c:rich>
       </c:tx>
@@ -2101,103 +1420,7 @@
           <c:idx val="0"/>
           <c:order val="0"/>
           <c:tx>
-            <c:v>Chol_size</c:v>
-          </c:tx>
-          <c:spPr>
-            <a:ln w="28575" cap="rnd">
-              <a:solidFill>
-                <a:schemeClr val="accent1"/>
-              </a:solidFill>
-              <a:round/>
-            </a:ln>
-            <a:effectLst/>
-          </c:spPr>
-          <c:marker>
-            <c:symbol val="circle"/>
-            <c:size val="5"/>
-            <c:spPr>
-              <a:solidFill>
-                <a:schemeClr val="accent1"/>
-              </a:solidFill>
-              <a:ln w="9525">
-                <a:solidFill>
-                  <a:schemeClr val="accent1"/>
-                </a:solidFill>
-              </a:ln>
-              <a:effectLst/>
-            </c:spPr>
-          </c:marker>
-          <c:cat>
-            <c:strRef>
-              <c:f>Foglio1!$B$2:$B$8</c:f>
-              <c:strCache>
-                <c:ptCount val="7"/>
-                <c:pt idx="0">
-                  <c:v>ex15.mtx</c:v>
-                </c:pt>
-                <c:pt idx="1">
-                  <c:v>shallow_water1.mtx</c:v>
-                </c:pt>
-                <c:pt idx="2">
-                  <c:v>cfd1.mtx</c:v>
-                </c:pt>
-                <c:pt idx="3">
-                  <c:v>cfd2.mtx</c:v>
-                </c:pt>
-                <c:pt idx="4">
-                  <c:v>parabolic_fem.mtx</c:v>
-                </c:pt>
-                <c:pt idx="5">
-                  <c:v>apache2.mtx</c:v>
-                </c:pt>
-                <c:pt idx="6">
-                  <c:v>G3_circuit.mtx</c:v>
-                </c:pt>
-              </c:strCache>
-            </c:strRef>
-          </c:cat>
-          <c:val>
-            <c:numRef>
-              <c:f>Foglio1!$I$6:$I$12</c:f>
-              <c:numCache>
-                <c:formatCode>General</c:formatCode>
-                <c:ptCount val="7"/>
-                <c:pt idx="0">
-                  <c:v>435446512</c:v>
-                </c:pt>
-                <c:pt idx="1">
-                  <c:v>2671760416</c:v>
-                </c:pt>
-                <c:pt idx="2">
-                  <c:v>2039944908</c:v>
-                </c:pt>
-                <c:pt idx="3">
-                  <c:v>41860000</c:v>
-                </c:pt>
-                <c:pt idx="4">
-                  <c:v>368859400</c:v>
-                </c:pt>
-                <c:pt idx="5">
-                  <c:v>1268173672</c:v>
-                </c:pt>
-                <c:pt idx="6">
-                  <c:v>2498198312</c:v>
-                </c:pt>
-              </c:numCache>
-            </c:numRef>
-          </c:val>
-          <c:smooth val="0"/>
-          <c:extLst>
-            <c:ext xmlns:c16="http://schemas.microsoft.com/office/drawing/2014/chart" uri="{C3380CC4-5D6E-409C-BE32-E72D297353CC}">
-              <c16:uniqueId val="{00000000-B6B2-43ED-984F-8CFD25C2D830}"/>
-            </c:ext>
-          </c:extLst>
-        </c:ser>
-        <c:ser>
-          <c:idx val="1"/>
-          <c:order val="1"/>
-          <c:tx>
-            <c:v>sol_time</c:v>
+            <c:v>chol_size</c:v>
           </c:tx>
           <c:spPr>
             <a:ln w="28575" cap="rnd">
@@ -2225,7 +1448,7 @@
           </c:marker>
           <c:cat>
             <c:strRef>
-              <c:f>Foglio1!$B$2:$B$8</c:f>
+              <c:f>Foglio2!$B$2:$B$8</c:f>
               <c:strCache>
                 <c:ptCount val="7"/>
                 <c:pt idx="0">
@@ -2254,30 +1477,30 @@
           </c:cat>
           <c:val>
             <c:numRef>
-              <c:f>Foglio1!$J$6:$J$12</c:f>
+              <c:f>Foglio2!$I$2:$I$8</c:f>
               <c:numCache>
                 <c:formatCode>General</c:formatCode>
                 <c:ptCount val="7"/>
                 <c:pt idx="0">
-                  <c:v>1591</c:v>
+                  <c:v>2774968</c:v>
                 </c:pt>
                 <c:pt idx="1">
-                  <c:v>7007</c:v>
+                  <c:v>27857172</c:v>
                 </c:pt>
                 <c:pt idx="2">
-                  <c:v>6521</c:v>
+                  <c:v>406911040</c:v>
                 </c:pt>
                 <c:pt idx="3">
-                  <c:v>3.8220000000000001</c:v>
+                  <c:v>904888848</c:v>
                 </c:pt>
                 <c:pt idx="4">
-                  <c:v>68.638000000000005</c:v>
+                  <c:v>435446512</c:v>
                 </c:pt>
                 <c:pt idx="5">
-                  <c:v>260.19299999999998</c:v>
+                  <c:v>2671760416</c:v>
                 </c:pt>
                 <c:pt idx="6">
-                  <c:v>633.50800000000004</c:v>
+                  <c:v>2039944908</c:v>
                 </c:pt>
               </c:numCache>
             </c:numRef>
@@ -2285,7 +1508,103 @@
           <c:smooth val="0"/>
           <c:extLst>
             <c:ext xmlns:c16="http://schemas.microsoft.com/office/drawing/2014/chart" uri="{C3380CC4-5D6E-409C-BE32-E72D297353CC}">
-              <c16:uniqueId val="{00000001-B6B2-43ED-984F-8CFD25C2D830}"/>
+              <c16:uniqueId val="{00000000-509D-4BE5-B592-E9EF15E75E7F}"/>
+            </c:ext>
+          </c:extLst>
+        </c:ser>
+        <c:ser>
+          <c:idx val="1"/>
+          <c:order val="1"/>
+          <c:tx>
+            <c:v>total_time</c:v>
+          </c:tx>
+          <c:spPr>
+            <a:ln w="28575" cap="rnd">
+              <a:solidFill>
+                <a:schemeClr val="accent4"/>
+              </a:solidFill>
+              <a:round/>
+            </a:ln>
+            <a:effectLst/>
+          </c:spPr>
+          <c:marker>
+            <c:symbol val="circle"/>
+            <c:size val="5"/>
+            <c:spPr>
+              <a:solidFill>
+                <a:schemeClr val="accent4"/>
+              </a:solidFill>
+              <a:ln w="9525">
+                <a:solidFill>
+                  <a:schemeClr val="accent4"/>
+                </a:solidFill>
+              </a:ln>
+              <a:effectLst/>
+            </c:spPr>
+          </c:marker>
+          <c:cat>
+            <c:strRef>
+              <c:f>Foglio2!$B$2:$B$8</c:f>
+              <c:strCache>
+                <c:ptCount val="7"/>
+                <c:pt idx="0">
+                  <c:v>ex15.mtx</c:v>
+                </c:pt>
+                <c:pt idx="1">
+                  <c:v>shallow_water1.mtx</c:v>
+                </c:pt>
+                <c:pt idx="2">
+                  <c:v>cfd1.mtx</c:v>
+                </c:pt>
+                <c:pt idx="3">
+                  <c:v>cfd2.mtx</c:v>
+                </c:pt>
+                <c:pt idx="4">
+                  <c:v>parabolic_fem.mtx</c:v>
+                </c:pt>
+                <c:pt idx="5">
+                  <c:v>apache2.mtx</c:v>
+                </c:pt>
+                <c:pt idx="6">
+                  <c:v>G3_circuit.mtx</c:v>
+                </c:pt>
+              </c:strCache>
+            </c:strRef>
+          </c:cat>
+          <c:val>
+            <c:numRef>
+              <c:f>Foglio2!$L$2:$L$8</c:f>
+              <c:numCache>
+                <c:formatCode>General</c:formatCode>
+                <c:ptCount val="7"/>
+                <c:pt idx="0">
+                  <c:v>171</c:v>
+                </c:pt>
+                <c:pt idx="1">
+                  <c:v>3467</c:v>
+                </c:pt>
+                <c:pt idx="2">
+                  <c:v>118484</c:v>
+                </c:pt>
+                <c:pt idx="3">
+                  <c:v>465858</c:v>
+                </c:pt>
+                <c:pt idx="4">
+                  <c:v>71546</c:v>
+                </c:pt>
+                <c:pt idx="5">
+                  <c:v>1626702</c:v>
+                </c:pt>
+                <c:pt idx="6">
+                  <c:v>786299</c:v>
+                </c:pt>
+              </c:numCache>
+            </c:numRef>
+          </c:val>
+          <c:smooth val="0"/>
+          <c:extLst>
+            <c:ext xmlns:c16="http://schemas.microsoft.com/office/drawing/2014/chart" uri="{C3380CC4-5D6E-409C-BE32-E72D297353CC}">
+              <c16:uniqueId val="{00000001-509D-4BE5-B592-E9EF15E75E7F}"/>
             </c:ext>
           </c:extLst>
         </c:ser>
@@ -2298,7 +1617,7 @@
           <c:spPr>
             <a:ln w="28575" cap="rnd">
               <a:solidFill>
-                <a:srgbClr val="FF0000"/>
+                <a:schemeClr val="accent6"/>
               </a:solidFill>
               <a:round/>
             </a:ln>
@@ -2309,11 +1628,11 @@
             <c:size val="5"/>
             <c:spPr>
               <a:solidFill>
-                <a:srgbClr val="FF0000"/>
+                <a:schemeClr val="accent6"/>
               </a:solidFill>
               <a:ln w="9525">
                 <a:solidFill>
-                  <a:schemeClr val="accent3"/>
+                  <a:schemeClr val="accent6"/>
                 </a:solidFill>
               </a:ln>
               <a:effectLst/>
@@ -2321,7 +1640,7 @@
           </c:marker>
           <c:cat>
             <c:strRef>
-              <c:f>Foglio1!$B$2:$B$8</c:f>
+              <c:f>Foglio2!$B$2:$B$8</c:f>
               <c:strCache>
                 <c:ptCount val="7"/>
                 <c:pt idx="0">
@@ -2350,30 +1669,30 @@
           </c:cat>
           <c:val>
             <c:numRef>
-              <c:f>Foglio1!$K$6:$K$12</c:f>
+              <c:f>Foglio2!$K$2:$K$8</c:f>
               <c:numCache>
                 <c:formatCode>General</c:formatCode>
                 <c:ptCount val="7"/>
                 <c:pt idx="0">
-                  <c:v>2.35914E-12</c:v>
+                  <c:v>7.9530000000000003E-7</c:v>
                 </c:pt>
                 <c:pt idx="1">
-                  <c:v>7.6493399999999997E-11</c:v>
+                  <c:v>2.7971300000000002E-16</c:v>
                 </c:pt>
                 <c:pt idx="2">
-                  <c:v>7.5445000000000004E-12</c:v>
+                  <c:v>1.8825099999999998E-12</c:v>
                 </c:pt>
                 <c:pt idx="3">
-                  <c:v>8.5530676175293696E-7</c:v>
+                  <c:v>6.3119199999999996E-12</c:v>
                 </c:pt>
                 <c:pt idx="4">
-                  <c:v>3.2034899408805298E-16</c:v>
+                  <c:v>2.35935E-12</c:v>
                 </c:pt>
                 <c:pt idx="5">
-                  <c:v>2.4587709153303701E-13</c:v>
+                  <c:v>7.6493300000000004E-11</c:v>
                 </c:pt>
                 <c:pt idx="6">
-                  <c:v>6.7556406837391204E-13</c:v>
+                  <c:v>7.5431099999999993E-12</c:v>
                 </c:pt>
               </c:numCache>
             </c:numRef>
@@ -2381,7 +1700,7 @@
           <c:smooth val="0"/>
           <c:extLst>
             <c:ext xmlns:c16="http://schemas.microsoft.com/office/drawing/2014/chart" uri="{C3380CC4-5D6E-409C-BE32-E72D297353CC}">
-              <c16:uniqueId val="{00000002-B6B2-43ED-984F-8CFD25C2D830}"/>
+              <c16:uniqueId val="{00000002-509D-4BE5-B592-E9EF15E75E7F}"/>
             </c:ext>
           </c:extLst>
         </c:ser>
@@ -2395,8 +1714,8 @@
         </c:dLbls>
         <c:marker val="1"/>
         <c:smooth val="0"/>
-        <c:axId val="1114698703"/>
-        <c:axId val="1002171567"/>
+        <c:axId val="569658191"/>
+        <c:axId val="560833455"/>
         <c:extLst>
           <c:ext xmlns:c15="http://schemas.microsoft.com/office/drawing/2012/chart" uri="{02D57815-91ED-43cb-92C2-25804820EDAC}">
             <c15:filteredLineSeries>
@@ -2404,52 +1723,28 @@
                 <c:idx val="3"/>
                 <c:order val="3"/>
                 <c:tx>
-                  <c:strRef>
-                    <c:extLst>
-                      <c:ext uri="{02D57815-91ED-43cb-92C2-25804820EDAC}">
-                        <c15:formulaRef>
-                          <c15:sqref>Foglio1!$B$1</c15:sqref>
-                        </c15:formulaRef>
-                      </c:ext>
-                    </c:extLst>
-                    <c:strCache>
-                      <c:ptCount val="1"/>
-                      <c:pt idx="0">
-                        <c:v>name</c:v>
-                      </c:pt>
-                    </c:strCache>
-                  </c:strRef>
+                  <c:v>name</c:v>
                 </c:tx>
                 <c:spPr>
                   <a:ln w="28575" cap="rnd">
                     <a:solidFill>
-                      <a:schemeClr val="accent4"/>
+                      <a:schemeClr val="accent2">
+                        <a:lumMod val="60000"/>
+                      </a:schemeClr>
                     </a:solidFill>
                     <a:round/>
                   </a:ln>
                   <a:effectLst/>
                 </c:spPr>
                 <c:marker>
-                  <c:symbol val="circle"/>
-                  <c:size val="5"/>
-                  <c:spPr>
-                    <a:solidFill>
-                      <a:schemeClr val="accent4"/>
-                    </a:solidFill>
-                    <a:ln w="9525">
-                      <a:solidFill>
-                        <a:schemeClr val="accent4"/>
-                      </a:solidFill>
-                    </a:ln>
-                    <a:effectLst/>
-                  </c:spPr>
+                  <c:symbol val="none"/>
                 </c:marker>
                 <c:cat>
                   <c:strRef>
                     <c:extLst>
                       <c:ext uri="{02D57815-91ED-43cb-92C2-25804820EDAC}">
                         <c15:formulaRef>
-                          <c15:sqref>Foglio1!$B$2:$B$8</c15:sqref>
+                          <c15:sqref>Foglio2!$B$2:$B$8</c15:sqref>
                         </c15:formulaRef>
                       </c:ext>
                     </c:extLst>
@@ -2480,18 +1775,45 @@
                   </c:strRef>
                 </c:cat>
                 <c:val>
-                  <c:numLit>
-                    <c:formatCode>General</c:formatCode>
-                    <c:ptCount val="1"/>
-                    <c:pt idx="0">
-                      <c:v>1</c:v>
-                    </c:pt>
-                  </c:numLit>
+                  <c:numRef>
+                    <c:extLst>
+                      <c:ext uri="{02D57815-91ED-43cb-92C2-25804820EDAC}">
+                        <c15:formulaRef>
+                          <c15:sqref>Foglio2!$B$2:$B$8</c15:sqref>
+                        </c15:formulaRef>
+                      </c:ext>
+                    </c:extLst>
+                    <c:numCache>
+                      <c:formatCode>General</c:formatCode>
+                      <c:ptCount val="7"/>
+                      <c:pt idx="0">
+                        <c:v>0</c:v>
+                      </c:pt>
+                      <c:pt idx="1">
+                        <c:v>0</c:v>
+                      </c:pt>
+                      <c:pt idx="2">
+                        <c:v>0</c:v>
+                      </c:pt>
+                      <c:pt idx="3">
+                        <c:v>0</c:v>
+                      </c:pt>
+                      <c:pt idx="4">
+                        <c:v>0</c:v>
+                      </c:pt>
+                      <c:pt idx="5">
+                        <c:v>0</c:v>
+                      </c:pt>
+                      <c:pt idx="6">
+                        <c:v>0</c:v>
+                      </c:pt>
+                    </c:numCache>
+                  </c:numRef>
                 </c:val>
                 <c:smooth val="0"/>
                 <c:extLst>
                   <c:ext xmlns:c16="http://schemas.microsoft.com/office/drawing/2014/chart" uri="{C3380CC4-5D6E-409C-BE32-E72D297353CC}">
-                    <c16:uniqueId val="{00000003-B6B2-43ED-984F-8CFD25C2D830}"/>
+                    <c16:uniqueId val="{00000003-509D-4BE5-B592-E9EF15E75E7F}"/>
                   </c:ext>
                 </c:extLst>
               </c15:ser>
@@ -2500,7 +1822,7 @@
         </c:extLst>
       </c:lineChart>
       <c:catAx>
-        <c:axId val="1114698703"/>
+        <c:axId val="569658191"/>
         <c:scaling>
           <c:orientation val="minMax"/>
         </c:scaling>
@@ -2509,7 +1831,7 @@
         <c:numFmt formatCode="General" sourceLinked="1"/>
         <c:majorTickMark val="none"/>
         <c:minorTickMark val="none"/>
-        <c:tickLblPos val="low"/>
+        <c:tickLblPos val="nextTo"/>
         <c:spPr>
           <a:noFill/>
           <a:ln w="9525" cap="flat" cmpd="sng" algn="ctr">
@@ -2543,7 +1865,7 @@
             <a:endParaRPr lang="it-IT"/>
           </a:p>
         </c:txPr>
-        <c:crossAx val="1002171567"/>
+        <c:crossAx val="560833455"/>
         <c:crosses val="autoZero"/>
         <c:auto val="1"/>
         <c:lblAlgn val="ctr"/>
@@ -2551,7 +1873,7 @@
         <c:noMultiLvlLbl val="0"/>
       </c:catAx>
       <c:valAx>
-        <c:axId val="1002171567"/>
+        <c:axId val="560833455"/>
         <c:scaling>
           <c:logBase val="10"/>
           <c:orientation val="minMax"/>
@@ -2603,7 +1925,7 @@
             <a:endParaRPr lang="it-IT"/>
           </a:p>
         </c:txPr>
-        <c:crossAx val="1114698703"/>
+        <c:crossAx val="569658191"/>
         <c:crosses val="autoZero"/>
         <c:crossBetween val="between"/>
       </c:valAx>
@@ -2658,12 +1980,9 @@
     <c:showDLblsOverMax val="0"/>
   </c:chart>
   <c:spPr>
-    <a:solidFill>
-      <a:schemeClr val="bg1"/>
-    </a:solidFill>
-    <a:ln w="9525" cap="flat" cmpd="sng" algn="ctr">
+    <a:noFill/>
+    <a:ln>
       <a:noFill/>
-      <a:round/>
     </a:ln>
     <a:effectLst/>
   </c:spPr>
@@ -2683,7 +2002,7 @@
 </c:chartSpace>
 </file>
 
-<file path=ppt/charts/chart5.xml><?xml version="1.0" encoding="utf-8"?>
+<file path=ppt/charts/chart4.xml><?xml version="1.0" encoding="utf-8"?>
 <c:chartSpace xmlns:c="http://schemas.openxmlformats.org/drawingml/2006/chart" xmlns:a="http://schemas.openxmlformats.org/drawingml/2006/main" xmlns:r="http://schemas.openxmlformats.org/officeDocument/2006/relationships" xmlns:c16r2="http://schemas.microsoft.com/office/drawing/2015/06/chart">
   <c:date1904 val="0"/>
   <c:lang val="it-IT"/>
@@ -2717,677 +2036,8 @@
               </a:defRPr>
             </a:pPr>
             <a:r>
-              <a:rPr lang="en-US"/>
-              <a:t>R - Windows</a:t>
-            </a:r>
-          </a:p>
-        </c:rich>
-      </c:tx>
-      <c:layout>
-        <c:manualLayout>
-          <c:xMode val="edge"/>
-          <c:yMode val="edge"/>
-          <c:x val="0.45603455818022748"/>
-          <c:y val="2.7777777777777776E-2"/>
-        </c:manualLayout>
-      </c:layout>
-      <c:overlay val="0"/>
-      <c:spPr>
-        <a:noFill/>
-        <a:ln>
-          <a:noFill/>
-        </a:ln>
-        <a:effectLst/>
-      </c:spPr>
-      <c:txPr>
-        <a:bodyPr rot="0" spcFirstLastPara="1" vertOverflow="ellipsis" vert="horz" wrap="square" anchor="ctr" anchorCtr="1"/>
-        <a:lstStyle/>
-        <a:p>
-          <a:pPr>
-            <a:defRPr sz="1400" b="0" i="0" u="none" strike="noStrike" kern="1200" spc="0" baseline="0">
-              <a:solidFill>
-                <a:schemeClr val="tx1">
-                  <a:lumMod val="65000"/>
-                  <a:lumOff val="35000"/>
-                </a:schemeClr>
-              </a:solidFill>
-              <a:latin typeface="+mn-lt"/>
-              <a:ea typeface="+mn-ea"/>
-              <a:cs typeface="+mn-cs"/>
-            </a:defRPr>
-          </a:pPr>
-          <a:endParaRPr lang="it-IT"/>
-        </a:p>
-      </c:txPr>
-    </c:title>
-    <c:autoTitleDeleted val="0"/>
-    <c:plotArea>
-      <c:layout/>
-      <c:lineChart>
-        <c:grouping val="standard"/>
-        <c:varyColors val="0"/>
-        <c:ser>
-          <c:idx val="0"/>
-          <c:order val="0"/>
-          <c:tx>
-            <c:v>Chol_size</c:v>
-          </c:tx>
-          <c:spPr>
-            <a:ln w="28575" cap="rnd">
-              <a:solidFill>
-                <a:schemeClr val="accent1"/>
-              </a:solidFill>
-              <a:round/>
-            </a:ln>
-            <a:effectLst/>
-          </c:spPr>
-          <c:marker>
-            <c:symbol val="circle"/>
-            <c:size val="5"/>
-            <c:spPr>
-              <a:solidFill>
-                <a:schemeClr val="accent1"/>
-              </a:solidFill>
-              <a:ln w="9525">
-                <a:solidFill>
-                  <a:schemeClr val="accent1"/>
-                </a:solidFill>
-              </a:ln>
-              <a:effectLst/>
-            </c:spPr>
-          </c:marker>
-          <c:cat>
-            <c:strRef>
-              <c:f>Foglio1!$B$14:$B$20</c:f>
-              <c:strCache>
-                <c:ptCount val="7"/>
-                <c:pt idx="0">
-                  <c:v>ex15.mtx</c:v>
-                </c:pt>
-                <c:pt idx="1">
-                  <c:v>shallow_water1.mtx</c:v>
-                </c:pt>
-                <c:pt idx="2">
-                  <c:v>cfd1.mtx</c:v>
-                </c:pt>
-                <c:pt idx="3">
-                  <c:v>cfd2.mtx</c:v>
-                </c:pt>
-                <c:pt idx="4">
-                  <c:v>parabolic_fem.mtx</c:v>
-                </c:pt>
-                <c:pt idx="5">
-                  <c:v>apache2.mtx</c:v>
-                </c:pt>
-                <c:pt idx="6">
-                  <c:v>G3_circuit.mtx</c:v>
-                </c:pt>
-              </c:strCache>
-            </c:strRef>
-          </c:cat>
-          <c:val>
-            <c:numRef>
-              <c:f>Foglio1!$I$14:$I$20</c:f>
-              <c:numCache>
-                <c:formatCode>0</c:formatCode>
-                <c:ptCount val="7"/>
-                <c:pt idx="0">
-                  <c:v>2129256</c:v>
-                </c:pt>
-                <c:pt idx="1">
-                  <c:v>27083240</c:v>
-                </c:pt>
-                <c:pt idx="2">
-                  <c:v>272271128</c:v>
-                </c:pt>
-                <c:pt idx="3">
-                  <c:v>531015000</c:v>
-                </c:pt>
-                <c:pt idx="4">
-                  <c:v>335653656</c:v>
-                </c:pt>
-                <c:pt idx="5">
-                  <c:v>1639027824</c:v>
-                </c:pt>
-                <c:pt idx="6">
-                  <c:v>1754322224</c:v>
-                </c:pt>
-              </c:numCache>
-            </c:numRef>
-          </c:val>
-          <c:smooth val="0"/>
-          <c:extLst>
-            <c:ext xmlns:c16="http://schemas.microsoft.com/office/drawing/2014/chart" uri="{C3380CC4-5D6E-409C-BE32-E72D297353CC}">
-              <c16:uniqueId val="{00000000-38FD-4909-8BA2-BA1C8486654F}"/>
-            </c:ext>
-          </c:extLst>
-        </c:ser>
-        <c:ser>
-          <c:idx val="1"/>
-          <c:order val="1"/>
-          <c:tx>
-            <c:v>sol_time</c:v>
-          </c:tx>
-          <c:spPr>
-            <a:ln w="28575" cap="rnd">
-              <a:solidFill>
-                <a:schemeClr val="accent2"/>
-              </a:solidFill>
-              <a:round/>
-            </a:ln>
-            <a:effectLst/>
-          </c:spPr>
-          <c:marker>
-            <c:symbol val="circle"/>
-            <c:size val="5"/>
-            <c:spPr>
-              <a:solidFill>
-                <a:schemeClr val="accent2"/>
-              </a:solidFill>
-              <a:ln w="9525">
-                <a:solidFill>
-                  <a:schemeClr val="accent2"/>
-                </a:solidFill>
-              </a:ln>
-              <a:effectLst/>
-            </c:spPr>
-          </c:marker>
-          <c:cat>
-            <c:strRef>
-              <c:f>Foglio1!$B$14:$B$20</c:f>
-              <c:strCache>
-                <c:ptCount val="7"/>
-                <c:pt idx="0">
-                  <c:v>ex15.mtx</c:v>
-                </c:pt>
-                <c:pt idx="1">
-                  <c:v>shallow_water1.mtx</c:v>
-                </c:pt>
-                <c:pt idx="2">
-                  <c:v>cfd1.mtx</c:v>
-                </c:pt>
-                <c:pt idx="3">
-                  <c:v>cfd2.mtx</c:v>
-                </c:pt>
-                <c:pt idx="4">
-                  <c:v>parabolic_fem.mtx</c:v>
-                </c:pt>
-                <c:pt idx="5">
-                  <c:v>apache2.mtx</c:v>
-                </c:pt>
-                <c:pt idx="6">
-                  <c:v>G3_circuit.mtx</c:v>
-                </c:pt>
-              </c:strCache>
-            </c:strRef>
-          </c:cat>
-          <c:val>
-            <c:numRef>
-              <c:f>Foglio1!$J$14:$J$20</c:f>
-              <c:numCache>
-                <c:formatCode>General</c:formatCode>
-                <c:ptCount val="7"/>
-                <c:pt idx="0">
-                  <c:v>2.00009346008301</c:v>
-                </c:pt>
-                <c:pt idx="1">
-                  <c:v>21.0020542144775</c:v>
-                </c:pt>
-                <c:pt idx="2">
-                  <c:v>156.00895881652801</c:v>
-                </c:pt>
-                <c:pt idx="3">
-                  <c:v>302.016973495483</c:v>
-                </c:pt>
-                <c:pt idx="4">
-                  <c:v>232.01298713684099</c:v>
-                </c:pt>
-                <c:pt idx="5">
-                  <c:v>944.05412673950195</c:v>
-                </c:pt>
-                <c:pt idx="6">
-                  <c:v>1588.0908966064501</c:v>
-                </c:pt>
-              </c:numCache>
-            </c:numRef>
-          </c:val>
-          <c:smooth val="0"/>
-          <c:extLst>
-            <c:ext xmlns:c16="http://schemas.microsoft.com/office/drawing/2014/chart" uri="{C3380CC4-5D6E-409C-BE32-E72D297353CC}">
-              <c16:uniqueId val="{00000001-38FD-4909-8BA2-BA1C8486654F}"/>
-            </c:ext>
-          </c:extLst>
-        </c:ser>
-        <c:ser>
-          <c:idx val="2"/>
-          <c:order val="2"/>
-          <c:tx>
-            <c:v>err</c:v>
-          </c:tx>
-          <c:spPr>
-            <a:ln w="28575" cap="rnd">
-              <a:solidFill>
-                <a:srgbClr val="FF0000"/>
-              </a:solidFill>
-              <a:round/>
-            </a:ln>
-            <a:effectLst/>
-          </c:spPr>
-          <c:marker>
-            <c:symbol val="circle"/>
-            <c:size val="5"/>
-            <c:spPr>
-              <a:solidFill>
-                <a:srgbClr val="FF0000"/>
-              </a:solidFill>
-              <a:ln w="9525">
-                <a:solidFill>
-                  <a:schemeClr val="accent3"/>
-                </a:solidFill>
-              </a:ln>
-              <a:effectLst/>
-            </c:spPr>
-          </c:marker>
-          <c:cat>
-            <c:strRef>
-              <c:f>Foglio1!$B$14:$B$20</c:f>
-              <c:strCache>
-                <c:ptCount val="7"/>
-                <c:pt idx="0">
-                  <c:v>ex15.mtx</c:v>
-                </c:pt>
-                <c:pt idx="1">
-                  <c:v>shallow_water1.mtx</c:v>
-                </c:pt>
-                <c:pt idx="2">
-                  <c:v>cfd1.mtx</c:v>
-                </c:pt>
-                <c:pt idx="3">
-                  <c:v>cfd2.mtx</c:v>
-                </c:pt>
-                <c:pt idx="4">
-                  <c:v>parabolic_fem.mtx</c:v>
-                </c:pt>
-                <c:pt idx="5">
-                  <c:v>apache2.mtx</c:v>
-                </c:pt>
-                <c:pt idx="6">
-                  <c:v>G3_circuit.mtx</c:v>
-                </c:pt>
-              </c:strCache>
-            </c:strRef>
-          </c:cat>
-          <c:val>
-            <c:numRef>
-              <c:f>Foglio1!$K$14:$K$20</c:f>
-              <c:numCache>
-                <c:formatCode>General</c:formatCode>
-                <c:ptCount val="7"/>
-                <c:pt idx="0">
-                  <c:v>7.2985734767509496E-7</c:v>
-                </c:pt>
-                <c:pt idx="1">
-                  <c:v>2.7905845826963299E-16</c:v>
-                </c:pt>
-                <c:pt idx="2">
-                  <c:v>1.3026412782843E-13</c:v>
-                </c:pt>
-                <c:pt idx="3">
-                  <c:v>1.27750318052995E-12</c:v>
-                </c:pt>
-                <c:pt idx="4">
-                  <c:v>2.3078895379913298E-12</c:v>
-                </c:pt>
-                <c:pt idx="5">
-                  <c:v>1.7218014336550301E-11</c:v>
-                </c:pt>
-                <c:pt idx="6">
-                  <c:v>1.2908723645494E-12</c:v>
-                </c:pt>
-              </c:numCache>
-            </c:numRef>
-          </c:val>
-          <c:smooth val="0"/>
-          <c:extLst>
-            <c:ext xmlns:c16="http://schemas.microsoft.com/office/drawing/2014/chart" uri="{C3380CC4-5D6E-409C-BE32-E72D297353CC}">
-              <c16:uniqueId val="{00000002-38FD-4909-8BA2-BA1C8486654F}"/>
-            </c:ext>
-          </c:extLst>
-        </c:ser>
-        <c:dLbls>
-          <c:showLegendKey val="0"/>
-          <c:showVal val="0"/>
-          <c:showCatName val="0"/>
-          <c:showSerName val="0"/>
-          <c:showPercent val="0"/>
-          <c:showBubbleSize val="0"/>
-        </c:dLbls>
-        <c:marker val="1"/>
-        <c:smooth val="0"/>
-        <c:axId val="1552884959"/>
-        <c:axId val="1552618463"/>
-        <c:extLst>
-          <c:ext xmlns:c15="http://schemas.microsoft.com/office/drawing/2012/chart" uri="{02D57815-91ED-43cb-92C2-25804820EDAC}">
-            <c15:filteredLineSeries>
-              <c15:ser>
-                <c:idx val="3"/>
-                <c:order val="3"/>
-                <c:tx>
-                  <c:strRef>
-                    <c:extLst>
-                      <c:ext uri="{02D57815-91ED-43cb-92C2-25804820EDAC}">
-                        <c15:formulaRef>
-                          <c15:sqref>Foglio1!$B$1</c15:sqref>
-                        </c15:formulaRef>
-                      </c:ext>
-                    </c:extLst>
-                    <c:strCache>
-                      <c:ptCount val="1"/>
-                      <c:pt idx="0">
-                        <c:v>name</c:v>
-                      </c:pt>
-                    </c:strCache>
-                  </c:strRef>
-                </c:tx>
-                <c:spPr>
-                  <a:ln w="28575" cap="rnd">
-                    <a:solidFill>
-                      <a:schemeClr val="accent4"/>
-                    </a:solidFill>
-                    <a:round/>
-                  </a:ln>
-                  <a:effectLst/>
-                </c:spPr>
-                <c:marker>
-                  <c:symbol val="circle"/>
-                  <c:size val="5"/>
-                  <c:spPr>
-                    <a:solidFill>
-                      <a:schemeClr val="accent4"/>
-                    </a:solidFill>
-                    <a:ln w="9525">
-                      <a:solidFill>
-                        <a:schemeClr val="accent4"/>
-                      </a:solidFill>
-                    </a:ln>
-                    <a:effectLst/>
-                  </c:spPr>
-                </c:marker>
-                <c:cat>
-                  <c:strRef>
-                    <c:extLst>
-                      <c:ext uri="{02D57815-91ED-43cb-92C2-25804820EDAC}">
-                        <c15:formulaRef>
-                          <c15:sqref>Foglio1!$B$14:$B$20</c15:sqref>
-                        </c15:formulaRef>
-                      </c:ext>
-                    </c:extLst>
-                    <c:strCache>
-                      <c:ptCount val="7"/>
-                      <c:pt idx="0">
-                        <c:v>ex15.mtx</c:v>
-                      </c:pt>
-                      <c:pt idx="1">
-                        <c:v>shallow_water1.mtx</c:v>
-                      </c:pt>
-                      <c:pt idx="2">
-                        <c:v>cfd1.mtx</c:v>
-                      </c:pt>
-                      <c:pt idx="3">
-                        <c:v>cfd2.mtx</c:v>
-                      </c:pt>
-                      <c:pt idx="4">
-                        <c:v>parabolic_fem.mtx</c:v>
-                      </c:pt>
-                      <c:pt idx="5">
-                        <c:v>apache2.mtx</c:v>
-                      </c:pt>
-                      <c:pt idx="6">
-                        <c:v>G3_circuit.mtx</c:v>
-                      </c:pt>
-                    </c:strCache>
-                  </c:strRef>
-                </c:cat>
-                <c:val>
-                  <c:numLit>
-                    <c:formatCode>General</c:formatCode>
-                    <c:ptCount val="1"/>
-                    <c:pt idx="0">
-                      <c:v>1</c:v>
-                    </c:pt>
-                  </c:numLit>
-                </c:val>
-                <c:smooth val="0"/>
-                <c:extLst>
-                  <c:ext xmlns:c16="http://schemas.microsoft.com/office/drawing/2014/chart" uri="{C3380CC4-5D6E-409C-BE32-E72D297353CC}">
-                    <c16:uniqueId val="{00000003-38FD-4909-8BA2-BA1C8486654F}"/>
-                  </c:ext>
-                </c:extLst>
-              </c15:ser>
-            </c15:filteredLineSeries>
-          </c:ext>
-        </c:extLst>
-      </c:lineChart>
-      <c:catAx>
-        <c:axId val="1552884959"/>
-        <c:scaling>
-          <c:orientation val="minMax"/>
-        </c:scaling>
-        <c:delete val="0"/>
-        <c:axPos val="b"/>
-        <c:numFmt formatCode="General" sourceLinked="1"/>
-        <c:majorTickMark val="none"/>
-        <c:minorTickMark val="none"/>
-        <c:tickLblPos val="low"/>
-        <c:spPr>
-          <a:noFill/>
-          <a:ln w="9525" cap="flat" cmpd="sng" algn="ctr">
-            <a:solidFill>
-              <a:schemeClr val="tx1">
-                <a:lumMod val="15000"/>
-                <a:lumOff val="85000"/>
-              </a:schemeClr>
-            </a:solidFill>
-            <a:round/>
-          </a:ln>
-          <a:effectLst/>
-        </c:spPr>
-        <c:txPr>
-          <a:bodyPr rot="-60000000" spcFirstLastPara="1" vertOverflow="ellipsis" vert="horz" wrap="square" anchor="ctr" anchorCtr="1"/>
-          <a:lstStyle/>
-          <a:p>
-            <a:pPr>
-              <a:defRPr sz="900" b="0" i="0" u="none" strike="noStrike" kern="1200" baseline="0">
-                <a:solidFill>
-                  <a:schemeClr val="tx1">
-                    <a:lumMod val="65000"/>
-                    <a:lumOff val="35000"/>
-                  </a:schemeClr>
-                </a:solidFill>
-                <a:latin typeface="+mn-lt"/>
-                <a:ea typeface="+mn-ea"/>
-                <a:cs typeface="+mn-cs"/>
-              </a:defRPr>
-            </a:pPr>
-            <a:endParaRPr lang="it-IT"/>
-          </a:p>
-        </c:txPr>
-        <c:crossAx val="1552618463"/>
-        <c:crosses val="autoZero"/>
-        <c:auto val="1"/>
-        <c:lblAlgn val="ctr"/>
-        <c:lblOffset val="100"/>
-        <c:noMultiLvlLbl val="0"/>
-      </c:catAx>
-      <c:valAx>
-        <c:axId val="1552618463"/>
-        <c:scaling>
-          <c:logBase val="10"/>
-          <c:orientation val="minMax"/>
-        </c:scaling>
-        <c:delete val="0"/>
-        <c:axPos val="l"/>
-        <c:majorGridlines>
-          <c:spPr>
-            <a:ln w="9525" cap="flat" cmpd="sng" algn="ctr">
-              <a:solidFill>
-                <a:schemeClr val="tx1">
-                  <a:lumMod val="15000"/>
-                  <a:lumOff val="85000"/>
-                </a:schemeClr>
-              </a:solidFill>
-              <a:round/>
-            </a:ln>
-            <a:effectLst/>
-          </c:spPr>
-        </c:majorGridlines>
-        <c:numFmt formatCode="0.E+00" sourceLinked="0"/>
-        <c:majorTickMark val="none"/>
-        <c:minorTickMark val="none"/>
-        <c:tickLblPos val="nextTo"/>
-        <c:spPr>
-          <a:noFill/>
-          <a:ln>
-            <a:noFill/>
-          </a:ln>
-          <a:effectLst/>
-        </c:spPr>
-        <c:txPr>
-          <a:bodyPr rot="-60000000" spcFirstLastPara="1" vertOverflow="ellipsis" vert="horz" wrap="square" anchor="ctr" anchorCtr="1"/>
-          <a:lstStyle/>
-          <a:p>
-            <a:pPr>
-              <a:defRPr sz="900" b="0" i="0" u="none" strike="noStrike" kern="1200" baseline="0">
-                <a:solidFill>
-                  <a:schemeClr val="tx1">
-                    <a:lumMod val="65000"/>
-                    <a:lumOff val="35000"/>
-                  </a:schemeClr>
-                </a:solidFill>
-                <a:latin typeface="+mn-lt"/>
-                <a:ea typeface="+mn-ea"/>
-                <a:cs typeface="+mn-cs"/>
-              </a:defRPr>
-            </a:pPr>
-            <a:endParaRPr lang="it-IT"/>
-          </a:p>
-        </c:txPr>
-        <c:crossAx val="1552884959"/>
-        <c:crosses val="autoZero"/>
-        <c:crossBetween val="between"/>
-      </c:valAx>
-      <c:spPr>
-        <a:noFill/>
-        <a:ln>
-          <a:noFill/>
-        </a:ln>
-        <a:effectLst/>
-      </c:spPr>
-    </c:plotArea>
-    <c:legend>
-      <c:legendPos val="r"/>
-      <c:overlay val="0"/>
-      <c:spPr>
-        <a:noFill/>
-        <a:ln>
-          <a:noFill/>
-        </a:ln>
-        <a:effectLst/>
-      </c:spPr>
-      <c:txPr>
-        <a:bodyPr rot="0" spcFirstLastPara="1" vertOverflow="ellipsis" vert="horz" wrap="square" anchor="ctr" anchorCtr="1"/>
-        <a:lstStyle/>
-        <a:p>
-          <a:pPr>
-            <a:defRPr sz="900" b="0" i="0" u="none" strike="noStrike" kern="1200" baseline="0">
-              <a:solidFill>
-                <a:schemeClr val="tx1">
-                  <a:lumMod val="65000"/>
-                  <a:lumOff val="35000"/>
-                </a:schemeClr>
-              </a:solidFill>
-              <a:latin typeface="+mn-lt"/>
-              <a:ea typeface="+mn-ea"/>
-              <a:cs typeface="+mn-cs"/>
-            </a:defRPr>
-          </a:pPr>
-          <a:endParaRPr lang="it-IT"/>
-        </a:p>
-      </c:txPr>
-    </c:legend>
-    <c:plotVisOnly val="1"/>
-    <c:dispBlanksAs val="zero"/>
-    <c:extLst>
-      <c:ext xmlns:c16r3="http://schemas.microsoft.com/office/drawing/2017/03/chart" uri="{56B9EC1D-385E-4148-901F-78D8002777C0}">
-        <c16r3:dataDisplayOptions16>
-          <c16r3:dispNaAsBlank val="1"/>
-        </c16r3:dataDisplayOptions16>
-      </c:ext>
-    </c:extLst>
-    <c:showDLblsOverMax val="0"/>
-  </c:chart>
-  <c:spPr>
-    <a:solidFill>
-      <a:schemeClr val="bg1"/>
-    </a:solidFill>
-    <a:ln w="9525" cap="flat" cmpd="sng" algn="ctr">
-      <a:noFill/>
-      <a:round/>
-    </a:ln>
-    <a:effectLst/>
-  </c:spPr>
-  <c:txPr>
-    <a:bodyPr/>
-    <a:lstStyle/>
-    <a:p>
-      <a:pPr>
-        <a:defRPr/>
-      </a:pPr>
-      <a:endParaRPr lang="it-IT"/>
-    </a:p>
-  </c:txPr>
-  <c:externalData r:id="rId3">
-    <c:autoUpdate val="0"/>
-  </c:externalData>
-</c:chartSpace>
-</file>
-
-<file path=ppt/charts/chart6.xml><?xml version="1.0" encoding="utf-8"?>
-<c:chartSpace xmlns:c="http://schemas.openxmlformats.org/drawingml/2006/chart" xmlns:a="http://schemas.openxmlformats.org/drawingml/2006/main" xmlns:r="http://schemas.openxmlformats.org/officeDocument/2006/relationships" xmlns:c16r2="http://schemas.microsoft.com/office/drawing/2015/06/chart">
-  <c:date1904 val="0"/>
-  <c:lang val="it-IT"/>
-  <c:roundedCorners val="0"/>
-  <mc:AlternateContent xmlns:mc="http://schemas.openxmlformats.org/markup-compatibility/2006">
-    <mc:Choice xmlns:c14="http://schemas.microsoft.com/office/drawing/2007/8/2/chart" Requires="c14">
-      <c14:style val="102"/>
-    </mc:Choice>
-    <mc:Fallback>
-      <c:style val="2"/>
-    </mc:Fallback>
-  </mc:AlternateContent>
-  <c:chart>
-    <c:title>
-      <c:tx>
-        <c:rich>
-          <a:bodyPr rot="0" spcFirstLastPara="1" vertOverflow="ellipsis" vert="horz" wrap="square" anchor="ctr" anchorCtr="1"/>
-          <a:lstStyle/>
-          <a:p>
-            <a:pPr>
-              <a:defRPr sz="1400" b="0" i="0" u="none" strike="noStrike" kern="1200" spc="0" baseline="0">
-                <a:solidFill>
-                  <a:schemeClr val="tx1">
-                    <a:lumMod val="65000"/>
-                    <a:lumOff val="35000"/>
-                  </a:schemeClr>
-                </a:solidFill>
-                <a:latin typeface="+mn-lt"/>
-                <a:ea typeface="+mn-ea"/>
-                <a:cs typeface="+mn-cs"/>
-              </a:defRPr>
-            </a:pPr>
-            <a:r>
               <a:rPr lang="it-IT"/>
-              <a:t>R - Linux</a:t>
+              <a:t>C++ - Linux</a:t>
             </a:r>
           </a:p>
         </c:rich>
@@ -3431,103 +2081,7 @@
           <c:idx val="0"/>
           <c:order val="0"/>
           <c:tx>
-            <c:v>Chol_size</c:v>
-          </c:tx>
-          <c:spPr>
-            <a:ln w="28575" cap="rnd">
-              <a:solidFill>
-                <a:schemeClr val="accent1"/>
-              </a:solidFill>
-              <a:round/>
-            </a:ln>
-            <a:effectLst/>
-          </c:spPr>
-          <c:marker>
-            <c:symbol val="circle"/>
-            <c:size val="5"/>
-            <c:spPr>
-              <a:solidFill>
-                <a:schemeClr val="accent1"/>
-              </a:solidFill>
-              <a:ln w="9525">
-                <a:solidFill>
-                  <a:schemeClr val="accent1"/>
-                </a:solidFill>
-              </a:ln>
-              <a:effectLst/>
-            </c:spPr>
-          </c:marker>
-          <c:cat>
-            <c:strRef>
-              <c:f>Foglio1!$B$20:$B$26</c:f>
-              <c:strCache>
-                <c:ptCount val="7"/>
-                <c:pt idx="0">
-                  <c:v>ex15.mtx</c:v>
-                </c:pt>
-                <c:pt idx="1">
-                  <c:v>shallow_water1.mtx</c:v>
-                </c:pt>
-                <c:pt idx="2">
-                  <c:v>cfd1.mtx</c:v>
-                </c:pt>
-                <c:pt idx="3">
-                  <c:v>cfd2.mtx</c:v>
-                </c:pt>
-                <c:pt idx="4">
-                  <c:v>parabolic_fem.mtx</c:v>
-                </c:pt>
-                <c:pt idx="5">
-                  <c:v>apache2.mtx</c:v>
-                </c:pt>
-                <c:pt idx="6">
-                  <c:v>G3_circuit.mtx</c:v>
-                </c:pt>
-              </c:strCache>
-            </c:strRef>
-          </c:cat>
-          <c:val>
-            <c:numRef>
-              <c:f>Foglio1!$I$13:$I$19</c:f>
-              <c:numCache>
-                <c:formatCode>General</c:formatCode>
-                <c:ptCount val="7"/>
-                <c:pt idx="0">
-                  <c:v>3445756</c:v>
-                </c:pt>
-                <c:pt idx="1">
-                  <c:v>39794652</c:v>
-                </c:pt>
-                <c:pt idx="2">
-                  <c:v>241522768</c:v>
-                </c:pt>
-                <c:pt idx="3">
-                  <c:v>455155020</c:v>
-                </c:pt>
-                <c:pt idx="4" formatCode="0">
-                  <c:v>505652608</c:v>
-                </c:pt>
-                <c:pt idx="5">
-                  <c:v>1694291848</c:v>
-                </c:pt>
-                <c:pt idx="6">
-                  <c:v>1323715140</c:v>
-                </c:pt>
-              </c:numCache>
-            </c:numRef>
-          </c:val>
-          <c:smooth val="0"/>
-          <c:extLst>
-            <c:ext xmlns:c16="http://schemas.microsoft.com/office/drawing/2014/chart" uri="{C3380CC4-5D6E-409C-BE32-E72D297353CC}">
-              <c16:uniqueId val="{00000000-2AC4-4B9F-B13E-0A37DB1E7650}"/>
-            </c:ext>
-          </c:extLst>
-        </c:ser>
-        <c:ser>
-          <c:idx val="1"/>
-          <c:order val="1"/>
-          <c:tx>
-            <c:v>sol_time</c:v>
+            <c:v>chol_size</c:v>
           </c:tx>
           <c:spPr>
             <a:ln w="28575" cap="rnd">
@@ -3555,7 +2109,7 @@
           </c:marker>
           <c:cat>
             <c:strRef>
-              <c:f>Foglio1!$B$20:$B$26</c:f>
+              <c:f>Foglio2!$B$2:$B$8</c:f>
               <c:strCache>
                 <c:ptCount val="7"/>
                 <c:pt idx="0">
@@ -3584,30 +2138,30 @@
           </c:cat>
           <c:val>
             <c:numRef>
-              <c:f>Foglio1!$J$13:$J$19</c:f>
+              <c:f>Foglio2!$I$2:$I$8</c:f>
               <c:numCache>
                 <c:formatCode>General</c:formatCode>
                 <c:ptCount val="7"/>
                 <c:pt idx="0">
-                  <c:v>1.0008450000071889</c:v>
+                  <c:v>2774968</c:v>
                 </c:pt>
                 <c:pt idx="1">
-                  <c:v>11.020814999994855</c:v>
+                  <c:v>27857172</c:v>
                 </c:pt>
                 <c:pt idx="2">
-                  <c:v>48.668755000022657</c:v>
+                  <c:v>406911040</c:v>
                 </c:pt>
                 <c:pt idx="3">
-                  <c:v>86.334539000006316</c:v>
+                  <c:v>904888848</c:v>
                 </c:pt>
                 <c:pt idx="4">
-                  <c:v>114.69721199999938</c:v>
+                  <c:v>435446512</c:v>
                 </c:pt>
                 <c:pt idx="5">
-                  <c:v>338.41094100000646</c:v>
+                  <c:v>2671760416</c:v>
                 </c:pt>
                 <c:pt idx="6">
-                  <c:v>327.97127400000647</c:v>
+                  <c:v>2039944908</c:v>
                 </c:pt>
               </c:numCache>
             </c:numRef>
@@ -3615,7 +2169,103 @@
           <c:smooth val="0"/>
           <c:extLst>
             <c:ext xmlns:c16="http://schemas.microsoft.com/office/drawing/2014/chart" uri="{C3380CC4-5D6E-409C-BE32-E72D297353CC}">
-              <c16:uniqueId val="{00000001-2AC4-4B9F-B13E-0A37DB1E7650}"/>
+              <c16:uniqueId val="{00000000-50A0-412C-B413-9F2FD48CD982}"/>
+            </c:ext>
+          </c:extLst>
+        </c:ser>
+        <c:ser>
+          <c:idx val="1"/>
+          <c:order val="1"/>
+          <c:tx>
+            <c:v>total_time</c:v>
+          </c:tx>
+          <c:spPr>
+            <a:ln w="28575" cap="rnd">
+              <a:solidFill>
+                <a:schemeClr val="accent4"/>
+              </a:solidFill>
+              <a:round/>
+            </a:ln>
+            <a:effectLst/>
+          </c:spPr>
+          <c:marker>
+            <c:symbol val="circle"/>
+            <c:size val="5"/>
+            <c:spPr>
+              <a:solidFill>
+                <a:schemeClr val="accent4"/>
+              </a:solidFill>
+              <a:ln w="9525">
+                <a:solidFill>
+                  <a:schemeClr val="accent4"/>
+                </a:solidFill>
+              </a:ln>
+              <a:effectLst/>
+            </c:spPr>
+          </c:marker>
+          <c:cat>
+            <c:strRef>
+              <c:f>Foglio2!$B$2:$B$8</c:f>
+              <c:strCache>
+                <c:ptCount val="7"/>
+                <c:pt idx="0">
+                  <c:v>ex15.mtx</c:v>
+                </c:pt>
+                <c:pt idx="1">
+                  <c:v>shallow_water1.mtx</c:v>
+                </c:pt>
+                <c:pt idx="2">
+                  <c:v>cfd1.mtx</c:v>
+                </c:pt>
+                <c:pt idx="3">
+                  <c:v>cfd2.mtx</c:v>
+                </c:pt>
+                <c:pt idx="4">
+                  <c:v>parabolic_fem.mtx</c:v>
+                </c:pt>
+                <c:pt idx="5">
+                  <c:v>apache2.mtx</c:v>
+                </c:pt>
+                <c:pt idx="6">
+                  <c:v>G3_circuit.mtx</c:v>
+                </c:pt>
+              </c:strCache>
+            </c:strRef>
+          </c:cat>
+          <c:val>
+            <c:numRef>
+              <c:f>Foglio2!$L$2:$L$8</c:f>
+              <c:numCache>
+                <c:formatCode>General</c:formatCode>
+                <c:ptCount val="7"/>
+                <c:pt idx="0">
+                  <c:v>196</c:v>
+                </c:pt>
+                <c:pt idx="1">
+                  <c:v>4092</c:v>
+                </c:pt>
+                <c:pt idx="2">
+                  <c:v>141335</c:v>
+                </c:pt>
+                <c:pt idx="3">
+                  <c:v>551363</c:v>
+                </c:pt>
+                <c:pt idx="4">
+                  <c:v>86074</c:v>
+                </c:pt>
+                <c:pt idx="5">
+                  <c:v>1940900</c:v>
+                </c:pt>
+                <c:pt idx="6">
+                  <c:v>940792</c:v>
+                </c:pt>
+              </c:numCache>
+            </c:numRef>
+          </c:val>
+          <c:smooth val="0"/>
+          <c:extLst>
+            <c:ext xmlns:c16="http://schemas.microsoft.com/office/drawing/2014/chart" uri="{C3380CC4-5D6E-409C-BE32-E72D297353CC}">
+              <c16:uniqueId val="{00000001-50A0-412C-B413-9F2FD48CD982}"/>
             </c:ext>
           </c:extLst>
         </c:ser>
@@ -3628,7 +2278,7 @@
           <c:spPr>
             <a:ln w="28575" cap="rnd">
               <a:solidFill>
-                <a:srgbClr val="FF0000"/>
+                <a:schemeClr val="accent6"/>
               </a:solidFill>
               <a:round/>
             </a:ln>
@@ -3639,11 +2289,11 @@
             <c:size val="5"/>
             <c:spPr>
               <a:solidFill>
-                <a:srgbClr val="FF0000"/>
+                <a:schemeClr val="accent6"/>
               </a:solidFill>
               <a:ln w="9525">
                 <a:solidFill>
-                  <a:schemeClr val="accent3"/>
+                  <a:schemeClr val="accent6"/>
                 </a:solidFill>
               </a:ln>
               <a:effectLst/>
@@ -3651,7 +2301,7 @@
           </c:marker>
           <c:cat>
             <c:strRef>
-              <c:f>Foglio1!$B$20:$B$26</c:f>
+              <c:f>Foglio2!$B$2:$B$8</c:f>
               <c:strCache>
                 <c:ptCount val="7"/>
                 <c:pt idx="0">
@@ -3680,30 +2330,30 @@
           </c:cat>
           <c:val>
             <c:numRef>
-              <c:f>Foglio1!$K$13:$K$19</c:f>
+              <c:f>Foglio2!$K$2:$K$8</c:f>
               <c:numCache>
                 <c:formatCode>General</c:formatCode>
                 <c:ptCount val="7"/>
                 <c:pt idx="0">
-                  <c:v>6.3730398920252567E-7</c:v>
+                  <c:v>7.9530000000000003E-7</c:v>
                 </c:pt>
                 <c:pt idx="1">
-                  <c:v>2.4191432592763325E-16</c:v>
+                  <c:v>2.7969900000000002E-16</c:v>
                 </c:pt>
                 <c:pt idx="2">
-                  <c:v>2.4936662481657558E-14</c:v>
+                  <c:v>1.8845500000000001E-12</c:v>
                 </c:pt>
                 <c:pt idx="3">
-                  <c:v>3.79734620529076E-13</c:v>
+                  <c:v>6.3179100000000001E-12</c:v>
                 </c:pt>
                 <c:pt idx="4">
-                  <c:v>1.2186342978855653E-12</c:v>
+                  <c:v>2.35914E-12</c:v>
                 </c:pt>
                 <c:pt idx="5">
-                  <c:v>2.6439542358305498E-11</c:v>
+                  <c:v>7.6493399999999997E-11</c:v>
                 </c:pt>
                 <c:pt idx="6">
-                  <c:v>2.7419663599645289E-12</c:v>
+                  <c:v>7.5445000000000004E-12</c:v>
                 </c:pt>
               </c:numCache>
             </c:numRef>
@@ -3711,7 +2361,7 @@
           <c:smooth val="0"/>
           <c:extLst>
             <c:ext xmlns:c16="http://schemas.microsoft.com/office/drawing/2014/chart" uri="{C3380CC4-5D6E-409C-BE32-E72D297353CC}">
-              <c16:uniqueId val="{00000002-2AC4-4B9F-B13E-0A37DB1E7650}"/>
+              <c16:uniqueId val="{00000002-50A0-412C-B413-9F2FD48CD982}"/>
             </c:ext>
           </c:extLst>
         </c:ser>
@@ -3725,8 +2375,8 @@
         </c:dLbls>
         <c:marker val="1"/>
         <c:smooth val="0"/>
-        <c:axId val="1189074223"/>
-        <c:axId val="1002168655"/>
+        <c:axId val="622152991"/>
+        <c:axId val="563056383"/>
         <c:extLst>
           <c:ext xmlns:c15="http://schemas.microsoft.com/office/drawing/2012/chart" uri="{02D57815-91ED-43cb-92C2-25804820EDAC}">
             <c15:filteredLineSeries>
@@ -3734,26 +2384,14 @@
                 <c:idx val="3"/>
                 <c:order val="3"/>
                 <c:tx>
-                  <c:strRef>
-                    <c:extLst>
-                      <c:ext uri="{02D57815-91ED-43cb-92C2-25804820EDAC}">
-                        <c15:formulaRef>
-                          <c15:sqref>Foglio1!$B$1</c15:sqref>
-                        </c15:formulaRef>
-                      </c:ext>
-                    </c:extLst>
-                    <c:strCache>
-                      <c:ptCount val="1"/>
-                      <c:pt idx="0">
-                        <c:v>name</c:v>
-                      </c:pt>
-                    </c:strCache>
-                  </c:strRef>
+                  <c:v>name</c:v>
                 </c:tx>
                 <c:spPr>
                   <a:ln w="28575" cap="rnd">
                     <a:solidFill>
-                      <a:schemeClr val="accent4"/>
+                      <a:schemeClr val="accent2">
+                        <a:lumMod val="60000"/>
+                      </a:schemeClr>
                     </a:solidFill>
                     <a:round/>
                   </a:ln>
@@ -3764,11 +2402,15 @@
                   <c:size val="5"/>
                   <c:spPr>
                     <a:solidFill>
-                      <a:schemeClr val="accent4"/>
+                      <a:schemeClr val="accent2">
+                        <a:lumMod val="60000"/>
+                      </a:schemeClr>
                     </a:solidFill>
                     <a:ln w="9525">
                       <a:solidFill>
-                        <a:schemeClr val="accent4"/>
+                        <a:schemeClr val="accent2">
+                          <a:lumMod val="60000"/>
+                        </a:schemeClr>
                       </a:solidFill>
                     </a:ln>
                     <a:effectLst/>
@@ -3779,7 +2421,7 @@
                     <c:extLst>
                       <c:ext uri="{02D57815-91ED-43cb-92C2-25804820EDAC}">
                         <c15:formulaRef>
-                          <c15:sqref>Foglio1!$B$20:$B$26</c15:sqref>
+                          <c15:sqref>Foglio2!$B$2:$B$8</c15:sqref>
                         </c15:formulaRef>
                       </c:ext>
                     </c:extLst>
@@ -3810,18 +2452,45 @@
                   </c:strRef>
                 </c:cat>
                 <c:val>
-                  <c:numLit>
-                    <c:formatCode>General</c:formatCode>
-                    <c:ptCount val="1"/>
-                    <c:pt idx="0">
-                      <c:v>1</c:v>
-                    </c:pt>
-                  </c:numLit>
+                  <c:numRef>
+                    <c:extLst>
+                      <c:ext uri="{02D57815-91ED-43cb-92C2-25804820EDAC}">
+                        <c15:formulaRef>
+                          <c15:sqref>Foglio2!$B$2:$B$8</c15:sqref>
+                        </c15:formulaRef>
+                      </c:ext>
+                    </c:extLst>
+                    <c:numCache>
+                      <c:formatCode>General</c:formatCode>
+                      <c:ptCount val="7"/>
+                      <c:pt idx="0">
+                        <c:v>0</c:v>
+                      </c:pt>
+                      <c:pt idx="1">
+                        <c:v>0</c:v>
+                      </c:pt>
+                      <c:pt idx="2">
+                        <c:v>0</c:v>
+                      </c:pt>
+                      <c:pt idx="3">
+                        <c:v>0</c:v>
+                      </c:pt>
+                      <c:pt idx="4">
+                        <c:v>0</c:v>
+                      </c:pt>
+                      <c:pt idx="5">
+                        <c:v>0</c:v>
+                      </c:pt>
+                      <c:pt idx="6">
+                        <c:v>0</c:v>
+                      </c:pt>
+                    </c:numCache>
+                  </c:numRef>
                 </c:val>
                 <c:smooth val="0"/>
                 <c:extLst>
                   <c:ext xmlns:c16="http://schemas.microsoft.com/office/drawing/2014/chart" uri="{C3380CC4-5D6E-409C-BE32-E72D297353CC}">
-                    <c16:uniqueId val="{00000003-2AC4-4B9F-B13E-0A37DB1E7650}"/>
+                    <c16:uniqueId val="{00000003-50A0-412C-B413-9F2FD48CD982}"/>
                   </c:ext>
                 </c:extLst>
               </c15:ser>
@@ -3830,7 +2499,7 @@
         </c:extLst>
       </c:lineChart>
       <c:catAx>
-        <c:axId val="1189074223"/>
+        <c:axId val="622152991"/>
         <c:scaling>
           <c:orientation val="minMax"/>
         </c:scaling>
@@ -3839,7 +2508,7 @@
         <c:numFmt formatCode="General" sourceLinked="1"/>
         <c:majorTickMark val="none"/>
         <c:minorTickMark val="none"/>
-        <c:tickLblPos val="low"/>
+        <c:tickLblPos val="nextTo"/>
         <c:spPr>
           <a:noFill/>
           <a:ln w="9525" cap="flat" cmpd="sng" algn="ctr">
@@ -3873,7 +2542,7 @@
             <a:endParaRPr lang="it-IT"/>
           </a:p>
         </c:txPr>
-        <c:crossAx val="1002168655"/>
+        <c:crossAx val="563056383"/>
         <c:crosses val="autoZero"/>
         <c:auto val="1"/>
         <c:lblAlgn val="ctr"/>
@@ -3881,7 +2550,7 @@
         <c:noMultiLvlLbl val="0"/>
       </c:catAx>
       <c:valAx>
-        <c:axId val="1002168655"/>
+        <c:axId val="563056383"/>
         <c:scaling>
           <c:logBase val="10"/>
           <c:orientation val="minMax"/>
@@ -3933,7 +2602,7 @@
             <a:endParaRPr lang="it-IT"/>
           </a:p>
         </c:txPr>
-        <c:crossAx val="1189074223"/>
+        <c:crossAx val="622152991"/>
         <c:crosses val="autoZero"/>
         <c:crossBetween val="between"/>
       </c:valAx>
@@ -3988,12 +2657,9 @@
     <c:showDLblsOverMax val="0"/>
   </c:chart>
   <c:spPr>
-    <a:solidFill>
-      <a:schemeClr val="bg1"/>
-    </a:solidFill>
-    <a:ln w="9525" cap="flat" cmpd="sng" algn="ctr">
+    <a:noFill/>
+    <a:ln>
       <a:noFill/>
-      <a:round/>
     </a:ln>
     <a:effectLst/>
   </c:spPr>
@@ -4013,7 +2679,7 @@
 </c:chartSpace>
 </file>
 
-<file path=ppt/charts/chart7.xml><?xml version="1.0" encoding="utf-8"?>
+<file path=ppt/charts/chart5.xml><?xml version="1.0" encoding="utf-8"?>
 <c:chartSpace xmlns:c="http://schemas.openxmlformats.org/drawingml/2006/chart" xmlns:a="http://schemas.openxmlformats.org/drawingml/2006/main" xmlns:r="http://schemas.openxmlformats.org/officeDocument/2006/relationships" xmlns:c16r2="http://schemas.microsoft.com/office/drawing/2015/06/chart">
   <c:date1904 val="0"/>
   <c:lang val="it-IT"/>
@@ -4048,7 +2714,7 @@
             </a:pPr>
             <a:r>
               <a:rPr lang="it-IT"/>
-              <a:t>Python</a:t>
+              <a:t>R - Windows</a:t>
             </a:r>
           </a:p>
         </c:rich>
@@ -4092,103 +2758,7 @@
           <c:idx val="0"/>
           <c:order val="0"/>
           <c:tx>
-            <c:v>Chol_size</c:v>
-          </c:tx>
-          <c:spPr>
-            <a:ln w="28575" cap="rnd">
-              <a:solidFill>
-                <a:schemeClr val="accent1"/>
-              </a:solidFill>
-              <a:round/>
-            </a:ln>
-            <a:effectLst/>
-          </c:spPr>
-          <c:marker>
-            <c:symbol val="circle"/>
-            <c:size val="5"/>
-            <c:spPr>
-              <a:solidFill>
-                <a:schemeClr val="accent1"/>
-              </a:solidFill>
-              <a:ln w="9525">
-                <a:solidFill>
-                  <a:schemeClr val="accent1"/>
-                </a:solidFill>
-              </a:ln>
-              <a:effectLst/>
-            </c:spPr>
-          </c:marker>
-          <c:cat>
-            <c:strRef>
-              <c:f>'[Total results (Linux).xlsx]Foglio1'!$B$13:$B$19</c:f>
-              <c:strCache>
-                <c:ptCount val="7"/>
-                <c:pt idx="0">
-                  <c:v>ex15.mtx</c:v>
-                </c:pt>
-                <c:pt idx="1">
-                  <c:v>shallow_water1.mtx</c:v>
-                </c:pt>
-                <c:pt idx="2">
-                  <c:v>cfd1.mtx</c:v>
-                </c:pt>
-                <c:pt idx="3">
-                  <c:v>cfd2.mtx</c:v>
-                </c:pt>
-                <c:pt idx="4">
-                  <c:v>parabolic_fem.mtx</c:v>
-                </c:pt>
-                <c:pt idx="5">
-                  <c:v>apache2.mtx</c:v>
-                </c:pt>
-                <c:pt idx="6">
-                  <c:v>G3_circuit.mtx</c:v>
-                </c:pt>
-              </c:strCache>
-            </c:strRef>
-          </c:cat>
-          <c:val>
-            <c:numRef>
-              <c:f>'[Total results (Linux).xlsx]Foglio1'!$I$20:$I$26</c:f>
-              <c:numCache>
-                <c:formatCode>0</c:formatCode>
-                <c:ptCount val="7"/>
-                <c:pt idx="0">
-                  <c:v>2129136</c:v>
-                </c:pt>
-                <c:pt idx="1">
-                  <c:v>27083120</c:v>
-                </c:pt>
-                <c:pt idx="2">
-                  <c:v>272271008</c:v>
-                </c:pt>
-                <c:pt idx="3">
-                  <c:v>531014880</c:v>
-                </c:pt>
-                <c:pt idx="4">
-                  <c:v>335653536</c:v>
-                </c:pt>
-                <c:pt idx="5">
-                  <c:v>1639027704</c:v>
-                </c:pt>
-                <c:pt idx="6">
-                  <c:v>1754322104</c:v>
-                </c:pt>
-              </c:numCache>
-            </c:numRef>
-          </c:val>
-          <c:smooth val="0"/>
-          <c:extLst>
-            <c:ext xmlns:c16="http://schemas.microsoft.com/office/drawing/2014/chart" uri="{C3380CC4-5D6E-409C-BE32-E72D297353CC}">
-              <c16:uniqueId val="{00000000-B334-4C39-A04C-D3CA8ADE8A8D}"/>
-            </c:ext>
-          </c:extLst>
-        </c:ser>
-        <c:ser>
-          <c:idx val="1"/>
-          <c:order val="1"/>
-          <c:tx>
-            <c:v>sol_time</c:v>
+            <c:v>chol_size</c:v>
           </c:tx>
           <c:spPr>
             <a:ln w="28575" cap="rnd">
@@ -4216,7 +2786,7 @@
           </c:marker>
           <c:cat>
             <c:strRef>
-              <c:f>'[Total results (Linux).xlsx]Foglio1'!$B$13:$B$19</c:f>
+              <c:f>Foglio2!$B$20:$B$26</c:f>
               <c:strCache>
                 <c:ptCount val="7"/>
                 <c:pt idx="0">
@@ -4245,30 +2815,30 @@
           </c:cat>
           <c:val>
             <c:numRef>
-              <c:f>'[Total results (Linux).xlsx]Foglio1'!$J$20:$J$26</c:f>
+              <c:f>Foglio2!$I$20:$I$26</c:f>
               <c:numCache>
                 <c:formatCode>General</c:formatCode>
                 <c:ptCount val="7"/>
                 <c:pt idx="0">
-                  <c:v>1.65653228759766</c:v>
+                  <c:v>2129256</c:v>
                 </c:pt>
                 <c:pt idx="1">
-                  <c:v>22.692203521728501</c:v>
+                  <c:v>27083240</c:v>
                 </c:pt>
                 <c:pt idx="2">
-                  <c:v>170.428991317749</c:v>
+                  <c:v>272271128</c:v>
                 </c:pt>
                 <c:pt idx="3">
-                  <c:v>325.01006126403797</c:v>
+                  <c:v>531015000</c:v>
                 </c:pt>
                 <c:pt idx="4">
-                  <c:v>245.44978141784699</c:v>
+                  <c:v>335653656</c:v>
                 </c:pt>
                 <c:pt idx="5">
-                  <c:v>1062.64734268188</c:v>
+                  <c:v>1639027824</c:v>
                 </c:pt>
                 <c:pt idx="6">
-                  <c:v>1106.6265106201199</c:v>
+                  <c:v>1754322224</c:v>
                 </c:pt>
               </c:numCache>
             </c:numRef>
@@ -4276,7 +2846,103 @@
           <c:smooth val="0"/>
           <c:extLst>
             <c:ext xmlns:c16="http://schemas.microsoft.com/office/drawing/2014/chart" uri="{C3380CC4-5D6E-409C-BE32-E72D297353CC}">
-              <c16:uniqueId val="{00000001-B334-4C39-A04C-D3CA8ADE8A8D}"/>
+              <c16:uniqueId val="{00000000-FAD4-4036-BED6-56177884ACE9}"/>
+            </c:ext>
+          </c:extLst>
+        </c:ser>
+        <c:ser>
+          <c:idx val="1"/>
+          <c:order val="1"/>
+          <c:tx>
+            <c:v>total_time</c:v>
+          </c:tx>
+          <c:spPr>
+            <a:ln w="28575" cap="rnd">
+              <a:solidFill>
+                <a:schemeClr val="accent4"/>
+              </a:solidFill>
+              <a:round/>
+            </a:ln>
+            <a:effectLst/>
+          </c:spPr>
+          <c:marker>
+            <c:symbol val="circle"/>
+            <c:size val="5"/>
+            <c:spPr>
+              <a:solidFill>
+                <a:schemeClr val="accent4"/>
+              </a:solidFill>
+              <a:ln w="9525">
+                <a:solidFill>
+                  <a:schemeClr val="accent4"/>
+                </a:solidFill>
+              </a:ln>
+              <a:effectLst/>
+            </c:spPr>
+          </c:marker>
+          <c:cat>
+            <c:strRef>
+              <c:f>Foglio2!$B$20:$B$26</c:f>
+              <c:strCache>
+                <c:ptCount val="7"/>
+                <c:pt idx="0">
+                  <c:v>ex15.mtx</c:v>
+                </c:pt>
+                <c:pt idx="1">
+                  <c:v>shallow_water1.mtx</c:v>
+                </c:pt>
+                <c:pt idx="2">
+                  <c:v>cfd1.mtx</c:v>
+                </c:pt>
+                <c:pt idx="3">
+                  <c:v>cfd2.mtx</c:v>
+                </c:pt>
+                <c:pt idx="4">
+                  <c:v>parabolic_fem.mtx</c:v>
+                </c:pt>
+                <c:pt idx="5">
+                  <c:v>apache2.mtx</c:v>
+                </c:pt>
+                <c:pt idx="6">
+                  <c:v>G3_circuit.mtx</c:v>
+                </c:pt>
+              </c:strCache>
+            </c:strRef>
+          </c:cat>
+          <c:val>
+            <c:numRef>
+              <c:f>Foglio2!$L$20:$L$26</c:f>
+              <c:numCache>
+                <c:formatCode>General</c:formatCode>
+                <c:ptCount val="7"/>
+                <c:pt idx="0">
+                  <c:v>30.00688552856446</c:v>
+                </c:pt>
+                <c:pt idx="1">
+                  <c:v>969.74086761474632</c:v>
+                </c:pt>
+                <c:pt idx="2">
+                  <c:v>6974.3361473083496</c:v>
+                </c:pt>
+                <c:pt idx="3">
+                  <c:v>19376.960992813158</c:v>
+                </c:pt>
+                <c:pt idx="4">
+                  <c:v>7349.4729995727539</c:v>
+                </c:pt>
+                <c:pt idx="5">
+                  <c:v>95044.6009635925</c:v>
+                </c:pt>
+                <c:pt idx="6">
+                  <c:v>90898.010015487642</c:v>
+                </c:pt>
+              </c:numCache>
+            </c:numRef>
+          </c:val>
+          <c:smooth val="0"/>
+          <c:extLst>
+            <c:ext xmlns:c16="http://schemas.microsoft.com/office/drawing/2014/chart" uri="{C3380CC4-5D6E-409C-BE32-E72D297353CC}">
+              <c16:uniqueId val="{00000001-FAD4-4036-BED6-56177884ACE9}"/>
             </c:ext>
           </c:extLst>
         </c:ser>
@@ -4289,7 +2955,7 @@
           <c:spPr>
             <a:ln w="28575" cap="rnd">
               <a:solidFill>
-                <a:srgbClr val="FF0000"/>
+                <a:schemeClr val="accent6"/>
               </a:solidFill>
               <a:round/>
             </a:ln>
@@ -4300,11 +2966,11 @@
             <c:size val="5"/>
             <c:spPr>
               <a:solidFill>
-                <a:srgbClr val="FF0000"/>
+                <a:schemeClr val="accent6"/>
               </a:solidFill>
               <a:ln w="9525">
                 <a:solidFill>
-                  <a:schemeClr val="accent3"/>
+                  <a:schemeClr val="accent6"/>
                 </a:solidFill>
               </a:ln>
               <a:effectLst/>
@@ -4312,7 +2978,7 @@
           </c:marker>
           <c:cat>
             <c:strRef>
-              <c:f>'[Total results (Linux).xlsx]Foglio1'!$B$13:$B$19</c:f>
+              <c:f>Foglio2!$B$20:$B$26</c:f>
               <c:strCache>
                 <c:ptCount val="7"/>
                 <c:pt idx="0">
@@ -4341,7 +3007,7 @@
           </c:cat>
           <c:val>
             <c:numRef>
-              <c:f>'[Total results (Linux).xlsx]Foglio1'!$K$20:$K$26</c:f>
+              <c:f>Foglio2!$K$20:$K$26</c:f>
               <c:numCache>
                 <c:formatCode>General</c:formatCode>
                 <c:ptCount val="7"/>
@@ -4372,7 +3038,7 @@
           <c:smooth val="0"/>
           <c:extLst>
             <c:ext xmlns:c16="http://schemas.microsoft.com/office/drawing/2014/chart" uri="{C3380CC4-5D6E-409C-BE32-E72D297353CC}">
-              <c16:uniqueId val="{00000002-B334-4C39-A04C-D3CA8ADE8A8D}"/>
+              <c16:uniqueId val="{00000002-FAD4-4036-BED6-56177884ACE9}"/>
             </c:ext>
           </c:extLst>
         </c:ser>
@@ -4386,8 +3052,8 @@
         </c:dLbls>
         <c:marker val="1"/>
         <c:smooth val="0"/>
-        <c:axId val="1104766207"/>
-        <c:axId val="1119828047"/>
+        <c:axId val="622396479"/>
+        <c:axId val="1518579263"/>
         <c:extLst>
           <c:ext xmlns:c15="http://schemas.microsoft.com/office/drawing/2012/chart" uri="{02D57815-91ED-43cb-92C2-25804820EDAC}">
             <c15:filteredLineSeries>
@@ -4395,52 +3061,28 @@
                 <c:idx val="3"/>
                 <c:order val="3"/>
                 <c:tx>
-                  <c:strRef>
-                    <c:extLst>
-                      <c:ext uri="{02D57815-91ED-43cb-92C2-25804820EDAC}">
-                        <c15:formulaRef>
-                          <c15:sqref>'[Total results (Linux).xlsx]Foglio1'!$B$1</c15:sqref>
-                        </c15:formulaRef>
-                      </c:ext>
-                    </c:extLst>
-                    <c:strCache>
-                      <c:ptCount val="1"/>
-                      <c:pt idx="0">
-                        <c:v>name</c:v>
-                      </c:pt>
-                    </c:strCache>
-                  </c:strRef>
+                  <c:v>name</c:v>
                 </c:tx>
                 <c:spPr>
                   <a:ln w="28575" cap="rnd">
                     <a:solidFill>
-                      <a:schemeClr val="accent4"/>
+                      <a:schemeClr val="accent2">
+                        <a:lumMod val="60000"/>
+                      </a:schemeClr>
                     </a:solidFill>
                     <a:round/>
                   </a:ln>
                   <a:effectLst/>
                 </c:spPr>
                 <c:marker>
-                  <c:symbol val="circle"/>
-                  <c:size val="5"/>
-                  <c:spPr>
-                    <a:solidFill>
-                      <a:schemeClr val="accent4"/>
-                    </a:solidFill>
-                    <a:ln w="9525">
-                      <a:solidFill>
-                        <a:schemeClr val="accent4"/>
-                      </a:solidFill>
-                    </a:ln>
-                    <a:effectLst/>
-                  </c:spPr>
+                  <c:symbol val="none"/>
                 </c:marker>
                 <c:cat>
                   <c:strRef>
                     <c:extLst>
                       <c:ext uri="{02D57815-91ED-43cb-92C2-25804820EDAC}">
                         <c15:formulaRef>
-                          <c15:sqref>'[Total results (Linux).xlsx]Foglio1'!$B$13:$B$19</c15:sqref>
+                          <c15:sqref>Foglio2!$B$20:$B$26</c15:sqref>
                         </c15:formulaRef>
                       </c:ext>
                     </c:extLst>
@@ -4471,18 +3113,42 @@
                   </c:strRef>
                 </c:cat>
                 <c:val>
-                  <c:numLit>
-                    <c:formatCode>General</c:formatCode>
-                    <c:ptCount val="1"/>
-                    <c:pt idx="0">
-                      <c:v>1</c:v>
-                    </c:pt>
-                  </c:numLit>
+                  <c:numRef>
+                    <c:extLst>
+                      <c:ext uri="{02D57815-91ED-43cb-92C2-25804820EDAC}">
+                        <c15:formulaRef>
+                          <c15:sqref>Foglio2!$B$20:$B$25</c15:sqref>
+                        </c15:formulaRef>
+                      </c:ext>
+                    </c:extLst>
+                    <c:numCache>
+                      <c:formatCode>General</c:formatCode>
+                      <c:ptCount val="6"/>
+                      <c:pt idx="0">
+                        <c:v>0</c:v>
+                      </c:pt>
+                      <c:pt idx="1">
+                        <c:v>0</c:v>
+                      </c:pt>
+                      <c:pt idx="2">
+                        <c:v>0</c:v>
+                      </c:pt>
+                      <c:pt idx="3">
+                        <c:v>0</c:v>
+                      </c:pt>
+                      <c:pt idx="4">
+                        <c:v>0</c:v>
+                      </c:pt>
+                      <c:pt idx="5">
+                        <c:v>0</c:v>
+                      </c:pt>
+                    </c:numCache>
+                  </c:numRef>
                 </c:val>
                 <c:smooth val="0"/>
                 <c:extLst>
                   <c:ext xmlns:c16="http://schemas.microsoft.com/office/drawing/2014/chart" uri="{C3380CC4-5D6E-409C-BE32-E72D297353CC}">
-                    <c16:uniqueId val="{00000003-B334-4C39-A04C-D3CA8ADE8A8D}"/>
+                    <c16:uniqueId val="{00000003-FAD4-4036-BED6-56177884ACE9}"/>
                   </c:ext>
                 </c:extLst>
               </c15:ser>
@@ -4491,7 +3157,7 @@
         </c:extLst>
       </c:lineChart>
       <c:catAx>
-        <c:axId val="1104766207"/>
+        <c:axId val="622396479"/>
         <c:scaling>
           <c:orientation val="minMax"/>
         </c:scaling>
@@ -4500,7 +3166,7 @@
         <c:numFmt formatCode="General" sourceLinked="1"/>
         <c:majorTickMark val="none"/>
         <c:minorTickMark val="none"/>
-        <c:tickLblPos val="low"/>
+        <c:tickLblPos val="nextTo"/>
         <c:spPr>
           <a:noFill/>
           <a:ln w="9525" cap="flat" cmpd="sng" algn="ctr">
@@ -4515,7 +3181,7 @@
           <a:effectLst/>
         </c:spPr>
         <c:txPr>
-          <a:bodyPr rot="-60000000" spcFirstLastPara="1" vertOverflow="ellipsis" vert="horz" wrap="square" anchor="ctr" anchorCtr="1"/>
+          <a:bodyPr rot="-60000000" spcFirstLastPara="1" vertOverflow="ellipsis" vert="horz" wrap="square" anchor="b" anchorCtr="0"/>
           <a:lstStyle/>
           <a:p>
             <a:pPr>
@@ -4534,7 +3200,7 @@
             <a:endParaRPr lang="it-IT"/>
           </a:p>
         </c:txPr>
-        <c:crossAx val="1119828047"/>
+        <c:crossAx val="1518579263"/>
         <c:crosses val="autoZero"/>
         <c:auto val="1"/>
         <c:lblAlgn val="ctr"/>
@@ -4542,7 +3208,7 @@
         <c:noMultiLvlLbl val="0"/>
       </c:catAx>
       <c:valAx>
-        <c:axId val="1119828047"/>
+        <c:axId val="1518579263"/>
         <c:scaling>
           <c:logBase val="10"/>
           <c:orientation val="minMax"/>
@@ -4594,7 +3260,7 @@
             <a:endParaRPr lang="it-IT"/>
           </a:p>
         </c:txPr>
-        <c:crossAx val="1104766207"/>
+        <c:crossAx val="622396479"/>
         <c:crosses val="autoZero"/>
         <c:crossBetween val="between"/>
       </c:valAx>
@@ -4649,12 +3315,2040 @@
     <c:showDLblsOverMax val="0"/>
   </c:chart>
   <c:spPr>
-    <a:solidFill>
-      <a:schemeClr val="bg1"/>
-    </a:solidFill>
-    <a:ln w="9525" cap="flat" cmpd="sng" algn="ctr">
+    <a:noFill/>
+    <a:ln>
       <a:noFill/>
-      <a:round/>
+    </a:ln>
+    <a:effectLst/>
+  </c:spPr>
+  <c:txPr>
+    <a:bodyPr/>
+    <a:lstStyle/>
+    <a:p>
+      <a:pPr>
+        <a:defRPr/>
+      </a:pPr>
+      <a:endParaRPr lang="it-IT"/>
+    </a:p>
+  </c:txPr>
+  <c:externalData r:id="rId3">
+    <c:autoUpdate val="0"/>
+  </c:externalData>
+</c:chartSpace>
+</file>
+
+<file path=ppt/charts/chart6.xml><?xml version="1.0" encoding="utf-8"?>
+<c:chartSpace xmlns:c="http://schemas.openxmlformats.org/drawingml/2006/chart" xmlns:a="http://schemas.openxmlformats.org/drawingml/2006/main" xmlns:r="http://schemas.openxmlformats.org/officeDocument/2006/relationships" xmlns:c16r2="http://schemas.microsoft.com/office/drawing/2015/06/chart">
+  <c:date1904 val="0"/>
+  <c:lang val="it-IT"/>
+  <c:roundedCorners val="0"/>
+  <mc:AlternateContent xmlns:mc="http://schemas.openxmlformats.org/markup-compatibility/2006">
+    <mc:Choice xmlns:c14="http://schemas.microsoft.com/office/drawing/2007/8/2/chart" Requires="c14">
+      <c14:style val="102"/>
+    </mc:Choice>
+    <mc:Fallback>
+      <c:style val="2"/>
+    </mc:Fallback>
+  </mc:AlternateContent>
+  <c:chart>
+    <c:title>
+      <c:tx>
+        <c:rich>
+          <a:bodyPr rot="0" spcFirstLastPara="1" vertOverflow="ellipsis" vert="horz" wrap="square" anchor="ctr" anchorCtr="1"/>
+          <a:lstStyle/>
+          <a:p>
+            <a:pPr>
+              <a:defRPr sz="1400" b="0" i="0" u="none" strike="noStrike" kern="1200" spc="0" baseline="0">
+                <a:solidFill>
+                  <a:schemeClr val="tx1">
+                    <a:lumMod val="65000"/>
+                    <a:lumOff val="35000"/>
+                  </a:schemeClr>
+                </a:solidFill>
+                <a:latin typeface="+mn-lt"/>
+                <a:ea typeface="+mn-ea"/>
+                <a:cs typeface="+mn-cs"/>
+              </a:defRPr>
+            </a:pPr>
+            <a:r>
+              <a:rPr lang="it-IT"/>
+              <a:t>R - Linux</a:t>
+            </a:r>
+          </a:p>
+        </c:rich>
+      </c:tx>
+      <c:layout>
+        <c:manualLayout>
+          <c:xMode val="edge"/>
+          <c:yMode val="edge"/>
+          <c:x val="0.35982633420822391"/>
+          <c:y val="2.7777777777777776E-2"/>
+        </c:manualLayout>
+      </c:layout>
+      <c:overlay val="0"/>
+      <c:spPr>
+        <a:noFill/>
+        <a:ln>
+          <a:noFill/>
+        </a:ln>
+        <a:effectLst/>
+      </c:spPr>
+      <c:txPr>
+        <a:bodyPr rot="0" spcFirstLastPara="1" vertOverflow="ellipsis" vert="horz" wrap="square" anchor="ctr" anchorCtr="1"/>
+        <a:lstStyle/>
+        <a:p>
+          <a:pPr>
+            <a:defRPr sz="1400" b="0" i="0" u="none" strike="noStrike" kern="1200" spc="0" baseline="0">
+              <a:solidFill>
+                <a:schemeClr val="tx1">
+                  <a:lumMod val="65000"/>
+                  <a:lumOff val="35000"/>
+                </a:schemeClr>
+              </a:solidFill>
+              <a:latin typeface="+mn-lt"/>
+              <a:ea typeface="+mn-ea"/>
+              <a:cs typeface="+mn-cs"/>
+            </a:defRPr>
+          </a:pPr>
+          <a:endParaRPr lang="it-IT"/>
+        </a:p>
+      </c:txPr>
+    </c:title>
+    <c:autoTitleDeleted val="0"/>
+    <c:plotArea>
+      <c:layout/>
+      <c:lineChart>
+        <c:grouping val="standard"/>
+        <c:varyColors val="0"/>
+        <c:ser>
+          <c:idx val="0"/>
+          <c:order val="0"/>
+          <c:tx>
+            <c:v>chol_size</c:v>
+          </c:tx>
+          <c:spPr>
+            <a:ln w="28575" cap="rnd">
+              <a:solidFill>
+                <a:schemeClr val="accent2"/>
+              </a:solidFill>
+              <a:round/>
+            </a:ln>
+            <a:effectLst/>
+          </c:spPr>
+          <c:marker>
+            <c:symbol val="circle"/>
+            <c:size val="5"/>
+            <c:spPr>
+              <a:solidFill>
+                <a:schemeClr val="accent2"/>
+              </a:solidFill>
+              <a:ln w="9525">
+                <a:solidFill>
+                  <a:schemeClr val="accent2"/>
+                </a:solidFill>
+              </a:ln>
+              <a:effectLst/>
+            </c:spPr>
+          </c:marker>
+          <c:cat>
+            <c:strRef>
+              <c:f>Foglio2!$B$20:$B$26</c:f>
+              <c:strCache>
+                <c:ptCount val="7"/>
+                <c:pt idx="0">
+                  <c:v>ex15.mtx</c:v>
+                </c:pt>
+                <c:pt idx="1">
+                  <c:v>shallow_water1.mtx</c:v>
+                </c:pt>
+                <c:pt idx="2">
+                  <c:v>cfd1.mtx</c:v>
+                </c:pt>
+                <c:pt idx="3">
+                  <c:v>cfd2.mtx</c:v>
+                </c:pt>
+                <c:pt idx="4">
+                  <c:v>parabolic_fem.mtx</c:v>
+                </c:pt>
+                <c:pt idx="5">
+                  <c:v>apache2.mtx</c:v>
+                </c:pt>
+                <c:pt idx="6">
+                  <c:v>G3_circuit.mtx</c:v>
+                </c:pt>
+              </c:strCache>
+            </c:strRef>
+          </c:cat>
+          <c:val>
+            <c:numRef>
+              <c:f>Foglio2!$I$20:$I$26</c:f>
+              <c:numCache>
+                <c:formatCode>General</c:formatCode>
+                <c:ptCount val="7"/>
+                <c:pt idx="0">
+                  <c:v>2129136</c:v>
+                </c:pt>
+                <c:pt idx="1">
+                  <c:v>27083120</c:v>
+                </c:pt>
+                <c:pt idx="2">
+                  <c:v>272271008</c:v>
+                </c:pt>
+                <c:pt idx="3">
+                  <c:v>531014880</c:v>
+                </c:pt>
+                <c:pt idx="4">
+                  <c:v>335653536</c:v>
+                </c:pt>
+                <c:pt idx="5">
+                  <c:v>1639027704</c:v>
+                </c:pt>
+                <c:pt idx="6">
+                  <c:v>1754322104</c:v>
+                </c:pt>
+              </c:numCache>
+            </c:numRef>
+          </c:val>
+          <c:smooth val="0"/>
+          <c:extLst>
+            <c:ext xmlns:c16="http://schemas.microsoft.com/office/drawing/2014/chart" uri="{C3380CC4-5D6E-409C-BE32-E72D297353CC}">
+              <c16:uniqueId val="{00000000-714F-41D6-A512-0FC19CD0BBB7}"/>
+            </c:ext>
+          </c:extLst>
+        </c:ser>
+        <c:ser>
+          <c:idx val="1"/>
+          <c:order val="1"/>
+          <c:tx>
+            <c:v>total_time</c:v>
+          </c:tx>
+          <c:spPr>
+            <a:ln w="28575" cap="rnd">
+              <a:solidFill>
+                <a:schemeClr val="accent4"/>
+              </a:solidFill>
+              <a:round/>
+            </a:ln>
+            <a:effectLst/>
+          </c:spPr>
+          <c:marker>
+            <c:symbol val="circle"/>
+            <c:size val="5"/>
+            <c:spPr>
+              <a:solidFill>
+                <a:schemeClr val="accent4"/>
+              </a:solidFill>
+              <a:ln w="9525">
+                <a:solidFill>
+                  <a:schemeClr val="accent4"/>
+                </a:solidFill>
+              </a:ln>
+              <a:effectLst/>
+            </c:spPr>
+          </c:marker>
+          <c:cat>
+            <c:strRef>
+              <c:f>Foglio2!$B$20:$B$26</c:f>
+              <c:strCache>
+                <c:ptCount val="7"/>
+                <c:pt idx="0">
+                  <c:v>ex15.mtx</c:v>
+                </c:pt>
+                <c:pt idx="1">
+                  <c:v>shallow_water1.mtx</c:v>
+                </c:pt>
+                <c:pt idx="2">
+                  <c:v>cfd1.mtx</c:v>
+                </c:pt>
+                <c:pt idx="3">
+                  <c:v>cfd2.mtx</c:v>
+                </c:pt>
+                <c:pt idx="4">
+                  <c:v>parabolic_fem.mtx</c:v>
+                </c:pt>
+                <c:pt idx="5">
+                  <c:v>apache2.mtx</c:v>
+                </c:pt>
+                <c:pt idx="6">
+                  <c:v>G3_circuit.mtx</c:v>
+                </c:pt>
+              </c:strCache>
+            </c:strRef>
+          </c:cat>
+          <c:val>
+            <c:numRef>
+              <c:f>Foglio2!$L$20:$L$26</c:f>
+              <c:numCache>
+                <c:formatCode>General</c:formatCode>
+                <c:ptCount val="7"/>
+                <c:pt idx="0">
+                  <c:v>21.860837936401371</c:v>
+                </c:pt>
+                <c:pt idx="1">
+                  <c:v>891.19601249694836</c:v>
+                </c:pt>
+                <c:pt idx="2">
+                  <c:v>7012.5026702880905</c:v>
+                </c:pt>
+                <c:pt idx="3">
+                  <c:v>19399.470806121823</c:v>
+                </c:pt>
+                <c:pt idx="4">
+                  <c:v>7253.3292770385751</c:v>
+                </c:pt>
+                <c:pt idx="5">
+                  <c:v>96955.595493316621</c:v>
+                </c:pt>
+                <c:pt idx="6">
+                  <c:v>86430.967092514038</c:v>
+                </c:pt>
+              </c:numCache>
+            </c:numRef>
+          </c:val>
+          <c:smooth val="0"/>
+          <c:extLst>
+            <c:ext xmlns:c16="http://schemas.microsoft.com/office/drawing/2014/chart" uri="{C3380CC4-5D6E-409C-BE32-E72D297353CC}">
+              <c16:uniqueId val="{00000001-714F-41D6-A512-0FC19CD0BBB7}"/>
+            </c:ext>
+          </c:extLst>
+        </c:ser>
+        <c:ser>
+          <c:idx val="2"/>
+          <c:order val="2"/>
+          <c:tx>
+            <c:v>err</c:v>
+          </c:tx>
+          <c:spPr>
+            <a:ln w="28575" cap="rnd">
+              <a:solidFill>
+                <a:schemeClr val="accent6"/>
+              </a:solidFill>
+              <a:round/>
+            </a:ln>
+            <a:effectLst/>
+          </c:spPr>
+          <c:marker>
+            <c:symbol val="circle"/>
+            <c:size val="5"/>
+            <c:spPr>
+              <a:solidFill>
+                <a:schemeClr val="accent6"/>
+              </a:solidFill>
+              <a:ln w="9525">
+                <a:solidFill>
+                  <a:schemeClr val="accent6"/>
+                </a:solidFill>
+              </a:ln>
+              <a:effectLst/>
+            </c:spPr>
+          </c:marker>
+          <c:cat>
+            <c:strRef>
+              <c:f>Foglio2!$B$20:$B$26</c:f>
+              <c:strCache>
+                <c:ptCount val="7"/>
+                <c:pt idx="0">
+                  <c:v>ex15.mtx</c:v>
+                </c:pt>
+                <c:pt idx="1">
+                  <c:v>shallow_water1.mtx</c:v>
+                </c:pt>
+                <c:pt idx="2">
+                  <c:v>cfd1.mtx</c:v>
+                </c:pt>
+                <c:pt idx="3">
+                  <c:v>cfd2.mtx</c:v>
+                </c:pt>
+                <c:pt idx="4">
+                  <c:v>parabolic_fem.mtx</c:v>
+                </c:pt>
+                <c:pt idx="5">
+                  <c:v>apache2.mtx</c:v>
+                </c:pt>
+                <c:pt idx="6">
+                  <c:v>G3_circuit.mtx</c:v>
+                </c:pt>
+              </c:strCache>
+            </c:strRef>
+          </c:cat>
+          <c:val>
+            <c:numRef>
+              <c:f>Foglio2!$K$20:$K$26</c:f>
+              <c:numCache>
+                <c:formatCode>General</c:formatCode>
+                <c:ptCount val="7"/>
+                <c:pt idx="0">
+                  <c:v>7.2985734767509496E-7</c:v>
+                </c:pt>
+                <c:pt idx="1">
+                  <c:v>2.7905845826963299E-16</c:v>
+                </c:pt>
+                <c:pt idx="2">
+                  <c:v>1.3026412782843E-13</c:v>
+                </c:pt>
+                <c:pt idx="3">
+                  <c:v>1.27750318052995E-12</c:v>
+                </c:pt>
+                <c:pt idx="4">
+                  <c:v>2.3078895379913298E-12</c:v>
+                </c:pt>
+                <c:pt idx="5">
+                  <c:v>1.7218014336550301E-11</c:v>
+                </c:pt>
+                <c:pt idx="6">
+                  <c:v>1.2908723645494E-12</c:v>
+                </c:pt>
+              </c:numCache>
+            </c:numRef>
+          </c:val>
+          <c:smooth val="0"/>
+          <c:extLst>
+            <c:ext xmlns:c16="http://schemas.microsoft.com/office/drawing/2014/chart" uri="{C3380CC4-5D6E-409C-BE32-E72D297353CC}">
+              <c16:uniqueId val="{00000002-714F-41D6-A512-0FC19CD0BBB7}"/>
+            </c:ext>
+          </c:extLst>
+        </c:ser>
+        <c:dLbls>
+          <c:showLegendKey val="0"/>
+          <c:showVal val="0"/>
+          <c:showCatName val="0"/>
+          <c:showSerName val="0"/>
+          <c:showPercent val="0"/>
+          <c:showBubbleSize val="0"/>
+        </c:dLbls>
+        <c:marker val="1"/>
+        <c:smooth val="0"/>
+        <c:axId val="608823119"/>
+        <c:axId val="480820703"/>
+        <c:extLst>
+          <c:ext xmlns:c15="http://schemas.microsoft.com/office/drawing/2012/chart" uri="{02D57815-91ED-43cb-92C2-25804820EDAC}">
+            <c15:filteredLineSeries>
+              <c15:ser>
+                <c:idx val="3"/>
+                <c:order val="3"/>
+                <c:tx>
+                  <c:v>name</c:v>
+                </c:tx>
+                <c:spPr>
+                  <a:ln w="28575" cap="rnd">
+                    <a:solidFill>
+                      <a:schemeClr val="accent2">
+                        <a:lumMod val="60000"/>
+                      </a:schemeClr>
+                    </a:solidFill>
+                    <a:round/>
+                  </a:ln>
+                  <a:effectLst/>
+                </c:spPr>
+                <c:marker>
+                  <c:symbol val="circle"/>
+                  <c:size val="5"/>
+                  <c:spPr>
+                    <a:solidFill>
+                      <a:schemeClr val="accent2">
+                        <a:lumMod val="60000"/>
+                      </a:schemeClr>
+                    </a:solidFill>
+                    <a:ln w="9525">
+                      <a:solidFill>
+                        <a:schemeClr val="accent2">
+                          <a:lumMod val="60000"/>
+                        </a:schemeClr>
+                      </a:solidFill>
+                    </a:ln>
+                    <a:effectLst/>
+                  </c:spPr>
+                </c:marker>
+                <c:cat>
+                  <c:strRef>
+                    <c:extLst>
+                      <c:ext uri="{02D57815-91ED-43cb-92C2-25804820EDAC}">
+                        <c15:formulaRef>
+                          <c15:sqref>Foglio2!$B$20:$B$26</c15:sqref>
+                        </c15:formulaRef>
+                      </c:ext>
+                    </c:extLst>
+                    <c:strCache>
+                      <c:ptCount val="7"/>
+                      <c:pt idx="0">
+                        <c:v>ex15.mtx</c:v>
+                      </c:pt>
+                      <c:pt idx="1">
+                        <c:v>shallow_water1.mtx</c:v>
+                      </c:pt>
+                      <c:pt idx="2">
+                        <c:v>cfd1.mtx</c:v>
+                      </c:pt>
+                      <c:pt idx="3">
+                        <c:v>cfd2.mtx</c:v>
+                      </c:pt>
+                      <c:pt idx="4">
+                        <c:v>parabolic_fem.mtx</c:v>
+                      </c:pt>
+                      <c:pt idx="5">
+                        <c:v>apache2.mtx</c:v>
+                      </c:pt>
+                      <c:pt idx="6">
+                        <c:v>G3_circuit.mtx</c:v>
+                      </c:pt>
+                    </c:strCache>
+                  </c:strRef>
+                </c:cat>
+                <c:val>
+                  <c:numRef>
+                    <c:extLst>
+                      <c:ext uri="{02D57815-91ED-43cb-92C2-25804820EDAC}">
+                        <c15:formulaRef>
+                          <c15:sqref>Foglio2!$B$20:$B$26</c15:sqref>
+                        </c15:formulaRef>
+                      </c:ext>
+                    </c:extLst>
+                    <c:numCache>
+                      <c:formatCode>General</c:formatCode>
+                      <c:ptCount val="7"/>
+                      <c:pt idx="0">
+                        <c:v>0</c:v>
+                      </c:pt>
+                      <c:pt idx="1">
+                        <c:v>0</c:v>
+                      </c:pt>
+                      <c:pt idx="2">
+                        <c:v>0</c:v>
+                      </c:pt>
+                      <c:pt idx="3">
+                        <c:v>0</c:v>
+                      </c:pt>
+                      <c:pt idx="4">
+                        <c:v>0</c:v>
+                      </c:pt>
+                      <c:pt idx="5">
+                        <c:v>0</c:v>
+                      </c:pt>
+                      <c:pt idx="6">
+                        <c:v>0</c:v>
+                      </c:pt>
+                    </c:numCache>
+                  </c:numRef>
+                </c:val>
+                <c:smooth val="0"/>
+                <c:extLst>
+                  <c:ext xmlns:c16="http://schemas.microsoft.com/office/drawing/2014/chart" uri="{C3380CC4-5D6E-409C-BE32-E72D297353CC}">
+                    <c16:uniqueId val="{00000003-714F-41D6-A512-0FC19CD0BBB7}"/>
+                  </c:ext>
+                </c:extLst>
+              </c15:ser>
+            </c15:filteredLineSeries>
+          </c:ext>
+        </c:extLst>
+      </c:lineChart>
+      <c:catAx>
+        <c:axId val="608823119"/>
+        <c:scaling>
+          <c:orientation val="minMax"/>
+        </c:scaling>
+        <c:delete val="0"/>
+        <c:axPos val="b"/>
+        <c:numFmt formatCode="General" sourceLinked="1"/>
+        <c:majorTickMark val="none"/>
+        <c:minorTickMark val="none"/>
+        <c:tickLblPos val="nextTo"/>
+        <c:spPr>
+          <a:noFill/>
+          <a:ln w="9525" cap="flat" cmpd="sng" algn="ctr">
+            <a:solidFill>
+              <a:schemeClr val="tx1">
+                <a:lumMod val="15000"/>
+                <a:lumOff val="85000"/>
+              </a:schemeClr>
+            </a:solidFill>
+            <a:round/>
+          </a:ln>
+          <a:effectLst/>
+        </c:spPr>
+        <c:txPr>
+          <a:bodyPr rot="-60000000" spcFirstLastPara="1" vertOverflow="ellipsis" vert="horz" wrap="square" anchor="ctr" anchorCtr="1"/>
+          <a:lstStyle/>
+          <a:p>
+            <a:pPr>
+              <a:defRPr sz="900" b="0" i="0" u="none" strike="noStrike" kern="1200" baseline="0">
+                <a:solidFill>
+                  <a:schemeClr val="tx1">
+                    <a:lumMod val="65000"/>
+                    <a:lumOff val="35000"/>
+                  </a:schemeClr>
+                </a:solidFill>
+                <a:latin typeface="+mn-lt"/>
+                <a:ea typeface="+mn-ea"/>
+                <a:cs typeface="+mn-cs"/>
+              </a:defRPr>
+            </a:pPr>
+            <a:endParaRPr lang="it-IT"/>
+          </a:p>
+        </c:txPr>
+        <c:crossAx val="480820703"/>
+        <c:crosses val="autoZero"/>
+        <c:auto val="1"/>
+        <c:lblAlgn val="ctr"/>
+        <c:lblOffset val="100"/>
+        <c:noMultiLvlLbl val="0"/>
+      </c:catAx>
+      <c:valAx>
+        <c:axId val="480820703"/>
+        <c:scaling>
+          <c:logBase val="10"/>
+          <c:orientation val="minMax"/>
+        </c:scaling>
+        <c:delete val="0"/>
+        <c:axPos val="l"/>
+        <c:majorGridlines>
+          <c:spPr>
+            <a:ln w="9525" cap="flat" cmpd="sng" algn="ctr">
+              <a:solidFill>
+                <a:schemeClr val="tx1">
+                  <a:lumMod val="15000"/>
+                  <a:lumOff val="85000"/>
+                </a:schemeClr>
+              </a:solidFill>
+              <a:round/>
+            </a:ln>
+            <a:effectLst/>
+          </c:spPr>
+        </c:majorGridlines>
+        <c:numFmt formatCode="0.E+00" sourceLinked="0"/>
+        <c:majorTickMark val="none"/>
+        <c:minorTickMark val="none"/>
+        <c:tickLblPos val="nextTo"/>
+        <c:spPr>
+          <a:noFill/>
+          <a:ln>
+            <a:noFill/>
+          </a:ln>
+          <a:effectLst/>
+        </c:spPr>
+        <c:txPr>
+          <a:bodyPr rot="-60000000" spcFirstLastPara="1" vertOverflow="ellipsis" vert="horz" wrap="square" anchor="ctr" anchorCtr="1"/>
+          <a:lstStyle/>
+          <a:p>
+            <a:pPr>
+              <a:defRPr sz="900" b="0" i="0" u="none" strike="noStrike" kern="1200" baseline="0">
+                <a:solidFill>
+                  <a:schemeClr val="tx1">
+                    <a:lumMod val="65000"/>
+                    <a:lumOff val="35000"/>
+                  </a:schemeClr>
+                </a:solidFill>
+                <a:latin typeface="+mn-lt"/>
+                <a:ea typeface="+mn-ea"/>
+                <a:cs typeface="+mn-cs"/>
+              </a:defRPr>
+            </a:pPr>
+            <a:endParaRPr lang="it-IT"/>
+          </a:p>
+        </c:txPr>
+        <c:crossAx val="608823119"/>
+        <c:crosses val="autoZero"/>
+        <c:crossBetween val="between"/>
+      </c:valAx>
+      <c:spPr>
+        <a:noFill/>
+        <a:ln>
+          <a:noFill/>
+        </a:ln>
+        <a:effectLst/>
+      </c:spPr>
+    </c:plotArea>
+    <c:legend>
+      <c:legendPos val="r"/>
+      <c:overlay val="0"/>
+      <c:spPr>
+        <a:noFill/>
+        <a:ln>
+          <a:noFill/>
+        </a:ln>
+        <a:effectLst/>
+      </c:spPr>
+      <c:txPr>
+        <a:bodyPr rot="0" spcFirstLastPara="1" vertOverflow="ellipsis" vert="horz" wrap="square" anchor="ctr" anchorCtr="1"/>
+        <a:lstStyle/>
+        <a:p>
+          <a:pPr>
+            <a:defRPr sz="900" b="0" i="0" u="none" strike="noStrike" kern="1200" baseline="0">
+              <a:solidFill>
+                <a:schemeClr val="tx1">
+                  <a:lumMod val="65000"/>
+                  <a:lumOff val="35000"/>
+                </a:schemeClr>
+              </a:solidFill>
+              <a:latin typeface="+mn-lt"/>
+              <a:ea typeface="+mn-ea"/>
+              <a:cs typeface="+mn-cs"/>
+            </a:defRPr>
+          </a:pPr>
+          <a:endParaRPr lang="it-IT"/>
+        </a:p>
+      </c:txPr>
+    </c:legend>
+    <c:plotVisOnly val="1"/>
+    <c:dispBlanksAs val="gap"/>
+    <c:extLst>
+      <c:ext xmlns:c16r3="http://schemas.microsoft.com/office/drawing/2017/03/chart" uri="{56B9EC1D-385E-4148-901F-78D8002777C0}">
+        <c16r3:dataDisplayOptions16>
+          <c16r3:dispNaAsBlank val="1"/>
+        </c16r3:dataDisplayOptions16>
+      </c:ext>
+    </c:extLst>
+    <c:showDLblsOverMax val="0"/>
+  </c:chart>
+  <c:spPr>
+    <a:noFill/>
+    <a:ln>
+      <a:noFill/>
+    </a:ln>
+    <a:effectLst/>
+  </c:spPr>
+  <c:txPr>
+    <a:bodyPr/>
+    <a:lstStyle/>
+    <a:p>
+      <a:pPr>
+        <a:defRPr/>
+      </a:pPr>
+      <a:endParaRPr lang="it-IT"/>
+    </a:p>
+  </c:txPr>
+  <c:externalData r:id="rId3">
+    <c:autoUpdate val="0"/>
+  </c:externalData>
+</c:chartSpace>
+</file>
+
+<file path=ppt/charts/chart7.xml><?xml version="1.0" encoding="utf-8"?>
+<c:chartSpace xmlns:c="http://schemas.openxmlformats.org/drawingml/2006/chart" xmlns:a="http://schemas.openxmlformats.org/drawingml/2006/main" xmlns:r="http://schemas.openxmlformats.org/officeDocument/2006/relationships" xmlns:c16r2="http://schemas.microsoft.com/office/drawing/2015/06/chart">
+  <c:date1904 val="0"/>
+  <c:lang val="it-IT"/>
+  <c:roundedCorners val="0"/>
+  <mc:AlternateContent xmlns:mc="http://schemas.openxmlformats.org/markup-compatibility/2006">
+    <mc:Choice xmlns:c14="http://schemas.microsoft.com/office/drawing/2007/8/2/chart" Requires="c14">
+      <c14:style val="102"/>
+    </mc:Choice>
+    <mc:Fallback>
+      <c:style val="2"/>
+    </mc:Fallback>
+  </mc:AlternateContent>
+  <c:chart>
+    <c:title>
+      <c:tx>
+        <c:rich>
+          <a:bodyPr rot="0" spcFirstLastPara="1" vertOverflow="ellipsis" vert="horz" wrap="square" anchor="ctr" anchorCtr="1"/>
+          <a:lstStyle/>
+          <a:p>
+            <a:pPr>
+              <a:defRPr sz="1400" b="0" i="0" u="none" strike="noStrike" kern="1200" spc="0" baseline="0">
+                <a:solidFill>
+                  <a:schemeClr val="tx1">
+                    <a:lumMod val="65000"/>
+                    <a:lumOff val="35000"/>
+                  </a:schemeClr>
+                </a:solidFill>
+                <a:latin typeface="+mn-lt"/>
+                <a:ea typeface="+mn-ea"/>
+                <a:cs typeface="+mn-cs"/>
+              </a:defRPr>
+            </a:pPr>
+            <a:r>
+              <a:rPr lang="it-IT"/>
+              <a:t>Python - Windows</a:t>
+            </a:r>
+          </a:p>
+        </c:rich>
+      </c:tx>
+      <c:layout>
+        <c:manualLayout>
+          <c:xMode val="edge"/>
+          <c:yMode val="edge"/>
+          <c:x val="0.35982633420822391"/>
+          <c:y val="3.2407407407407406E-2"/>
+        </c:manualLayout>
+      </c:layout>
+      <c:overlay val="0"/>
+      <c:spPr>
+        <a:noFill/>
+        <a:ln>
+          <a:noFill/>
+        </a:ln>
+        <a:effectLst/>
+      </c:spPr>
+      <c:txPr>
+        <a:bodyPr rot="0" spcFirstLastPara="1" vertOverflow="ellipsis" vert="horz" wrap="square" anchor="ctr" anchorCtr="1"/>
+        <a:lstStyle/>
+        <a:p>
+          <a:pPr>
+            <a:defRPr sz="1400" b="0" i="0" u="none" strike="noStrike" kern="1200" spc="0" baseline="0">
+              <a:solidFill>
+                <a:schemeClr val="tx1">
+                  <a:lumMod val="65000"/>
+                  <a:lumOff val="35000"/>
+                </a:schemeClr>
+              </a:solidFill>
+              <a:latin typeface="+mn-lt"/>
+              <a:ea typeface="+mn-ea"/>
+              <a:cs typeface="+mn-cs"/>
+            </a:defRPr>
+          </a:pPr>
+          <a:endParaRPr lang="it-IT"/>
+        </a:p>
+      </c:txPr>
+    </c:title>
+    <c:autoTitleDeleted val="0"/>
+    <c:plotArea>
+      <c:layout/>
+      <c:lineChart>
+        <c:grouping val="standard"/>
+        <c:varyColors val="0"/>
+        <c:ser>
+          <c:idx val="0"/>
+          <c:order val="0"/>
+          <c:tx>
+            <c:v>chol_size</c:v>
+          </c:tx>
+          <c:spPr>
+            <a:ln w="28575" cap="rnd">
+              <a:solidFill>
+                <a:schemeClr val="accent2"/>
+              </a:solidFill>
+              <a:round/>
+            </a:ln>
+            <a:effectLst/>
+          </c:spPr>
+          <c:marker>
+            <c:symbol val="circle"/>
+            <c:size val="5"/>
+            <c:spPr>
+              <a:solidFill>
+                <a:schemeClr val="accent2"/>
+              </a:solidFill>
+              <a:ln w="9525">
+                <a:solidFill>
+                  <a:schemeClr val="accent2"/>
+                </a:solidFill>
+              </a:ln>
+              <a:effectLst/>
+            </c:spPr>
+          </c:marker>
+          <c:cat>
+            <c:strRef>
+              <c:f>Foglio2!$B$13:$B$19</c:f>
+              <c:strCache>
+                <c:ptCount val="7"/>
+                <c:pt idx="0">
+                  <c:v>ex15.mtx</c:v>
+                </c:pt>
+                <c:pt idx="1">
+                  <c:v>shallow_water1.mtx</c:v>
+                </c:pt>
+                <c:pt idx="2">
+                  <c:v>cfd1.mtx</c:v>
+                </c:pt>
+                <c:pt idx="3">
+                  <c:v>cfd2.mtx</c:v>
+                </c:pt>
+                <c:pt idx="4">
+                  <c:v>parabolic_fem.mtx</c:v>
+                </c:pt>
+                <c:pt idx="5">
+                  <c:v>apache2.mtx</c:v>
+                </c:pt>
+                <c:pt idx="6">
+                  <c:v>G3_circuit.mtx</c:v>
+                </c:pt>
+              </c:strCache>
+            </c:strRef>
+          </c:cat>
+          <c:val>
+            <c:numRef>
+              <c:f>Foglio2!$I$13:$I$19</c:f>
+              <c:numCache>
+                <c:formatCode>General</c:formatCode>
+                <c:ptCount val="7"/>
+                <c:pt idx="0">
+                  <c:v>3445756</c:v>
+                </c:pt>
+                <c:pt idx="1">
+                  <c:v>39794652</c:v>
+                </c:pt>
+                <c:pt idx="2">
+                  <c:v>467774008</c:v>
+                </c:pt>
+                <c:pt idx="3">
+                  <c:v>921304536</c:v>
+                </c:pt>
+                <c:pt idx="4">
+                  <c:v>505652608</c:v>
+                </c:pt>
+                <c:pt idx="5">
+                  <c:v>2304463756</c:v>
+                </c:pt>
+                <c:pt idx="6">
+                  <c:v>2556914712</c:v>
+                </c:pt>
+              </c:numCache>
+            </c:numRef>
+          </c:val>
+          <c:smooth val="0"/>
+          <c:extLst>
+            <c:ext xmlns:c16="http://schemas.microsoft.com/office/drawing/2014/chart" uri="{C3380CC4-5D6E-409C-BE32-E72D297353CC}">
+              <c16:uniqueId val="{00000000-021F-49C1-8E7B-147F715858C3}"/>
+            </c:ext>
+          </c:extLst>
+        </c:ser>
+        <c:ser>
+          <c:idx val="1"/>
+          <c:order val="1"/>
+          <c:tx>
+            <c:v>total_time</c:v>
+          </c:tx>
+          <c:spPr>
+            <a:ln w="28575" cap="rnd">
+              <a:solidFill>
+                <a:schemeClr val="accent4"/>
+              </a:solidFill>
+              <a:round/>
+            </a:ln>
+            <a:effectLst/>
+          </c:spPr>
+          <c:marker>
+            <c:symbol val="circle"/>
+            <c:size val="5"/>
+            <c:spPr>
+              <a:solidFill>
+                <a:schemeClr val="accent4"/>
+              </a:solidFill>
+              <a:ln w="9525">
+                <a:solidFill>
+                  <a:schemeClr val="accent4"/>
+                </a:solidFill>
+              </a:ln>
+              <a:effectLst/>
+            </c:spPr>
+          </c:marker>
+          <c:cat>
+            <c:strRef>
+              <c:f>Foglio2!$B$13:$B$19</c:f>
+              <c:strCache>
+                <c:ptCount val="7"/>
+                <c:pt idx="0">
+                  <c:v>ex15.mtx</c:v>
+                </c:pt>
+                <c:pt idx="1">
+                  <c:v>shallow_water1.mtx</c:v>
+                </c:pt>
+                <c:pt idx="2">
+                  <c:v>cfd1.mtx</c:v>
+                </c:pt>
+                <c:pt idx="3">
+                  <c:v>cfd2.mtx</c:v>
+                </c:pt>
+                <c:pt idx="4">
+                  <c:v>parabolic_fem.mtx</c:v>
+                </c:pt>
+                <c:pt idx="5">
+                  <c:v>apache2.mtx</c:v>
+                </c:pt>
+                <c:pt idx="6">
+                  <c:v>G3_circuit.mtx</c:v>
+                </c:pt>
+              </c:strCache>
+            </c:strRef>
+          </c:cat>
+          <c:val>
+            <c:numRef>
+              <c:f>Foglio2!$L$13:$L$19</c:f>
+              <c:numCache>
+                <c:formatCode>General</c:formatCode>
+                <c:ptCount val="7"/>
+                <c:pt idx="0">
+                  <c:v>31.35</c:v>
+                </c:pt>
+                <c:pt idx="1">
+                  <c:v>1656.25</c:v>
+                </c:pt>
+                <c:pt idx="2">
+                  <c:v>81171.875</c:v>
+                </c:pt>
+                <c:pt idx="3">
+                  <c:v>247296.875</c:v>
+                </c:pt>
+                <c:pt idx="4">
+                  <c:v>32718.75</c:v>
+                </c:pt>
+                <c:pt idx="5">
+                  <c:v>512359.375</c:v>
+                </c:pt>
+                <c:pt idx="6">
+                  <c:v>546312.5</c:v>
+                </c:pt>
+              </c:numCache>
+            </c:numRef>
+          </c:val>
+          <c:smooth val="0"/>
+          <c:extLst>
+            <c:ext xmlns:c16="http://schemas.microsoft.com/office/drawing/2014/chart" uri="{C3380CC4-5D6E-409C-BE32-E72D297353CC}">
+              <c16:uniqueId val="{00000001-021F-49C1-8E7B-147F715858C3}"/>
+            </c:ext>
+          </c:extLst>
+        </c:ser>
+        <c:ser>
+          <c:idx val="2"/>
+          <c:order val="2"/>
+          <c:tx>
+            <c:v>err</c:v>
+          </c:tx>
+          <c:spPr>
+            <a:ln w="28575" cap="rnd">
+              <a:solidFill>
+                <a:schemeClr val="accent6"/>
+              </a:solidFill>
+              <a:round/>
+            </a:ln>
+            <a:effectLst/>
+          </c:spPr>
+          <c:marker>
+            <c:symbol val="circle"/>
+            <c:size val="5"/>
+            <c:spPr>
+              <a:solidFill>
+                <a:schemeClr val="accent6"/>
+              </a:solidFill>
+              <a:ln w="9525">
+                <a:solidFill>
+                  <a:schemeClr val="accent6"/>
+                </a:solidFill>
+              </a:ln>
+              <a:effectLst/>
+            </c:spPr>
+          </c:marker>
+          <c:cat>
+            <c:strRef>
+              <c:f>Foglio2!$B$13:$B$19</c:f>
+              <c:strCache>
+                <c:ptCount val="7"/>
+                <c:pt idx="0">
+                  <c:v>ex15.mtx</c:v>
+                </c:pt>
+                <c:pt idx="1">
+                  <c:v>shallow_water1.mtx</c:v>
+                </c:pt>
+                <c:pt idx="2">
+                  <c:v>cfd1.mtx</c:v>
+                </c:pt>
+                <c:pt idx="3">
+                  <c:v>cfd2.mtx</c:v>
+                </c:pt>
+                <c:pt idx="4">
+                  <c:v>parabolic_fem.mtx</c:v>
+                </c:pt>
+                <c:pt idx="5">
+                  <c:v>apache2.mtx</c:v>
+                </c:pt>
+                <c:pt idx="6">
+                  <c:v>G3_circuit.mtx</c:v>
+                </c:pt>
+              </c:strCache>
+            </c:strRef>
+          </c:cat>
+          <c:val>
+            <c:numRef>
+              <c:f>Foglio2!$K$13:$K$19</c:f>
+              <c:numCache>
+                <c:formatCode>General</c:formatCode>
+                <c:ptCount val="7"/>
+                <c:pt idx="0">
+                  <c:v>7.4667418258630438E-7</c:v>
+                </c:pt>
+                <c:pt idx="1">
+                  <c:v>2.3236586965543559E-16</c:v>
+                </c:pt>
+                <c:pt idx="2">
+                  <c:v>1.0231649104184821E-13</c:v>
+                </c:pt>
+                <c:pt idx="3">
+                  <c:v>6.8706089987178975E-13</c:v>
+                </c:pt>
+                <c:pt idx="4">
+                  <c:v>9.5191634474851015E-13</c:v>
+                </c:pt>
+                <c:pt idx="5">
+                  <c:v>4.5154492128590896E-11</c:v>
+                </c:pt>
+                <c:pt idx="6">
+                  <c:v>3.8515524773529713E-12</c:v>
+                </c:pt>
+              </c:numCache>
+            </c:numRef>
+          </c:val>
+          <c:smooth val="0"/>
+          <c:extLst>
+            <c:ext xmlns:c16="http://schemas.microsoft.com/office/drawing/2014/chart" uri="{C3380CC4-5D6E-409C-BE32-E72D297353CC}">
+              <c16:uniqueId val="{00000002-021F-49C1-8E7B-147F715858C3}"/>
+            </c:ext>
+          </c:extLst>
+        </c:ser>
+        <c:dLbls>
+          <c:showLegendKey val="0"/>
+          <c:showVal val="0"/>
+          <c:showCatName val="0"/>
+          <c:showSerName val="0"/>
+          <c:showPercent val="0"/>
+          <c:showBubbleSize val="0"/>
+        </c:dLbls>
+        <c:marker val="1"/>
+        <c:smooth val="0"/>
+        <c:axId val="804217071"/>
+        <c:axId val="560843855"/>
+        <c:extLst>
+          <c:ext xmlns:c15="http://schemas.microsoft.com/office/drawing/2012/chart" uri="{02D57815-91ED-43cb-92C2-25804820EDAC}">
+            <c15:filteredLineSeries>
+              <c15:ser>
+                <c:idx val="3"/>
+                <c:order val="3"/>
+                <c:tx>
+                  <c:v>name</c:v>
+                </c:tx>
+                <c:spPr>
+                  <a:ln w="28575" cap="rnd">
+                    <a:solidFill>
+                      <a:schemeClr val="accent2">
+                        <a:lumMod val="60000"/>
+                      </a:schemeClr>
+                    </a:solidFill>
+                    <a:round/>
+                  </a:ln>
+                  <a:effectLst/>
+                </c:spPr>
+                <c:marker>
+                  <c:symbol val="none"/>
+                </c:marker>
+                <c:cat>
+                  <c:strRef>
+                    <c:extLst>
+                      <c:ext uri="{02D57815-91ED-43cb-92C2-25804820EDAC}">
+                        <c15:formulaRef>
+                          <c15:sqref>Foglio2!$B$13:$B$19</c15:sqref>
+                        </c15:formulaRef>
+                      </c:ext>
+                    </c:extLst>
+                    <c:strCache>
+                      <c:ptCount val="7"/>
+                      <c:pt idx="0">
+                        <c:v>ex15.mtx</c:v>
+                      </c:pt>
+                      <c:pt idx="1">
+                        <c:v>shallow_water1.mtx</c:v>
+                      </c:pt>
+                      <c:pt idx="2">
+                        <c:v>cfd1.mtx</c:v>
+                      </c:pt>
+                      <c:pt idx="3">
+                        <c:v>cfd2.mtx</c:v>
+                      </c:pt>
+                      <c:pt idx="4">
+                        <c:v>parabolic_fem.mtx</c:v>
+                      </c:pt>
+                      <c:pt idx="5">
+                        <c:v>apache2.mtx</c:v>
+                      </c:pt>
+                      <c:pt idx="6">
+                        <c:v>G3_circuit.mtx</c:v>
+                      </c:pt>
+                    </c:strCache>
+                  </c:strRef>
+                </c:cat>
+                <c:val>
+                  <c:numRef>
+                    <c:extLst>
+                      <c:ext uri="{02D57815-91ED-43cb-92C2-25804820EDAC}">
+                        <c15:formulaRef>
+                          <c15:sqref>Foglio2!$B$13:$B$19</c15:sqref>
+                        </c15:formulaRef>
+                      </c:ext>
+                    </c:extLst>
+                    <c:numCache>
+                      <c:formatCode>General</c:formatCode>
+                      <c:ptCount val="7"/>
+                      <c:pt idx="0">
+                        <c:v>0</c:v>
+                      </c:pt>
+                      <c:pt idx="1">
+                        <c:v>0</c:v>
+                      </c:pt>
+                      <c:pt idx="2">
+                        <c:v>0</c:v>
+                      </c:pt>
+                      <c:pt idx="3">
+                        <c:v>0</c:v>
+                      </c:pt>
+                      <c:pt idx="4">
+                        <c:v>0</c:v>
+                      </c:pt>
+                      <c:pt idx="5">
+                        <c:v>0</c:v>
+                      </c:pt>
+                      <c:pt idx="6">
+                        <c:v>0</c:v>
+                      </c:pt>
+                    </c:numCache>
+                  </c:numRef>
+                </c:val>
+                <c:smooth val="0"/>
+                <c:extLst>
+                  <c:ext xmlns:c16="http://schemas.microsoft.com/office/drawing/2014/chart" uri="{C3380CC4-5D6E-409C-BE32-E72D297353CC}">
+                    <c16:uniqueId val="{00000003-021F-49C1-8E7B-147F715858C3}"/>
+                  </c:ext>
+                </c:extLst>
+              </c15:ser>
+            </c15:filteredLineSeries>
+          </c:ext>
+        </c:extLst>
+      </c:lineChart>
+      <c:catAx>
+        <c:axId val="804217071"/>
+        <c:scaling>
+          <c:orientation val="minMax"/>
+        </c:scaling>
+        <c:delete val="0"/>
+        <c:axPos val="b"/>
+        <c:numFmt formatCode="General" sourceLinked="1"/>
+        <c:majorTickMark val="out"/>
+        <c:minorTickMark val="none"/>
+        <c:tickLblPos val="nextTo"/>
+        <c:spPr>
+          <a:noFill/>
+          <a:ln w="9525" cap="flat" cmpd="sng" algn="ctr">
+            <a:solidFill>
+              <a:schemeClr val="tx1">
+                <a:lumMod val="15000"/>
+                <a:lumOff val="85000"/>
+              </a:schemeClr>
+            </a:solidFill>
+            <a:round/>
+          </a:ln>
+          <a:effectLst/>
+        </c:spPr>
+        <c:txPr>
+          <a:bodyPr rot="-60000000" spcFirstLastPara="1" vertOverflow="ellipsis" vert="horz" wrap="square" anchor="b" anchorCtr="0"/>
+          <a:lstStyle/>
+          <a:p>
+            <a:pPr>
+              <a:defRPr sz="900" b="0" i="0" u="none" strike="noStrike" kern="1200" baseline="0">
+                <a:solidFill>
+                  <a:schemeClr val="tx1">
+                    <a:lumMod val="65000"/>
+                    <a:lumOff val="35000"/>
+                  </a:schemeClr>
+                </a:solidFill>
+                <a:latin typeface="+mn-lt"/>
+                <a:ea typeface="+mn-ea"/>
+                <a:cs typeface="+mn-cs"/>
+              </a:defRPr>
+            </a:pPr>
+            <a:endParaRPr lang="it-IT"/>
+          </a:p>
+        </c:txPr>
+        <c:crossAx val="560843855"/>
+        <c:crosses val="autoZero"/>
+        <c:auto val="1"/>
+        <c:lblAlgn val="ctr"/>
+        <c:lblOffset val="100"/>
+        <c:noMultiLvlLbl val="0"/>
+      </c:catAx>
+      <c:valAx>
+        <c:axId val="560843855"/>
+        <c:scaling>
+          <c:logBase val="10"/>
+          <c:orientation val="minMax"/>
+        </c:scaling>
+        <c:delete val="0"/>
+        <c:axPos val="l"/>
+        <c:majorGridlines>
+          <c:spPr>
+            <a:ln w="9525" cap="flat" cmpd="sng" algn="ctr">
+              <a:solidFill>
+                <a:schemeClr val="tx1">
+                  <a:lumMod val="15000"/>
+                  <a:lumOff val="85000"/>
+                </a:schemeClr>
+              </a:solidFill>
+              <a:round/>
+            </a:ln>
+            <a:effectLst/>
+          </c:spPr>
+        </c:majorGridlines>
+        <c:numFmt formatCode="0.E+00" sourceLinked="0"/>
+        <c:majorTickMark val="none"/>
+        <c:minorTickMark val="none"/>
+        <c:tickLblPos val="nextTo"/>
+        <c:spPr>
+          <a:noFill/>
+          <a:ln>
+            <a:noFill/>
+          </a:ln>
+          <a:effectLst/>
+        </c:spPr>
+        <c:txPr>
+          <a:bodyPr rot="-60000000" spcFirstLastPara="1" vertOverflow="ellipsis" vert="horz" wrap="square" anchor="ctr" anchorCtr="1"/>
+          <a:lstStyle/>
+          <a:p>
+            <a:pPr>
+              <a:defRPr sz="900" b="0" i="0" u="none" strike="noStrike" kern="1200" baseline="0">
+                <a:solidFill>
+                  <a:schemeClr val="tx1">
+                    <a:lumMod val="65000"/>
+                    <a:lumOff val="35000"/>
+                  </a:schemeClr>
+                </a:solidFill>
+                <a:latin typeface="+mn-lt"/>
+                <a:ea typeface="+mn-ea"/>
+                <a:cs typeface="+mn-cs"/>
+              </a:defRPr>
+            </a:pPr>
+            <a:endParaRPr lang="it-IT"/>
+          </a:p>
+        </c:txPr>
+        <c:crossAx val="804217071"/>
+        <c:crosses val="autoZero"/>
+        <c:crossBetween val="between"/>
+      </c:valAx>
+      <c:spPr>
+        <a:noFill/>
+        <a:ln>
+          <a:noFill/>
+        </a:ln>
+        <a:effectLst/>
+      </c:spPr>
+    </c:plotArea>
+    <c:legend>
+      <c:legendPos val="r"/>
+      <c:overlay val="0"/>
+      <c:spPr>
+        <a:noFill/>
+        <a:ln>
+          <a:noFill/>
+        </a:ln>
+        <a:effectLst/>
+      </c:spPr>
+      <c:txPr>
+        <a:bodyPr rot="0" spcFirstLastPara="1" vertOverflow="ellipsis" vert="horz" wrap="square" anchor="ctr" anchorCtr="1"/>
+        <a:lstStyle/>
+        <a:p>
+          <a:pPr>
+            <a:defRPr sz="900" b="0" i="0" u="none" strike="noStrike" kern="1200" baseline="0">
+              <a:solidFill>
+                <a:schemeClr val="tx1">
+                  <a:lumMod val="65000"/>
+                  <a:lumOff val="35000"/>
+                </a:schemeClr>
+              </a:solidFill>
+              <a:latin typeface="+mn-lt"/>
+              <a:ea typeface="+mn-ea"/>
+              <a:cs typeface="+mn-cs"/>
+            </a:defRPr>
+          </a:pPr>
+          <a:endParaRPr lang="it-IT"/>
+        </a:p>
+      </c:txPr>
+    </c:legend>
+    <c:plotVisOnly val="1"/>
+    <c:dispBlanksAs val="gap"/>
+    <c:extLst>
+      <c:ext xmlns:c16r3="http://schemas.microsoft.com/office/drawing/2017/03/chart" uri="{56B9EC1D-385E-4148-901F-78D8002777C0}">
+        <c16r3:dataDisplayOptions16>
+          <c16r3:dispNaAsBlank val="1"/>
+        </c16r3:dataDisplayOptions16>
+      </c:ext>
+    </c:extLst>
+    <c:showDLblsOverMax val="0"/>
+  </c:chart>
+  <c:spPr>
+    <a:noFill/>
+    <a:ln>
+      <a:noFill/>
+    </a:ln>
+    <a:effectLst/>
+  </c:spPr>
+  <c:txPr>
+    <a:bodyPr/>
+    <a:lstStyle/>
+    <a:p>
+      <a:pPr>
+        <a:defRPr/>
+      </a:pPr>
+      <a:endParaRPr lang="it-IT"/>
+    </a:p>
+  </c:txPr>
+  <c:externalData r:id="rId3">
+    <c:autoUpdate val="0"/>
+  </c:externalData>
+</c:chartSpace>
+</file>
+
+<file path=ppt/charts/chart8.xml><?xml version="1.0" encoding="utf-8"?>
+<c:chartSpace xmlns:c="http://schemas.openxmlformats.org/drawingml/2006/chart" xmlns:a="http://schemas.openxmlformats.org/drawingml/2006/main" xmlns:r="http://schemas.openxmlformats.org/officeDocument/2006/relationships" xmlns:c16r2="http://schemas.microsoft.com/office/drawing/2015/06/chart">
+  <c:date1904 val="0"/>
+  <c:lang val="it-IT"/>
+  <c:roundedCorners val="0"/>
+  <mc:AlternateContent xmlns:mc="http://schemas.openxmlformats.org/markup-compatibility/2006">
+    <mc:Choice xmlns:c14="http://schemas.microsoft.com/office/drawing/2007/8/2/chart" Requires="c14">
+      <c14:style val="102"/>
+    </mc:Choice>
+    <mc:Fallback>
+      <c:style val="2"/>
+    </mc:Fallback>
+  </mc:AlternateContent>
+  <c:chart>
+    <c:title>
+      <c:tx>
+        <c:rich>
+          <a:bodyPr rot="0" spcFirstLastPara="1" vertOverflow="ellipsis" vert="horz" wrap="square" anchor="ctr" anchorCtr="1"/>
+          <a:lstStyle/>
+          <a:p>
+            <a:pPr>
+              <a:defRPr sz="1400" b="0" i="0" u="none" strike="noStrike" kern="1200" spc="0" baseline="0">
+                <a:solidFill>
+                  <a:schemeClr val="tx1">
+                    <a:lumMod val="65000"/>
+                    <a:lumOff val="35000"/>
+                  </a:schemeClr>
+                </a:solidFill>
+                <a:latin typeface="+mn-lt"/>
+                <a:ea typeface="+mn-ea"/>
+                <a:cs typeface="+mn-cs"/>
+              </a:defRPr>
+            </a:pPr>
+            <a:r>
+              <a:rPr lang="it-IT"/>
+              <a:t>Python - Linux</a:t>
+            </a:r>
+          </a:p>
+        </c:rich>
+      </c:tx>
+      <c:overlay val="0"/>
+      <c:spPr>
+        <a:noFill/>
+        <a:ln>
+          <a:noFill/>
+        </a:ln>
+        <a:effectLst/>
+      </c:spPr>
+      <c:txPr>
+        <a:bodyPr rot="0" spcFirstLastPara="1" vertOverflow="ellipsis" vert="horz" wrap="square" anchor="ctr" anchorCtr="1"/>
+        <a:lstStyle/>
+        <a:p>
+          <a:pPr>
+            <a:defRPr sz="1400" b="0" i="0" u="none" strike="noStrike" kern="1200" spc="0" baseline="0">
+              <a:solidFill>
+                <a:schemeClr val="tx1">
+                  <a:lumMod val="65000"/>
+                  <a:lumOff val="35000"/>
+                </a:schemeClr>
+              </a:solidFill>
+              <a:latin typeface="+mn-lt"/>
+              <a:ea typeface="+mn-ea"/>
+              <a:cs typeface="+mn-cs"/>
+            </a:defRPr>
+          </a:pPr>
+          <a:endParaRPr lang="it-IT"/>
+        </a:p>
+      </c:txPr>
+    </c:title>
+    <c:autoTitleDeleted val="0"/>
+    <c:plotArea>
+      <c:layout/>
+      <c:lineChart>
+        <c:grouping val="standard"/>
+        <c:varyColors val="0"/>
+        <c:ser>
+          <c:idx val="0"/>
+          <c:order val="0"/>
+          <c:tx>
+            <c:v>chol_size</c:v>
+          </c:tx>
+          <c:spPr>
+            <a:ln w="28575" cap="rnd">
+              <a:solidFill>
+                <a:schemeClr val="accent2"/>
+              </a:solidFill>
+              <a:round/>
+            </a:ln>
+            <a:effectLst/>
+          </c:spPr>
+          <c:marker>
+            <c:symbol val="circle"/>
+            <c:size val="5"/>
+            <c:spPr>
+              <a:solidFill>
+                <a:schemeClr val="accent2"/>
+              </a:solidFill>
+              <a:ln w="9525">
+                <a:solidFill>
+                  <a:schemeClr val="accent2"/>
+                </a:solidFill>
+              </a:ln>
+              <a:effectLst/>
+            </c:spPr>
+          </c:marker>
+          <c:cat>
+            <c:strRef>
+              <c:f>Foglio2!$B$13:$B$19</c:f>
+              <c:strCache>
+                <c:ptCount val="7"/>
+                <c:pt idx="0">
+                  <c:v>ex15.mtx</c:v>
+                </c:pt>
+                <c:pt idx="1">
+                  <c:v>shallow_water1.mtx</c:v>
+                </c:pt>
+                <c:pt idx="2">
+                  <c:v>cfd1.mtx</c:v>
+                </c:pt>
+                <c:pt idx="3">
+                  <c:v>cfd2.mtx</c:v>
+                </c:pt>
+                <c:pt idx="4">
+                  <c:v>parabolic_fem.mtx</c:v>
+                </c:pt>
+                <c:pt idx="5">
+                  <c:v>apache2.mtx</c:v>
+                </c:pt>
+                <c:pt idx="6">
+                  <c:v>G3_circuit.mtx</c:v>
+                </c:pt>
+              </c:strCache>
+            </c:strRef>
+          </c:cat>
+          <c:val>
+            <c:numRef>
+              <c:f>Foglio2!$I$13:$I$19</c:f>
+              <c:numCache>
+                <c:formatCode>General</c:formatCode>
+                <c:ptCount val="7"/>
+                <c:pt idx="0">
+                  <c:v>3445756</c:v>
+                </c:pt>
+                <c:pt idx="1">
+                  <c:v>39794652</c:v>
+                </c:pt>
+                <c:pt idx="2">
+                  <c:v>241522768</c:v>
+                </c:pt>
+                <c:pt idx="3">
+                  <c:v>455155020</c:v>
+                </c:pt>
+                <c:pt idx="4">
+                  <c:v>505652608</c:v>
+                </c:pt>
+                <c:pt idx="5">
+                  <c:v>1694291848</c:v>
+                </c:pt>
+                <c:pt idx="6">
+                  <c:v>1323715140</c:v>
+                </c:pt>
+              </c:numCache>
+            </c:numRef>
+          </c:val>
+          <c:smooth val="0"/>
+          <c:extLst>
+            <c:ext xmlns:c16="http://schemas.microsoft.com/office/drawing/2014/chart" uri="{C3380CC4-5D6E-409C-BE32-E72D297353CC}">
+              <c16:uniqueId val="{00000000-33F5-4E2C-A729-A68C7EC5DEB7}"/>
+            </c:ext>
+          </c:extLst>
+        </c:ser>
+        <c:ser>
+          <c:idx val="1"/>
+          <c:order val="1"/>
+          <c:tx>
+            <c:v>total_time</c:v>
+          </c:tx>
+          <c:spPr>
+            <a:ln w="28575" cap="rnd">
+              <a:solidFill>
+                <a:schemeClr val="accent4"/>
+              </a:solidFill>
+              <a:round/>
+            </a:ln>
+            <a:effectLst/>
+          </c:spPr>
+          <c:marker>
+            <c:symbol val="circle"/>
+            <c:size val="5"/>
+            <c:spPr>
+              <a:solidFill>
+                <a:schemeClr val="accent4"/>
+              </a:solidFill>
+              <a:ln w="9525">
+                <a:solidFill>
+                  <a:schemeClr val="accent4"/>
+                </a:solidFill>
+              </a:ln>
+              <a:effectLst/>
+            </c:spPr>
+          </c:marker>
+          <c:cat>
+            <c:strRef>
+              <c:f>Foglio2!$B$13:$B$19</c:f>
+              <c:strCache>
+                <c:ptCount val="7"/>
+                <c:pt idx="0">
+                  <c:v>ex15.mtx</c:v>
+                </c:pt>
+                <c:pt idx="1">
+                  <c:v>shallow_water1.mtx</c:v>
+                </c:pt>
+                <c:pt idx="2">
+                  <c:v>cfd1.mtx</c:v>
+                </c:pt>
+                <c:pt idx="3">
+                  <c:v>cfd2.mtx</c:v>
+                </c:pt>
+                <c:pt idx="4">
+                  <c:v>parabolic_fem.mtx</c:v>
+                </c:pt>
+                <c:pt idx="5">
+                  <c:v>apache2.mtx</c:v>
+                </c:pt>
+                <c:pt idx="6">
+                  <c:v>G3_circuit.mtx</c:v>
+                </c:pt>
+              </c:strCache>
+            </c:strRef>
+          </c:cat>
+          <c:val>
+            <c:numRef>
+              <c:f>Foglio2!$L$13:$L$19</c:f>
+              <c:numCache>
+                <c:formatCode>General</c:formatCode>
+                <c:ptCount val="7"/>
+                <c:pt idx="0">
+                  <c:v>48.609730000009677</c:v>
+                </c:pt>
+                <c:pt idx="1">
+                  <c:v>1369.4284959999834</c:v>
+                </c:pt>
+                <c:pt idx="2">
+                  <c:v>8423.8557530000253</c:v>
+                </c:pt>
+                <c:pt idx="3">
+                  <c:v>18479.108238999983</c:v>
+                </c:pt>
+                <c:pt idx="4">
+                  <c:v>14360.728626</c:v>
+                </c:pt>
+                <c:pt idx="5">
+                  <c:v>94872.020334000001</c:v>
+                </c:pt>
+                <c:pt idx="6">
+                  <c:v>52252.882108999998</c:v>
+                </c:pt>
+              </c:numCache>
+            </c:numRef>
+          </c:val>
+          <c:smooth val="0"/>
+          <c:extLst>
+            <c:ext xmlns:c16="http://schemas.microsoft.com/office/drawing/2014/chart" uri="{C3380CC4-5D6E-409C-BE32-E72D297353CC}">
+              <c16:uniqueId val="{00000001-33F5-4E2C-A729-A68C7EC5DEB7}"/>
+            </c:ext>
+          </c:extLst>
+        </c:ser>
+        <c:ser>
+          <c:idx val="2"/>
+          <c:order val="2"/>
+          <c:tx>
+            <c:v>err</c:v>
+          </c:tx>
+          <c:spPr>
+            <a:ln w="28575" cap="rnd">
+              <a:solidFill>
+                <a:schemeClr val="accent6"/>
+              </a:solidFill>
+              <a:round/>
+            </a:ln>
+            <a:effectLst/>
+          </c:spPr>
+          <c:marker>
+            <c:symbol val="circle"/>
+            <c:size val="5"/>
+            <c:spPr>
+              <a:solidFill>
+                <a:schemeClr val="accent6"/>
+              </a:solidFill>
+              <a:ln w="9525">
+                <a:solidFill>
+                  <a:schemeClr val="accent6"/>
+                </a:solidFill>
+              </a:ln>
+              <a:effectLst/>
+            </c:spPr>
+          </c:marker>
+          <c:cat>
+            <c:strRef>
+              <c:f>Foglio2!$B$13:$B$19</c:f>
+              <c:strCache>
+                <c:ptCount val="7"/>
+                <c:pt idx="0">
+                  <c:v>ex15.mtx</c:v>
+                </c:pt>
+                <c:pt idx="1">
+                  <c:v>shallow_water1.mtx</c:v>
+                </c:pt>
+                <c:pt idx="2">
+                  <c:v>cfd1.mtx</c:v>
+                </c:pt>
+                <c:pt idx="3">
+                  <c:v>cfd2.mtx</c:v>
+                </c:pt>
+                <c:pt idx="4">
+                  <c:v>parabolic_fem.mtx</c:v>
+                </c:pt>
+                <c:pt idx="5">
+                  <c:v>apache2.mtx</c:v>
+                </c:pt>
+                <c:pt idx="6">
+                  <c:v>G3_circuit.mtx</c:v>
+                </c:pt>
+              </c:strCache>
+            </c:strRef>
+          </c:cat>
+          <c:val>
+            <c:numRef>
+              <c:f>Foglio2!$K$13:$K$19</c:f>
+              <c:numCache>
+                <c:formatCode>General</c:formatCode>
+                <c:ptCount val="7"/>
+                <c:pt idx="0">
+                  <c:v>6.3730398920252567E-7</c:v>
+                </c:pt>
+                <c:pt idx="1">
+                  <c:v>2.4191432592763325E-16</c:v>
+                </c:pt>
+                <c:pt idx="2">
+                  <c:v>2.4936662481657558E-14</c:v>
+                </c:pt>
+                <c:pt idx="3">
+                  <c:v>3.79734620529076E-13</c:v>
+                </c:pt>
+                <c:pt idx="4">
+                  <c:v>1.2186342978855653E-12</c:v>
+                </c:pt>
+                <c:pt idx="5">
+                  <c:v>2.6439542358305498E-11</c:v>
+                </c:pt>
+                <c:pt idx="6">
+                  <c:v>2.7419663599645289E-12</c:v>
+                </c:pt>
+              </c:numCache>
+            </c:numRef>
+          </c:val>
+          <c:smooth val="0"/>
+          <c:extLst>
+            <c:ext xmlns:c16="http://schemas.microsoft.com/office/drawing/2014/chart" uri="{C3380CC4-5D6E-409C-BE32-E72D297353CC}">
+              <c16:uniqueId val="{00000002-33F5-4E2C-A729-A68C7EC5DEB7}"/>
+            </c:ext>
+          </c:extLst>
+        </c:ser>
+        <c:dLbls>
+          <c:showLegendKey val="0"/>
+          <c:showVal val="0"/>
+          <c:showCatName val="0"/>
+          <c:showSerName val="0"/>
+          <c:showPercent val="0"/>
+          <c:showBubbleSize val="0"/>
+        </c:dLbls>
+        <c:marker val="1"/>
+        <c:smooth val="0"/>
+        <c:axId val="572502015"/>
+        <c:axId val="560810991"/>
+        <c:extLst>
+          <c:ext xmlns:c15="http://schemas.microsoft.com/office/drawing/2012/chart" uri="{02D57815-91ED-43cb-92C2-25804820EDAC}">
+            <c15:filteredLineSeries>
+              <c15:ser>
+                <c:idx val="3"/>
+                <c:order val="3"/>
+                <c:tx>
+                  <c:v>name</c:v>
+                </c:tx>
+                <c:spPr>
+                  <a:ln w="28575" cap="rnd">
+                    <a:solidFill>
+                      <a:schemeClr val="accent2">
+                        <a:lumMod val="60000"/>
+                      </a:schemeClr>
+                    </a:solidFill>
+                    <a:round/>
+                  </a:ln>
+                  <a:effectLst/>
+                </c:spPr>
+                <c:marker>
+                  <c:symbol val="circle"/>
+                  <c:size val="5"/>
+                  <c:spPr>
+                    <a:solidFill>
+                      <a:schemeClr val="accent2">
+                        <a:lumMod val="60000"/>
+                      </a:schemeClr>
+                    </a:solidFill>
+                    <a:ln w="9525">
+                      <a:solidFill>
+                        <a:schemeClr val="accent2">
+                          <a:lumMod val="60000"/>
+                        </a:schemeClr>
+                      </a:solidFill>
+                    </a:ln>
+                    <a:effectLst/>
+                  </c:spPr>
+                </c:marker>
+                <c:cat>
+                  <c:strRef>
+                    <c:extLst>
+                      <c:ext uri="{02D57815-91ED-43cb-92C2-25804820EDAC}">
+                        <c15:formulaRef>
+                          <c15:sqref>Foglio2!$B$13:$B$19</c15:sqref>
+                        </c15:formulaRef>
+                      </c:ext>
+                    </c:extLst>
+                    <c:strCache>
+                      <c:ptCount val="7"/>
+                      <c:pt idx="0">
+                        <c:v>ex15.mtx</c:v>
+                      </c:pt>
+                      <c:pt idx="1">
+                        <c:v>shallow_water1.mtx</c:v>
+                      </c:pt>
+                      <c:pt idx="2">
+                        <c:v>cfd1.mtx</c:v>
+                      </c:pt>
+                      <c:pt idx="3">
+                        <c:v>cfd2.mtx</c:v>
+                      </c:pt>
+                      <c:pt idx="4">
+                        <c:v>parabolic_fem.mtx</c:v>
+                      </c:pt>
+                      <c:pt idx="5">
+                        <c:v>apache2.mtx</c:v>
+                      </c:pt>
+                      <c:pt idx="6">
+                        <c:v>G3_circuit.mtx</c:v>
+                      </c:pt>
+                    </c:strCache>
+                  </c:strRef>
+                </c:cat>
+                <c:val>
+                  <c:numRef>
+                    <c:extLst>
+                      <c:ext uri="{02D57815-91ED-43cb-92C2-25804820EDAC}">
+                        <c15:formulaRef>
+                          <c15:sqref>Foglio2!$B$13:$B$19</c15:sqref>
+                        </c15:formulaRef>
+                      </c:ext>
+                    </c:extLst>
+                    <c:numCache>
+                      <c:formatCode>General</c:formatCode>
+                      <c:ptCount val="7"/>
+                      <c:pt idx="0">
+                        <c:v>0</c:v>
+                      </c:pt>
+                      <c:pt idx="1">
+                        <c:v>0</c:v>
+                      </c:pt>
+                      <c:pt idx="2">
+                        <c:v>0</c:v>
+                      </c:pt>
+                      <c:pt idx="3">
+                        <c:v>0</c:v>
+                      </c:pt>
+                      <c:pt idx="4">
+                        <c:v>0</c:v>
+                      </c:pt>
+                      <c:pt idx="5">
+                        <c:v>0</c:v>
+                      </c:pt>
+                      <c:pt idx="6">
+                        <c:v>0</c:v>
+                      </c:pt>
+                    </c:numCache>
+                  </c:numRef>
+                </c:val>
+                <c:smooth val="0"/>
+                <c:extLst>
+                  <c:ext xmlns:c16="http://schemas.microsoft.com/office/drawing/2014/chart" uri="{C3380CC4-5D6E-409C-BE32-E72D297353CC}">
+                    <c16:uniqueId val="{00000003-33F5-4E2C-A729-A68C7EC5DEB7}"/>
+                  </c:ext>
+                </c:extLst>
+              </c15:ser>
+            </c15:filteredLineSeries>
+          </c:ext>
+        </c:extLst>
+      </c:lineChart>
+      <c:catAx>
+        <c:axId val="572502015"/>
+        <c:scaling>
+          <c:orientation val="minMax"/>
+        </c:scaling>
+        <c:delete val="0"/>
+        <c:axPos val="b"/>
+        <c:numFmt formatCode="General" sourceLinked="1"/>
+        <c:majorTickMark val="none"/>
+        <c:minorTickMark val="none"/>
+        <c:tickLblPos val="nextTo"/>
+        <c:spPr>
+          <a:noFill/>
+          <a:ln w="9525" cap="flat" cmpd="sng" algn="ctr">
+            <a:solidFill>
+              <a:schemeClr val="tx1">
+                <a:lumMod val="15000"/>
+                <a:lumOff val="85000"/>
+              </a:schemeClr>
+            </a:solidFill>
+            <a:round/>
+          </a:ln>
+          <a:effectLst/>
+        </c:spPr>
+        <c:txPr>
+          <a:bodyPr rot="-60000000" spcFirstLastPara="1" vertOverflow="ellipsis" vert="horz" wrap="square" anchor="ctr" anchorCtr="1"/>
+          <a:lstStyle/>
+          <a:p>
+            <a:pPr>
+              <a:defRPr sz="900" b="0" i="0" u="none" strike="noStrike" kern="1200" baseline="0">
+                <a:solidFill>
+                  <a:schemeClr val="tx1">
+                    <a:lumMod val="65000"/>
+                    <a:lumOff val="35000"/>
+                  </a:schemeClr>
+                </a:solidFill>
+                <a:latin typeface="+mn-lt"/>
+                <a:ea typeface="+mn-ea"/>
+                <a:cs typeface="+mn-cs"/>
+              </a:defRPr>
+            </a:pPr>
+            <a:endParaRPr lang="it-IT"/>
+          </a:p>
+        </c:txPr>
+        <c:crossAx val="560810991"/>
+        <c:crosses val="autoZero"/>
+        <c:auto val="1"/>
+        <c:lblAlgn val="ctr"/>
+        <c:lblOffset val="100"/>
+        <c:noMultiLvlLbl val="0"/>
+      </c:catAx>
+      <c:valAx>
+        <c:axId val="560810991"/>
+        <c:scaling>
+          <c:logBase val="10"/>
+          <c:orientation val="minMax"/>
+        </c:scaling>
+        <c:delete val="0"/>
+        <c:axPos val="l"/>
+        <c:majorGridlines>
+          <c:spPr>
+            <a:ln w="9525" cap="flat" cmpd="sng" algn="ctr">
+              <a:solidFill>
+                <a:schemeClr val="tx1">
+                  <a:lumMod val="15000"/>
+                  <a:lumOff val="85000"/>
+                </a:schemeClr>
+              </a:solidFill>
+              <a:round/>
+            </a:ln>
+            <a:effectLst/>
+          </c:spPr>
+        </c:majorGridlines>
+        <c:numFmt formatCode="0.E+00" sourceLinked="0"/>
+        <c:majorTickMark val="none"/>
+        <c:minorTickMark val="none"/>
+        <c:tickLblPos val="nextTo"/>
+        <c:spPr>
+          <a:noFill/>
+          <a:ln>
+            <a:noFill/>
+          </a:ln>
+          <a:effectLst/>
+        </c:spPr>
+        <c:txPr>
+          <a:bodyPr rot="-60000000" spcFirstLastPara="1" vertOverflow="ellipsis" vert="horz" wrap="square" anchor="ctr" anchorCtr="1"/>
+          <a:lstStyle/>
+          <a:p>
+            <a:pPr>
+              <a:defRPr sz="900" b="0" i="0" u="none" strike="noStrike" kern="1200" baseline="0">
+                <a:solidFill>
+                  <a:schemeClr val="tx1">
+                    <a:lumMod val="65000"/>
+                    <a:lumOff val="35000"/>
+                  </a:schemeClr>
+                </a:solidFill>
+                <a:latin typeface="+mn-lt"/>
+                <a:ea typeface="+mn-ea"/>
+                <a:cs typeface="+mn-cs"/>
+              </a:defRPr>
+            </a:pPr>
+            <a:endParaRPr lang="it-IT"/>
+          </a:p>
+        </c:txPr>
+        <c:crossAx val="572502015"/>
+        <c:crosses val="autoZero"/>
+        <c:crossBetween val="between"/>
+      </c:valAx>
+      <c:spPr>
+        <a:noFill/>
+        <a:ln>
+          <a:noFill/>
+        </a:ln>
+        <a:effectLst/>
+      </c:spPr>
+    </c:plotArea>
+    <c:legend>
+      <c:legendPos val="r"/>
+      <c:overlay val="0"/>
+      <c:spPr>
+        <a:noFill/>
+        <a:ln>
+          <a:noFill/>
+        </a:ln>
+        <a:effectLst/>
+      </c:spPr>
+      <c:txPr>
+        <a:bodyPr rot="0" spcFirstLastPara="1" vertOverflow="ellipsis" vert="horz" wrap="square" anchor="ctr" anchorCtr="1"/>
+        <a:lstStyle/>
+        <a:p>
+          <a:pPr>
+            <a:defRPr sz="900" b="0" i="0" u="none" strike="noStrike" kern="1200" baseline="0">
+              <a:solidFill>
+                <a:schemeClr val="tx1">
+                  <a:lumMod val="65000"/>
+                  <a:lumOff val="35000"/>
+                </a:schemeClr>
+              </a:solidFill>
+              <a:latin typeface="+mn-lt"/>
+              <a:ea typeface="+mn-ea"/>
+              <a:cs typeface="+mn-cs"/>
+            </a:defRPr>
+          </a:pPr>
+          <a:endParaRPr lang="it-IT"/>
+        </a:p>
+      </c:txPr>
+    </c:legend>
+    <c:plotVisOnly val="1"/>
+    <c:dispBlanksAs val="gap"/>
+    <c:extLst>
+      <c:ext xmlns:c16r3="http://schemas.microsoft.com/office/drawing/2017/03/chart" uri="{56B9EC1D-385E-4148-901F-78D8002777C0}">
+        <c16r3:dataDisplayOptions16>
+          <c16r3:dispNaAsBlank val="1"/>
+        </c16r3:dataDisplayOptions16>
+      </c:ext>
+    </c:extLst>
+    <c:showDLblsOverMax val="0"/>
+  </c:chart>
+  <c:spPr>
+    <a:noFill/>
+    <a:ln>
+      <a:noFill/>
     </a:ln>
     <a:effectLst/>
   </c:spPr>
@@ -4675,12 +5369,9 @@
 </file>
 
 <file path=ppt/charts/colors1.xml><?xml version="1.0" encoding="utf-8"?>
-<cs:colorStyle xmlns:cs="http://schemas.microsoft.com/office/drawing/2012/chartStyle" xmlns:a="http://schemas.openxmlformats.org/drawingml/2006/main" meth="cycle" id="10">
-  <a:schemeClr val="accent1"/>
+<cs:colorStyle xmlns:cs="http://schemas.microsoft.com/office/drawing/2012/chartStyle" xmlns:a="http://schemas.openxmlformats.org/drawingml/2006/main" meth="cycle" id="12">
   <a:schemeClr val="accent2"/>
-  <a:schemeClr val="accent3"/>
   <a:schemeClr val="accent4"/>
-  <a:schemeClr val="accent5"/>
   <a:schemeClr val="accent6"/>
   <cs:variation/>
   <cs:variation>
@@ -4715,12 +5406,9 @@
 </file>
 
 <file path=ppt/charts/colors2.xml><?xml version="1.0" encoding="utf-8"?>
-<cs:colorStyle xmlns:cs="http://schemas.microsoft.com/office/drawing/2012/chartStyle" xmlns:a="http://schemas.openxmlformats.org/drawingml/2006/main" meth="cycle" id="10">
-  <a:schemeClr val="accent1"/>
+<cs:colorStyle xmlns:cs="http://schemas.microsoft.com/office/drawing/2012/chartStyle" xmlns:a="http://schemas.openxmlformats.org/drawingml/2006/main" meth="cycle" id="12">
   <a:schemeClr val="accent2"/>
-  <a:schemeClr val="accent3"/>
   <a:schemeClr val="accent4"/>
-  <a:schemeClr val="accent5"/>
   <a:schemeClr val="accent6"/>
   <cs:variation/>
   <cs:variation>
@@ -4755,12 +5443,9 @@
 </file>
 
 <file path=ppt/charts/colors3.xml><?xml version="1.0" encoding="utf-8"?>
-<cs:colorStyle xmlns:cs="http://schemas.microsoft.com/office/drawing/2012/chartStyle" xmlns:a="http://schemas.openxmlformats.org/drawingml/2006/main" meth="cycle" id="10">
-  <a:schemeClr val="accent1"/>
+<cs:colorStyle xmlns:cs="http://schemas.microsoft.com/office/drawing/2012/chartStyle" xmlns:a="http://schemas.openxmlformats.org/drawingml/2006/main" meth="cycle" id="12">
   <a:schemeClr val="accent2"/>
-  <a:schemeClr val="accent3"/>
   <a:schemeClr val="accent4"/>
-  <a:schemeClr val="accent5"/>
   <a:schemeClr val="accent6"/>
   <cs:variation/>
   <cs:variation>
@@ -4795,12 +5480,9 @@
 </file>
 
 <file path=ppt/charts/colors4.xml><?xml version="1.0" encoding="utf-8"?>
-<cs:colorStyle xmlns:cs="http://schemas.microsoft.com/office/drawing/2012/chartStyle" xmlns:a="http://schemas.openxmlformats.org/drawingml/2006/main" meth="cycle" id="10">
-  <a:schemeClr val="accent1"/>
+<cs:colorStyle xmlns:cs="http://schemas.microsoft.com/office/drawing/2012/chartStyle" xmlns:a="http://schemas.openxmlformats.org/drawingml/2006/main" meth="cycle" id="12">
   <a:schemeClr val="accent2"/>
-  <a:schemeClr val="accent3"/>
   <a:schemeClr val="accent4"/>
-  <a:schemeClr val="accent5"/>
   <a:schemeClr val="accent6"/>
   <cs:variation/>
   <cs:variation>
@@ -4835,12 +5517,9 @@
 </file>
 
 <file path=ppt/charts/colors5.xml><?xml version="1.0" encoding="utf-8"?>
-<cs:colorStyle xmlns:cs="http://schemas.microsoft.com/office/drawing/2012/chartStyle" xmlns:a="http://schemas.openxmlformats.org/drawingml/2006/main" meth="cycle" id="10">
-  <a:schemeClr val="accent1"/>
+<cs:colorStyle xmlns:cs="http://schemas.microsoft.com/office/drawing/2012/chartStyle" xmlns:a="http://schemas.openxmlformats.org/drawingml/2006/main" meth="cycle" id="12">
   <a:schemeClr val="accent2"/>
-  <a:schemeClr val="accent3"/>
   <a:schemeClr val="accent4"/>
-  <a:schemeClr val="accent5"/>
   <a:schemeClr val="accent6"/>
   <cs:variation/>
   <cs:variation>
@@ -4875,12 +5554,9 @@
 </file>
 
 <file path=ppt/charts/colors6.xml><?xml version="1.0" encoding="utf-8"?>
-<cs:colorStyle xmlns:cs="http://schemas.microsoft.com/office/drawing/2012/chartStyle" xmlns:a="http://schemas.openxmlformats.org/drawingml/2006/main" meth="cycle" id="10">
-  <a:schemeClr val="accent1"/>
+<cs:colorStyle xmlns:cs="http://schemas.microsoft.com/office/drawing/2012/chartStyle" xmlns:a="http://schemas.openxmlformats.org/drawingml/2006/main" meth="cycle" id="12">
   <a:schemeClr val="accent2"/>
-  <a:schemeClr val="accent3"/>
   <a:schemeClr val="accent4"/>
-  <a:schemeClr val="accent5"/>
   <a:schemeClr val="accent6"/>
   <cs:variation/>
   <cs:variation>
@@ -4915,12 +5591,46 @@
 </file>
 
 <file path=ppt/charts/colors7.xml><?xml version="1.0" encoding="utf-8"?>
-<cs:colorStyle xmlns:cs="http://schemas.microsoft.com/office/drawing/2012/chartStyle" xmlns:a="http://schemas.openxmlformats.org/drawingml/2006/main" meth="cycle" id="10">
-  <a:schemeClr val="accent1"/>
+<cs:colorStyle xmlns:cs="http://schemas.microsoft.com/office/drawing/2012/chartStyle" xmlns:a="http://schemas.openxmlformats.org/drawingml/2006/main" meth="cycle" id="12">
   <a:schemeClr val="accent2"/>
-  <a:schemeClr val="accent3"/>
   <a:schemeClr val="accent4"/>
-  <a:schemeClr val="accent5"/>
+  <a:schemeClr val="accent6"/>
+  <cs:variation/>
+  <cs:variation>
+    <a:lumMod val="60000"/>
+  </cs:variation>
+  <cs:variation>
+    <a:lumMod val="80000"/>
+    <a:lumOff val="20000"/>
+  </cs:variation>
+  <cs:variation>
+    <a:lumMod val="80000"/>
+  </cs:variation>
+  <cs:variation>
+    <a:lumMod val="60000"/>
+    <a:lumOff val="40000"/>
+  </cs:variation>
+  <cs:variation>
+    <a:lumMod val="50000"/>
+  </cs:variation>
+  <cs:variation>
+    <a:lumMod val="70000"/>
+    <a:lumOff val="30000"/>
+  </cs:variation>
+  <cs:variation>
+    <a:lumMod val="70000"/>
+  </cs:variation>
+  <cs:variation>
+    <a:lumMod val="50000"/>
+    <a:lumOff val="50000"/>
+  </cs:variation>
+</cs:colorStyle>
+</file>
+
+<file path=ppt/charts/colors8.xml><?xml version="1.0" encoding="utf-8"?>
+<cs:colorStyle xmlns:cs="http://schemas.microsoft.com/office/drawing/2012/chartStyle" xmlns:a="http://schemas.openxmlformats.org/drawingml/2006/main" meth="cycle" id="12">
+  <a:schemeClr val="accent2"/>
+  <a:schemeClr val="accent4"/>
   <a:schemeClr val="accent6"/>
   <cs:variation/>
   <cs:variation>
@@ -7973,6 +8683,509 @@
 </file>
 
 <file path=ppt/charts/style7.xml><?xml version="1.0" encoding="utf-8"?>
+<cs:chartStyle xmlns:cs="http://schemas.microsoft.com/office/drawing/2012/chartStyle" xmlns:a="http://schemas.openxmlformats.org/drawingml/2006/main" id="332">
+  <cs:axisTitle>
+    <cs:lnRef idx="0"/>
+    <cs:fillRef idx="0"/>
+    <cs:effectRef idx="0"/>
+    <cs:fontRef idx="minor">
+      <a:schemeClr val="tx1">
+        <a:lumMod val="65000"/>
+        <a:lumOff val="35000"/>
+      </a:schemeClr>
+    </cs:fontRef>
+    <cs:defRPr sz="1000" kern="1200"/>
+  </cs:axisTitle>
+  <cs:categoryAxis>
+    <cs:lnRef idx="0"/>
+    <cs:fillRef idx="0"/>
+    <cs:effectRef idx="0"/>
+    <cs:fontRef idx="minor">
+      <a:schemeClr val="tx1">
+        <a:lumMod val="65000"/>
+        <a:lumOff val="35000"/>
+      </a:schemeClr>
+    </cs:fontRef>
+    <cs:spPr>
+      <a:ln w="9525" cap="flat" cmpd="sng" algn="ctr">
+        <a:solidFill>
+          <a:schemeClr val="tx1">
+            <a:lumMod val="15000"/>
+            <a:lumOff val="85000"/>
+          </a:schemeClr>
+        </a:solidFill>
+        <a:round/>
+      </a:ln>
+    </cs:spPr>
+    <cs:defRPr sz="900" kern="1200"/>
+  </cs:categoryAxis>
+  <cs:chartArea mods="allowNoFillOverride allowNoLineOverride">
+    <cs:lnRef idx="0"/>
+    <cs:fillRef idx="0"/>
+    <cs:effectRef idx="0"/>
+    <cs:fontRef idx="minor">
+      <a:schemeClr val="tx1"/>
+    </cs:fontRef>
+    <cs:spPr>
+      <a:solidFill>
+        <a:schemeClr val="bg1"/>
+      </a:solidFill>
+      <a:ln w="9525" cap="flat" cmpd="sng" algn="ctr">
+        <a:solidFill>
+          <a:schemeClr val="tx1">
+            <a:lumMod val="15000"/>
+            <a:lumOff val="85000"/>
+          </a:schemeClr>
+        </a:solidFill>
+        <a:round/>
+      </a:ln>
+    </cs:spPr>
+    <cs:defRPr sz="1000" kern="1200"/>
+  </cs:chartArea>
+  <cs:dataLabel>
+    <cs:lnRef idx="0"/>
+    <cs:fillRef idx="0"/>
+    <cs:effectRef idx="0"/>
+    <cs:fontRef idx="minor">
+      <a:schemeClr val="tx1">
+        <a:lumMod val="75000"/>
+        <a:lumOff val="25000"/>
+      </a:schemeClr>
+    </cs:fontRef>
+    <cs:defRPr sz="900" kern="1200"/>
+  </cs:dataLabel>
+  <cs:dataLabelCallout>
+    <cs:lnRef idx="0"/>
+    <cs:fillRef idx="0"/>
+    <cs:effectRef idx="0"/>
+    <cs:fontRef idx="minor">
+      <a:schemeClr val="dk1">
+        <a:lumMod val="65000"/>
+        <a:lumOff val="35000"/>
+      </a:schemeClr>
+    </cs:fontRef>
+    <cs:spPr>
+      <a:solidFill>
+        <a:schemeClr val="lt1"/>
+      </a:solidFill>
+      <a:ln>
+        <a:solidFill>
+          <a:schemeClr val="dk1">
+            <a:lumMod val="25000"/>
+            <a:lumOff val="75000"/>
+          </a:schemeClr>
+        </a:solidFill>
+      </a:ln>
+    </cs:spPr>
+    <cs:defRPr sz="900" kern="1200"/>
+    <cs:bodyPr rot="0" spcFirstLastPara="1" vertOverflow="clip" horzOverflow="clip" vert="horz" wrap="square" lIns="36576" tIns="18288" rIns="36576" bIns="18288" anchor="ctr" anchorCtr="1">
+      <a:spAutoFit/>
+    </cs:bodyPr>
+  </cs:dataLabelCallout>
+  <cs:dataPoint>
+    <cs:lnRef idx="0"/>
+    <cs:fillRef idx="1">
+      <cs:styleClr val="auto"/>
+    </cs:fillRef>
+    <cs:effectRef idx="0"/>
+    <cs:fontRef idx="minor">
+      <a:schemeClr val="tx1"/>
+    </cs:fontRef>
+  </cs:dataPoint>
+  <cs:dataPoint3D>
+    <cs:lnRef idx="0"/>
+    <cs:fillRef idx="1">
+      <cs:styleClr val="auto"/>
+    </cs:fillRef>
+    <cs:effectRef idx="0"/>
+    <cs:fontRef idx="minor">
+      <a:schemeClr val="tx1"/>
+    </cs:fontRef>
+  </cs:dataPoint3D>
+  <cs:dataPointLine>
+    <cs:lnRef idx="0">
+      <cs:styleClr val="auto"/>
+    </cs:lnRef>
+    <cs:fillRef idx="1"/>
+    <cs:effectRef idx="0"/>
+    <cs:fontRef idx="minor">
+      <a:schemeClr val="tx1"/>
+    </cs:fontRef>
+    <cs:spPr>
+      <a:ln w="28575" cap="rnd">
+        <a:solidFill>
+          <a:schemeClr val="phClr"/>
+        </a:solidFill>
+        <a:round/>
+      </a:ln>
+    </cs:spPr>
+  </cs:dataPointLine>
+  <cs:dataPointMarker>
+    <cs:lnRef idx="0">
+      <cs:styleClr val="auto"/>
+    </cs:lnRef>
+    <cs:fillRef idx="1">
+      <cs:styleClr val="auto"/>
+    </cs:fillRef>
+    <cs:effectRef idx="0"/>
+    <cs:fontRef idx="minor">
+      <a:schemeClr val="tx1"/>
+    </cs:fontRef>
+    <cs:spPr>
+      <a:ln w="9525">
+        <a:solidFill>
+          <a:schemeClr val="phClr"/>
+        </a:solidFill>
+      </a:ln>
+    </cs:spPr>
+  </cs:dataPointMarker>
+  <cs:dataPointMarkerLayout symbol="circle" size="5"/>
+  <cs:dataPointWireframe>
+    <cs:lnRef idx="0">
+      <cs:styleClr val="auto"/>
+    </cs:lnRef>
+    <cs:fillRef idx="1"/>
+    <cs:effectRef idx="0"/>
+    <cs:fontRef idx="minor">
+      <a:schemeClr val="tx1"/>
+    </cs:fontRef>
+    <cs:spPr>
+      <a:ln w="9525" cap="rnd">
+        <a:solidFill>
+          <a:schemeClr val="phClr"/>
+        </a:solidFill>
+        <a:round/>
+      </a:ln>
+    </cs:spPr>
+  </cs:dataPointWireframe>
+  <cs:dataTable>
+    <cs:lnRef idx="0"/>
+    <cs:fillRef idx="0"/>
+    <cs:effectRef idx="0"/>
+    <cs:fontRef idx="minor">
+      <a:schemeClr val="tx1">
+        <a:lumMod val="65000"/>
+        <a:lumOff val="35000"/>
+      </a:schemeClr>
+    </cs:fontRef>
+    <cs:spPr>
+      <a:noFill/>
+      <a:ln w="9525" cap="flat" cmpd="sng" algn="ctr">
+        <a:solidFill>
+          <a:schemeClr val="tx1">
+            <a:lumMod val="15000"/>
+            <a:lumOff val="85000"/>
+          </a:schemeClr>
+        </a:solidFill>
+        <a:round/>
+      </a:ln>
+    </cs:spPr>
+    <cs:defRPr sz="900" kern="1200"/>
+  </cs:dataTable>
+  <cs:downBar>
+    <cs:lnRef idx="0"/>
+    <cs:fillRef idx="0"/>
+    <cs:effectRef idx="0"/>
+    <cs:fontRef idx="minor">
+      <a:schemeClr val="dk1"/>
+    </cs:fontRef>
+    <cs:spPr>
+      <a:solidFill>
+        <a:schemeClr val="dk1">
+          <a:lumMod val="65000"/>
+          <a:lumOff val="35000"/>
+        </a:schemeClr>
+      </a:solidFill>
+      <a:ln w="9525">
+        <a:solidFill>
+          <a:schemeClr val="tx1">
+            <a:lumMod val="65000"/>
+            <a:lumOff val="35000"/>
+          </a:schemeClr>
+        </a:solidFill>
+      </a:ln>
+    </cs:spPr>
+  </cs:downBar>
+  <cs:dropLine>
+    <cs:lnRef idx="0"/>
+    <cs:fillRef idx="0"/>
+    <cs:effectRef idx="0"/>
+    <cs:fontRef idx="minor">
+      <a:schemeClr val="tx1"/>
+    </cs:fontRef>
+    <cs:spPr>
+      <a:ln w="9525" cap="flat" cmpd="sng" algn="ctr">
+        <a:solidFill>
+          <a:schemeClr val="tx1">
+            <a:lumMod val="35000"/>
+            <a:lumOff val="65000"/>
+          </a:schemeClr>
+        </a:solidFill>
+        <a:round/>
+      </a:ln>
+    </cs:spPr>
+  </cs:dropLine>
+  <cs:errorBar>
+    <cs:lnRef idx="0"/>
+    <cs:fillRef idx="0"/>
+    <cs:effectRef idx="0"/>
+    <cs:fontRef idx="minor">
+      <a:schemeClr val="tx1"/>
+    </cs:fontRef>
+    <cs:spPr>
+      <a:ln w="9525" cap="flat" cmpd="sng" algn="ctr">
+        <a:solidFill>
+          <a:schemeClr val="tx1">
+            <a:lumMod val="65000"/>
+            <a:lumOff val="35000"/>
+          </a:schemeClr>
+        </a:solidFill>
+        <a:round/>
+      </a:ln>
+    </cs:spPr>
+  </cs:errorBar>
+  <cs:floor>
+    <cs:lnRef idx="0"/>
+    <cs:fillRef idx="0"/>
+    <cs:effectRef idx="0"/>
+    <cs:fontRef idx="minor">
+      <a:schemeClr val="tx1"/>
+    </cs:fontRef>
+    <cs:spPr>
+      <a:noFill/>
+      <a:ln>
+        <a:noFill/>
+      </a:ln>
+    </cs:spPr>
+  </cs:floor>
+  <cs:gridlineMajor>
+    <cs:lnRef idx="0"/>
+    <cs:fillRef idx="0"/>
+    <cs:effectRef idx="0"/>
+    <cs:fontRef idx="minor">
+      <a:schemeClr val="tx1"/>
+    </cs:fontRef>
+    <cs:spPr>
+      <a:ln w="9525" cap="flat" cmpd="sng" algn="ctr">
+        <a:solidFill>
+          <a:schemeClr val="tx1">
+            <a:lumMod val="15000"/>
+            <a:lumOff val="85000"/>
+          </a:schemeClr>
+        </a:solidFill>
+        <a:round/>
+      </a:ln>
+    </cs:spPr>
+  </cs:gridlineMajor>
+  <cs:gridlineMinor>
+    <cs:lnRef idx="0"/>
+    <cs:fillRef idx="0"/>
+    <cs:effectRef idx="0"/>
+    <cs:fontRef idx="minor">
+      <a:schemeClr val="tx1"/>
+    </cs:fontRef>
+    <cs:spPr>
+      <a:ln w="9525" cap="flat" cmpd="sng" algn="ctr">
+        <a:solidFill>
+          <a:schemeClr val="tx1">
+            <a:lumMod val="5000"/>
+            <a:lumOff val="95000"/>
+          </a:schemeClr>
+        </a:solidFill>
+        <a:round/>
+      </a:ln>
+    </cs:spPr>
+  </cs:gridlineMinor>
+  <cs:hiLoLine>
+    <cs:lnRef idx="0"/>
+    <cs:fillRef idx="0"/>
+    <cs:effectRef idx="0"/>
+    <cs:fontRef idx="minor">
+      <a:schemeClr val="tx1"/>
+    </cs:fontRef>
+    <cs:spPr>
+      <a:ln w="9525" cap="flat" cmpd="sng" algn="ctr">
+        <a:solidFill>
+          <a:schemeClr val="tx1">
+            <a:lumMod val="75000"/>
+            <a:lumOff val="25000"/>
+          </a:schemeClr>
+        </a:solidFill>
+        <a:round/>
+      </a:ln>
+    </cs:spPr>
+  </cs:hiLoLine>
+  <cs:leaderLine>
+    <cs:lnRef idx="0"/>
+    <cs:fillRef idx="0"/>
+    <cs:effectRef idx="0"/>
+    <cs:fontRef idx="minor">
+      <a:schemeClr val="tx1"/>
+    </cs:fontRef>
+    <cs:spPr>
+      <a:ln w="9525" cap="flat" cmpd="sng" algn="ctr">
+        <a:solidFill>
+          <a:schemeClr val="tx1">
+            <a:lumMod val="35000"/>
+            <a:lumOff val="65000"/>
+          </a:schemeClr>
+        </a:solidFill>
+        <a:round/>
+      </a:ln>
+    </cs:spPr>
+  </cs:leaderLine>
+  <cs:legend>
+    <cs:lnRef idx="0"/>
+    <cs:fillRef idx="0"/>
+    <cs:effectRef idx="0"/>
+    <cs:fontRef idx="minor">
+      <a:schemeClr val="tx1">
+        <a:lumMod val="65000"/>
+        <a:lumOff val="35000"/>
+      </a:schemeClr>
+    </cs:fontRef>
+    <cs:defRPr sz="900" kern="1200"/>
+  </cs:legend>
+  <cs:plotArea mods="allowNoFillOverride allowNoLineOverride">
+    <cs:lnRef idx="0"/>
+    <cs:fillRef idx="0"/>
+    <cs:effectRef idx="0"/>
+    <cs:fontRef idx="minor">
+      <a:schemeClr val="tx1"/>
+    </cs:fontRef>
+  </cs:plotArea>
+  <cs:plotArea3D mods="allowNoFillOverride allowNoLineOverride">
+    <cs:lnRef idx="0"/>
+    <cs:fillRef idx="0"/>
+    <cs:effectRef idx="0"/>
+    <cs:fontRef idx="minor">
+      <a:schemeClr val="tx1"/>
+    </cs:fontRef>
+  </cs:plotArea3D>
+  <cs:seriesAxis>
+    <cs:lnRef idx="0"/>
+    <cs:fillRef idx="0"/>
+    <cs:effectRef idx="0"/>
+    <cs:fontRef idx="minor">
+      <a:schemeClr val="tx1">
+        <a:lumMod val="65000"/>
+        <a:lumOff val="35000"/>
+      </a:schemeClr>
+    </cs:fontRef>
+    <cs:defRPr sz="900" kern="1200"/>
+  </cs:seriesAxis>
+  <cs:seriesLine>
+    <cs:lnRef idx="0"/>
+    <cs:fillRef idx="0"/>
+    <cs:effectRef idx="0"/>
+    <cs:fontRef idx="minor">
+      <a:schemeClr val="tx1"/>
+    </cs:fontRef>
+    <cs:spPr>
+      <a:ln w="9525" cap="flat" cmpd="sng" algn="ctr">
+        <a:solidFill>
+          <a:schemeClr val="tx1">
+            <a:lumMod val="35000"/>
+            <a:lumOff val="65000"/>
+          </a:schemeClr>
+        </a:solidFill>
+        <a:round/>
+      </a:ln>
+    </cs:spPr>
+  </cs:seriesLine>
+  <cs:title>
+    <cs:lnRef idx="0"/>
+    <cs:fillRef idx="0"/>
+    <cs:effectRef idx="0"/>
+    <cs:fontRef idx="minor">
+      <a:schemeClr val="tx1">
+        <a:lumMod val="65000"/>
+        <a:lumOff val="35000"/>
+      </a:schemeClr>
+    </cs:fontRef>
+    <cs:defRPr sz="1400" b="0" kern="1200" spc="0" baseline="0"/>
+  </cs:title>
+  <cs:trendline>
+    <cs:lnRef idx="0">
+      <cs:styleClr val="auto"/>
+    </cs:lnRef>
+    <cs:fillRef idx="0"/>
+    <cs:effectRef idx="0"/>
+    <cs:fontRef idx="minor">
+      <a:schemeClr val="tx1"/>
+    </cs:fontRef>
+    <cs:spPr>
+      <a:ln w="19050" cap="rnd">
+        <a:solidFill>
+          <a:schemeClr val="phClr"/>
+        </a:solidFill>
+        <a:prstDash val="sysDot"/>
+      </a:ln>
+    </cs:spPr>
+  </cs:trendline>
+  <cs:trendlineLabel>
+    <cs:lnRef idx="0"/>
+    <cs:fillRef idx="0"/>
+    <cs:effectRef idx="0"/>
+    <cs:fontRef idx="minor">
+      <a:schemeClr val="tx1">
+        <a:lumMod val="65000"/>
+        <a:lumOff val="35000"/>
+      </a:schemeClr>
+    </cs:fontRef>
+    <cs:defRPr sz="900" kern="1200"/>
+  </cs:trendlineLabel>
+  <cs:upBar>
+    <cs:lnRef idx="0"/>
+    <cs:fillRef idx="0"/>
+    <cs:effectRef idx="0"/>
+    <cs:fontRef idx="minor">
+      <a:schemeClr val="dk1"/>
+    </cs:fontRef>
+    <cs:spPr>
+      <a:solidFill>
+        <a:schemeClr val="lt1"/>
+      </a:solidFill>
+      <a:ln w="9525">
+        <a:solidFill>
+          <a:schemeClr val="tx1">
+            <a:lumMod val="15000"/>
+            <a:lumOff val="85000"/>
+          </a:schemeClr>
+        </a:solidFill>
+      </a:ln>
+    </cs:spPr>
+  </cs:upBar>
+  <cs:valueAxis>
+    <cs:lnRef idx="0"/>
+    <cs:fillRef idx="0"/>
+    <cs:effectRef idx="0"/>
+    <cs:fontRef idx="minor">
+      <a:schemeClr val="tx1">
+        <a:lumMod val="65000"/>
+        <a:lumOff val="35000"/>
+      </a:schemeClr>
+    </cs:fontRef>
+    <cs:defRPr sz="900" kern="1200"/>
+  </cs:valueAxis>
+  <cs:wall>
+    <cs:lnRef idx="0"/>
+    <cs:fillRef idx="0"/>
+    <cs:effectRef idx="0"/>
+    <cs:fontRef idx="minor">
+      <a:schemeClr val="tx1"/>
+    </cs:fontRef>
+    <cs:spPr>
+      <a:noFill/>
+      <a:ln>
+        <a:noFill/>
+      </a:ln>
+    </cs:spPr>
+  </cs:wall>
+</cs:chartStyle>
+</file>
+
+<file path=ppt/charts/style8.xml><?xml version="1.0" encoding="utf-8"?>
 <cs:chartStyle xmlns:cs="http://schemas.microsoft.com/office/drawing/2012/chartStyle" xmlns:a="http://schemas.openxmlformats.org/drawingml/2006/main" id="332">
   <cs:axisTitle>
     <cs:lnRef idx="0"/>
@@ -8559,7 +9772,7 @@
             <a:pPr rtl="0"/>
             <a:fld id="{3CC097E2-C1A8-45B5-8DD2-EA6696F7EE1C}" type="datetime1">
               <a:rPr lang="it-IT" smtClean="0"/>
-              <a:t>16/05/2020</a:t>
+              <a:t>26/05/2020</a:t>
             </a:fld>
             <a:endParaRPr lang="it-IT" dirty="0"/>
           </a:p>
@@ -8729,7 +9942,7 @@
             <a:fld id="{7F9C49DA-EF53-46E1-8D2F-E5AD170D68F7}" type="datetime1">
               <a:rPr lang="it-IT" smtClean="0"/>
               <a:pPr/>
-              <a:t>16/05/2020</a:t>
+              <a:t>26/05/2020</a:t>
             </a:fld>
             <a:endParaRPr lang="it-IT" dirty="0"/>
           </a:p>
@@ -9406,7 +10619,7 @@
             <a:pPr rtl="0"/>
             <a:fld id="{DED491D0-8E1B-49C7-849B-A28568D94497}" type="slidenum">
               <a:rPr lang="it-IT" smtClean="0"/>
-              <a:t>9</a:t>
+              <a:t>10</a:t>
             </a:fld>
             <a:endParaRPr lang="it-IT" dirty="0"/>
           </a:p>
@@ -9683,7 +10896,7 @@
             <a:pPr rtl="0"/>
             <a:fld id="{E4973A7A-4209-43E9-99B3-6B59C9756F91}" type="datetime1">
               <a:rPr lang="it-IT" smtClean="0"/>
-              <a:t>16/05/2020</a:t>
+              <a:t>26/05/2020</a:t>
             </a:fld>
             <a:endParaRPr lang="it-IT" dirty="0"/>
           </a:p>
@@ -9886,7 +11099,7 @@
             <a:pPr rtl="0"/>
             <a:fld id="{B78B0084-E10E-4817-BDAE-932E8737945B}" type="datetime1">
               <a:rPr lang="it-IT" smtClean="0"/>
-              <a:t>16/05/2020</a:t>
+              <a:t>26/05/2020</a:t>
             </a:fld>
             <a:endParaRPr lang="it-IT" dirty="0"/>
           </a:p>
@@ -10164,7 +11377,7 @@
             <a:fld id="{2D37122F-874F-48B2-ACE2-0E33110ED286}" type="datetime1">
               <a:rPr lang="it-IT" smtClean="0"/>
               <a:pPr/>
-              <a:t>16/05/2020</a:t>
+              <a:t>26/05/2020</a:t>
             </a:fld>
             <a:endParaRPr lang="it-IT" dirty="0"/>
           </a:p>
@@ -10360,7 +11573,7 @@
             <a:pPr rtl="0"/>
             <a:fld id="{0FAF0824-C3FA-4EB7-BB72-C75DA1716884}" type="datetime1">
               <a:rPr lang="it-IT" smtClean="0"/>
-              <a:t>16/05/2020</a:t>
+              <a:t>26/05/2020</a:t>
             </a:fld>
             <a:endParaRPr lang="it-IT" dirty="0"/>
           </a:p>
@@ -10746,7 +11959,7 @@
             <a:pPr rtl="0"/>
             <a:fld id="{E0464D3B-8E25-4DB1-84E0-219829AEE0E1}" type="datetime1">
               <a:rPr lang="it-IT" smtClean="0"/>
-              <a:t>16/05/2020</a:t>
+              <a:t>26/05/2020</a:t>
             </a:fld>
             <a:endParaRPr lang="it-IT" dirty="0"/>
           </a:p>
@@ -11011,7 +12224,7 @@
             <a:pPr rtl="0"/>
             <a:fld id="{530E296F-8CE9-430C-9F53-13A1C8C5EC41}" type="datetime1">
               <a:rPr lang="it-IT" smtClean="0"/>
-              <a:t>16/05/2020</a:t>
+              <a:t>26/05/2020</a:t>
             </a:fld>
             <a:endParaRPr lang="it-IT" dirty="0"/>
           </a:p>
@@ -11389,7 +12602,7 @@
             <a:pPr rtl="0"/>
             <a:fld id="{4999F434-6DF7-466A-AAC9-9DD2C29A434C}" type="datetime1">
               <a:rPr lang="it-IT" smtClean="0"/>
-              <a:t>16/05/2020</a:t>
+              <a:t>26/05/2020</a:t>
             </a:fld>
             <a:endParaRPr lang="it-IT" dirty="0"/>
           </a:p>
@@ -11523,7 +12736,7 @@
             <a:pPr rtl="0"/>
             <a:fld id="{055B652D-F48B-4BAB-8291-7C3A3D6531D8}" type="datetime1">
               <a:rPr lang="it-IT" smtClean="0"/>
-              <a:t>16/05/2020</a:t>
+              <a:t>26/05/2020</a:t>
             </a:fld>
             <a:endParaRPr lang="it-IT" dirty="0"/>
           </a:p>
@@ -11633,7 +12846,7 @@
             <a:pPr rtl="0"/>
             <a:fld id="{40691292-BC42-4503-BCF0-54DC7A09D527}" type="datetime1">
               <a:rPr lang="it-IT" smtClean="0"/>
-              <a:t>16/05/2020</a:t>
+              <a:t>26/05/2020</a:t>
             </a:fld>
             <a:endParaRPr lang="it-IT" dirty="0"/>
           </a:p>
@@ -11930,7 +13143,7 @@
             <a:pPr rtl="0"/>
             <a:fld id="{DA59007C-71C1-45B6-9C08-D6C2086C0629}" type="datetime1">
               <a:rPr lang="it-IT" smtClean="0"/>
-              <a:t>16/05/2020</a:t>
+              <a:t>26/05/2020</a:t>
             </a:fld>
             <a:endParaRPr lang="it-IT" dirty="0"/>
           </a:p>
@@ -12205,7 +13418,7 @@
             <a:pPr rtl="0"/>
             <a:fld id="{C9604D06-2BD0-44B1-AD13-FD755D153433}" type="datetime1">
               <a:rPr lang="it-IT" smtClean="0"/>
-              <a:t>16/05/2020</a:t>
+              <a:t>26/05/2020</a:t>
             </a:fld>
             <a:endParaRPr lang="it-IT" dirty="0"/>
           </a:p>
@@ -12531,7 +13744,7 @@
             <a:fld id="{50F62044-751B-41C8-9D85-1AB1BCC2C196}" type="datetime1">
               <a:rPr lang="it-IT" smtClean="0"/>
               <a:pPr/>
-              <a:t>16/05/2020</a:t>
+              <a:t>26/05/2020</a:t>
             </a:fld>
             <a:endParaRPr lang="it-IT" dirty="0"/>
           </a:p>
@@ -13434,38 +14647,70 @@
       </p:grpSpPr>
       <p:graphicFrame>
         <p:nvGraphicFramePr>
-          <p:cNvPr id="2" name="Grafico 1">
+          <p:cNvPr id="6" name="Grafico 5">
             <a:extLst>
               <a:ext uri="{FF2B5EF4-FFF2-40B4-BE49-F238E27FC236}">
-                <a16:creationId xmlns:a16="http://schemas.microsoft.com/office/drawing/2014/main" id="{91A910BF-0E0C-499A-BB5C-518AD9AAEC04}"/>
+                <a16:creationId xmlns:a16="http://schemas.microsoft.com/office/drawing/2014/main" id="{7F2954CD-67E1-471B-A233-2CA64774A1C8}"/>
               </a:ext>
             </a:extLst>
           </p:cNvPr>
-          <p:cNvGraphicFramePr/>
+          <p:cNvGraphicFramePr>
+            <a:graphicFrameLocks/>
+          </p:cNvGraphicFramePr>
           <p:nvPr>
             <p:extLst>
               <p:ext uri="{D42A27DB-BD31-4B8C-83A1-F6EECF244321}">
-                <p14:modId xmlns:p14="http://schemas.microsoft.com/office/powerpoint/2010/main" val="2698097146"/>
+                <p14:modId xmlns:p14="http://schemas.microsoft.com/office/powerpoint/2010/main" val="1692743337"/>
               </p:ext>
             </p:extLst>
           </p:nvPr>
         </p:nvGraphicFramePr>
         <p:xfrm>
-          <a:off x="744522" y="1727835"/>
-          <a:ext cx="5695950" cy="3402330"/>
+          <a:off x="6409005" y="415290"/>
+          <a:ext cx="5029200" cy="3013710"/>
         </p:xfrm>
         <a:graphic>
           <a:graphicData uri="http://schemas.openxmlformats.org/drawingml/2006/chart">
-            <c:chart xmlns:c="http://schemas.openxmlformats.org/drawingml/2006/chart" xmlns:r="http://schemas.openxmlformats.org/officeDocument/2006/relationships" r:id="rId2"/>
+            <c:chart xmlns:c="http://schemas.openxmlformats.org/drawingml/2006/chart" xmlns:r="http://schemas.openxmlformats.org/officeDocument/2006/relationships" r:id="rId3"/>
+          </a:graphicData>
+        </a:graphic>
+      </p:graphicFrame>
+      <p:graphicFrame>
+        <p:nvGraphicFramePr>
+          <p:cNvPr id="7" name="Grafico 6">
+            <a:extLst>
+              <a:ext uri="{FF2B5EF4-FFF2-40B4-BE49-F238E27FC236}">
+                <a16:creationId xmlns:a16="http://schemas.microsoft.com/office/drawing/2014/main" id="{BABCCA39-B6EA-4ED7-B733-0A43B2810819}"/>
+              </a:ext>
+            </a:extLst>
+          </p:cNvPr>
+          <p:cNvGraphicFramePr>
+            <a:graphicFrameLocks/>
+          </p:cNvGraphicFramePr>
+          <p:nvPr>
+            <p:extLst>
+              <p:ext uri="{D42A27DB-BD31-4B8C-83A1-F6EECF244321}">
+                <p14:modId xmlns:p14="http://schemas.microsoft.com/office/powerpoint/2010/main" val="3334061527"/>
+              </p:ext>
+            </p:extLst>
+          </p:nvPr>
+        </p:nvGraphicFramePr>
+        <p:xfrm>
+          <a:off x="753795" y="3103539"/>
+          <a:ext cx="4983480" cy="3112770"/>
+        </p:xfrm>
+        <a:graphic>
+          <a:graphicData uri="http://schemas.openxmlformats.org/drawingml/2006/chart">
+            <c:chart xmlns:c="http://schemas.openxmlformats.org/drawingml/2006/chart" xmlns:r="http://schemas.openxmlformats.org/officeDocument/2006/relationships" r:id="rId4"/>
           </a:graphicData>
         </a:graphic>
       </p:graphicFrame>
       <p:sp>
         <p:nvSpPr>
-          <p:cNvPr id="3" name="Rettangolo 2">
+          <p:cNvPr id="8" name="Rettangolo 7">
             <a:extLst>
               <a:ext uri="{FF2B5EF4-FFF2-40B4-BE49-F238E27FC236}">
-                <a16:creationId xmlns:a16="http://schemas.microsoft.com/office/drawing/2014/main" id="{2FBD2A53-8F64-4BE5-A324-52EDF3420EB6}"/>
+                <a16:creationId xmlns:a16="http://schemas.microsoft.com/office/drawing/2014/main" id="{38F368FB-9F5D-4C9A-A704-53480C1A9261}"/>
               </a:ext>
             </a:extLst>
           </p:cNvPr>
@@ -13474,8 +14719,8 @@
         </p:nvSpPr>
         <p:spPr>
           <a:xfrm>
-            <a:off x="7480917" y="1535469"/>
-            <a:ext cx="3704948" cy="3787062"/>
+            <a:off x="1217443" y="1460480"/>
+            <a:ext cx="4726157" cy="923330"/>
           </a:xfrm>
           <a:prstGeom prst="rect">
             <a:avLst/>
@@ -13487,175 +14732,97 @@
           </a:bodyPr>
           <a:lstStyle/>
           <a:p>
-            <a:pPr algn="just">
-              <a:lnSpc>
-                <a:spcPct val="150000"/>
-              </a:lnSpc>
-              <a:spcAft>
-                <a:spcPts val="0"/>
-              </a:spcAft>
-            </a:pPr>
-            <a:r>
-              <a:rPr lang="it-IT" sz="1200" dirty="0">
-                <a:latin typeface="Calibri" panose="020F0502020204030204" pitchFamily="34" charset="0"/>
-                <a:ea typeface="Times New Roman" panose="02020603050405020304" pitchFamily="18" charset="0"/>
-                <a:cs typeface="Times New Roman" panose="02020603050405020304" pitchFamily="18" charset="0"/>
-              </a:rPr>
-              <a:t>Abbiamo eseguito anche una risoluzione del sistema, ovviamente solo su ambiente Linux, tramite Python. </a:t>
-            </a:r>
-            <a:endParaRPr lang="it-IT" sz="1200" dirty="0">
-              <a:latin typeface="Arial" panose="020B0604020202020204" pitchFamily="34" charset="0"/>
-              <a:ea typeface="Times New Roman" panose="02020603050405020304" pitchFamily="18" charset="0"/>
-              <a:cs typeface="Times New Roman" panose="02020603050405020304" pitchFamily="18" charset="0"/>
-            </a:endParaRPr>
-          </a:p>
-          <a:p>
-            <a:pPr algn="just">
-              <a:lnSpc>
-                <a:spcPct val="150000"/>
-              </a:lnSpc>
-              <a:spcAft>
-                <a:spcPts val="0"/>
-              </a:spcAft>
-            </a:pPr>
-            <a:r>
-              <a:rPr lang="it-IT" sz="1200" dirty="0">
-                <a:latin typeface="Calibri" panose="020F0502020204030204" pitchFamily="34" charset="0"/>
-                <a:ea typeface="Times New Roman" panose="02020603050405020304" pitchFamily="18" charset="0"/>
-                <a:cs typeface="Times New Roman" panose="02020603050405020304" pitchFamily="18" charset="0"/>
-              </a:rPr>
-              <a:t>I risultati ottenuti sembrano apparentemente simili a quelli analizzati in precedenza di R.</a:t>
-            </a:r>
-            <a:endParaRPr lang="it-IT" sz="1200" dirty="0">
-              <a:latin typeface="Arial" panose="020B0604020202020204" pitchFamily="34" charset="0"/>
-              <a:ea typeface="Times New Roman" panose="02020603050405020304" pitchFamily="18" charset="0"/>
-              <a:cs typeface="Times New Roman" panose="02020603050405020304" pitchFamily="18" charset="0"/>
-            </a:endParaRPr>
-          </a:p>
-          <a:p>
-            <a:pPr algn="just">
-              <a:lnSpc>
-                <a:spcPct val="150000"/>
-              </a:lnSpc>
-              <a:spcAft>
-                <a:spcPts val="0"/>
-              </a:spcAft>
-            </a:pPr>
-            <a:r>
-              <a:rPr lang="it-IT" sz="1200" dirty="0">
-                <a:latin typeface="Calibri" panose="020F0502020204030204" pitchFamily="34" charset="0"/>
-                <a:ea typeface="Times New Roman" panose="02020603050405020304" pitchFamily="18" charset="0"/>
-                <a:cs typeface="Times New Roman" panose="02020603050405020304" pitchFamily="18" charset="0"/>
-              </a:rPr>
-              <a:t>Al crescere della grandezza delle matrici cresce la memoria occupata e il tipo di risoluzione, con una lieve flessione con la matrice </a:t>
-            </a:r>
-            <a:r>
-              <a:rPr lang="it-IT" sz="1200" i="1" dirty="0" err="1">
-                <a:latin typeface="Calibri" panose="020F0502020204030204" pitchFamily="34" charset="0"/>
-                <a:ea typeface="Times New Roman" panose="02020603050405020304" pitchFamily="18" charset="0"/>
-                <a:cs typeface="Times New Roman" panose="02020603050405020304" pitchFamily="18" charset="0"/>
-              </a:rPr>
-              <a:t>parabolic_fem</a:t>
-            </a:r>
-            <a:r>
-              <a:rPr lang="it-IT" sz="1200" dirty="0">
-                <a:latin typeface="Calibri" panose="020F0502020204030204" pitchFamily="34" charset="0"/>
-                <a:ea typeface="Times New Roman" panose="02020603050405020304" pitchFamily="18" charset="0"/>
-                <a:cs typeface="Times New Roman" panose="02020603050405020304" pitchFamily="18" charset="0"/>
-              </a:rPr>
-              <a:t>.</a:t>
-            </a:r>
-            <a:endParaRPr lang="it-IT" sz="1200" dirty="0">
-              <a:latin typeface="Arial" panose="020B0604020202020204" pitchFamily="34" charset="0"/>
-              <a:ea typeface="Times New Roman" panose="02020603050405020304" pitchFamily="18" charset="0"/>
-              <a:cs typeface="Times New Roman" panose="02020603050405020304" pitchFamily="18" charset="0"/>
-            </a:endParaRPr>
-          </a:p>
-          <a:p>
-            <a:pPr algn="just">
-              <a:lnSpc>
-                <a:spcPct val="150000"/>
-              </a:lnSpc>
-              <a:spcAft>
-                <a:spcPts val="0"/>
-              </a:spcAft>
-            </a:pPr>
-            <a:r>
-              <a:rPr lang="it-IT" sz="1200" dirty="0">
-                <a:latin typeface="Calibri" panose="020F0502020204030204" pitchFamily="34" charset="0"/>
-                <a:ea typeface="Times New Roman" panose="02020603050405020304" pitchFamily="18" charset="0"/>
-                <a:cs typeface="Times New Roman" panose="02020603050405020304" pitchFamily="18" charset="0"/>
-              </a:rPr>
-              <a:t>L’errore relativo ha un massimo con la matrice più piccola (ex15), raggiunge poi un minimo con la matrice </a:t>
-            </a:r>
-            <a:r>
-              <a:rPr lang="it-IT" sz="1200" i="1" dirty="0">
-                <a:latin typeface="Calibri" panose="020F0502020204030204" pitchFamily="34" charset="0"/>
-                <a:ea typeface="Times New Roman" panose="02020603050405020304" pitchFamily="18" charset="0"/>
-                <a:cs typeface="Times New Roman" panose="02020603050405020304" pitchFamily="18" charset="0"/>
-              </a:rPr>
-              <a:t>shallow_water1</a:t>
-            </a:r>
-            <a:r>
-              <a:rPr lang="it-IT" sz="1200" dirty="0">
-                <a:latin typeface="Calibri" panose="020F0502020204030204" pitchFamily="34" charset="0"/>
-                <a:ea typeface="Times New Roman" panose="02020603050405020304" pitchFamily="18" charset="0"/>
-                <a:cs typeface="Times New Roman" panose="02020603050405020304" pitchFamily="18" charset="0"/>
-              </a:rPr>
-              <a:t>, tende poi lievemente a crescere al crescere della matrice, trovando una flessione finale con la matrice </a:t>
-            </a:r>
-            <a:r>
-              <a:rPr lang="it-IT" sz="1200" i="1" dirty="0">
-                <a:latin typeface="Calibri" panose="020F0502020204030204" pitchFamily="34" charset="0"/>
-                <a:ea typeface="Times New Roman" panose="02020603050405020304" pitchFamily="18" charset="0"/>
-                <a:cs typeface="Times New Roman" panose="02020603050405020304" pitchFamily="18" charset="0"/>
-              </a:rPr>
-              <a:t>G3_circuit</a:t>
-            </a:r>
-            <a:r>
-              <a:rPr lang="it-IT" sz="1200" dirty="0">
-                <a:latin typeface="Calibri" panose="020F0502020204030204" pitchFamily="34" charset="0"/>
-                <a:ea typeface="Times New Roman" panose="02020603050405020304" pitchFamily="18" charset="0"/>
-                <a:cs typeface="Times New Roman" panose="02020603050405020304" pitchFamily="18" charset="0"/>
-              </a:rPr>
-              <a:t>.</a:t>
-            </a:r>
-            <a:endParaRPr lang="it-IT" sz="1200" dirty="0">
-              <a:latin typeface="Arial" panose="020B0604020202020204" pitchFamily="34" charset="0"/>
-              <a:ea typeface="Times New Roman" panose="02020603050405020304" pitchFamily="18" charset="0"/>
-              <a:cs typeface="Times New Roman" panose="02020603050405020304" pitchFamily="18" charset="0"/>
-            </a:endParaRPr>
-          </a:p>
-          <a:p>
-            <a:pPr algn="just">
-              <a:lnSpc>
-                <a:spcPct val="150000"/>
-              </a:lnSpc>
-              <a:spcAft>
-                <a:spcPts val="0"/>
-              </a:spcAft>
-            </a:pPr>
-            <a:r>
-              <a:rPr lang="it-IT" dirty="0">
-                <a:latin typeface="Calibri" panose="020F0502020204030204" pitchFamily="34" charset="0"/>
-                <a:ea typeface="Times New Roman" panose="02020603050405020304" pitchFamily="18" charset="0"/>
-                <a:cs typeface="Times New Roman" panose="02020603050405020304" pitchFamily="18" charset="0"/>
-              </a:rPr>
-              <a:t> </a:t>
-            </a:r>
-            <a:endParaRPr lang="it-IT" sz="1600" dirty="0">
-              <a:effectLst/>
-              <a:latin typeface="Arial" panose="020B0604020202020204" pitchFamily="34" charset="0"/>
-              <a:ea typeface="Times New Roman" panose="02020603050405020304" pitchFamily="18" charset="0"/>
-              <a:cs typeface="Times New Roman" panose="02020603050405020304" pitchFamily="18" charset="0"/>
-            </a:endParaRPr>
+            <a:r>
+              <a:rPr lang="it-IT" dirty="0"/>
+              <a:t>Al crescere della dimensione delle matrici aumenta la memoria occupata e il tempo di risoluzione</a:t>
+            </a:r>
+          </a:p>
+        </p:txBody>
+      </p:sp>
+      <p:sp>
+        <p:nvSpPr>
+          <p:cNvPr id="9" name="Rettangolo 8">
+            <a:extLst>
+              <a:ext uri="{FF2B5EF4-FFF2-40B4-BE49-F238E27FC236}">
+                <a16:creationId xmlns:a16="http://schemas.microsoft.com/office/drawing/2014/main" id="{C3BAB624-8682-4A59-A0D6-DA67943F7542}"/>
+              </a:ext>
+            </a:extLst>
+          </p:cNvPr>
+          <p:cNvSpPr/>
+          <p:nvPr/>
+        </p:nvSpPr>
+        <p:spPr>
+          <a:xfrm>
+            <a:off x="6688599" y="4214335"/>
+            <a:ext cx="4470011" cy="1754326"/>
+          </a:xfrm>
+          <a:prstGeom prst="rect">
+            <a:avLst/>
+          </a:prstGeom>
+        </p:spPr>
+        <p:txBody>
+          <a:bodyPr wrap="square">
+            <a:spAutoFit/>
+          </a:bodyPr>
+          <a:lstStyle/>
+          <a:p>
+            <a:pPr algn="just"/>
+            <a:r>
+              <a:rPr lang="it-IT" dirty="0"/>
+              <a:t>L’errore relativo ha un massimo con la matrice </a:t>
+            </a:r>
+            <a:r>
+              <a:rPr lang="it-IT" dirty="0" err="1"/>
+              <a:t>piu`</a:t>
+            </a:r>
+            <a:r>
+              <a:rPr lang="it-IT" dirty="0"/>
+              <a:t> piccola (ex15), raggiunge poi un minimo con la matrice </a:t>
+            </a:r>
+            <a:r>
+              <a:rPr lang="it-IT" dirty="0" err="1"/>
+              <a:t>shallow</a:t>
+            </a:r>
+            <a:r>
+              <a:rPr lang="it-IT" dirty="0"/>
+              <a:t> water1 ed </a:t>
+            </a:r>
+            <a:r>
+              <a:rPr lang="it-IT" dirty="0" err="1"/>
+              <a:t>inﬁne</a:t>
+            </a:r>
+            <a:r>
+              <a:rPr lang="it-IT" dirty="0"/>
+              <a:t> tende lievemente a crescere con l’aumentare della dimensione della matrice, con una </a:t>
+            </a:r>
+            <a:r>
+              <a:rPr lang="it-IT" dirty="0" err="1"/>
+              <a:t>ﬂessione</a:t>
+            </a:r>
+            <a:r>
+              <a:rPr lang="it-IT" dirty="0"/>
+              <a:t> </a:t>
+            </a:r>
+            <a:r>
+              <a:rPr lang="it-IT" dirty="0" err="1"/>
+              <a:t>ﬁnale</a:t>
+            </a:r>
+            <a:r>
+              <a:rPr lang="it-IT" dirty="0"/>
+              <a:t> per la matrice G3 </a:t>
+            </a:r>
+            <a:r>
+              <a:rPr lang="it-IT" dirty="0" err="1"/>
+              <a:t>circuit</a:t>
+            </a:r>
+            <a:endParaRPr lang="it-IT" dirty="0"/>
           </a:p>
         </p:txBody>
       </p:sp>
     </p:spTree>
     <p:extLst>
       <p:ext uri="{BB962C8B-B14F-4D97-AF65-F5344CB8AC3E}">
-        <p14:creationId xmlns:p14="http://schemas.microsoft.com/office/powerpoint/2010/main" val="1424281258"/>
+        <p14:creationId xmlns:p14="http://schemas.microsoft.com/office/powerpoint/2010/main" val="3612976620"/>
       </p:ext>
     </p:extLst>
   </p:cSld>
@@ -13746,50 +14913,124 @@
         </p:spPr>
         <p:txBody>
           <a:bodyPr>
-            <a:normAutofit fontScale="92500" lnSpcReduction="20000"/>
+            <a:normAutofit/>
           </a:bodyPr>
           <a:lstStyle/>
-          <a:p>
-            <a:pPr marL="0" indent="0">
-              <a:buNone/>
-            </a:pPr>
-            <a:r>
-              <a:rPr lang="it-IT" dirty="0"/>
-              <a:t>Alla luce di quanto abbiamo appena analizzato e mettendoci nell’ottica proposta all’inizio del progetto “Immaginate che la vostra azienda abbia la necessità di munirsi di un ambiente di programmazione per risolvere con il metodo di Choleski sistemi lineari con matrici sparse e deﬁnite positive di grandi dimensioni. L’alternativa `e tra software proprietario (MATLAB) oppure open source e anche tra Windows oppure Linux” possiamo concludere che:</a:t>
-            </a:r>
-          </a:p>
-          <a:p>
-            <a:pPr lvl="0"/>
-            <a:r>
-              <a:rPr lang="it-IT" dirty="0"/>
-              <a:t>Per riuscire ad eseguire tutte le matrici proposte bisogna disporre di computer molto potenti,</a:t>
-            </a:r>
-          </a:p>
-          <a:p>
-            <a:pPr lvl="0"/>
-            <a:r>
-              <a:rPr lang="it-IT" dirty="0"/>
-              <a:t> Dai risultati ottenuti con il nostro computer risulta più utile utilizzare codici open source piuttosto che MATLAB, ci garantisce un utilizzo migliore della memoria;</a:t>
-            </a:r>
-          </a:p>
-          <a:p>
-            <a:pPr lvl="0"/>
-            <a:r>
-              <a:rPr lang="it-IT" dirty="0"/>
-              <a:t>C++ risulta avere dei risultati altalenanti, nonostante su Windows sembra utilizzi la memoria in modo più efficiente;</a:t>
-            </a:r>
-          </a:p>
-          <a:p>
-            <a:pPr lvl="0"/>
-            <a:r>
-              <a:rPr lang="it-IT" dirty="0"/>
-              <a:t>R e Python sono i due linguaggi che risultano avere i risultati più lineari.</a:t>
-            </a:r>
-          </a:p>
           <a:p>
             <a:pPr marL="0" lvl="0" indent="0">
               <a:buNone/>
             </a:pPr>
+            <a:endParaRPr lang="it-IT" dirty="0"/>
+          </a:p>
+          <a:p>
+            <a:endParaRPr lang="it-IT" dirty="0"/>
+          </a:p>
+        </p:txBody>
+      </p:sp>
+      <p:sp>
+        <p:nvSpPr>
+          <p:cNvPr id="4" name="Rettangolo 3">
+            <a:extLst>
+              <a:ext uri="{FF2B5EF4-FFF2-40B4-BE49-F238E27FC236}">
+                <a16:creationId xmlns:a16="http://schemas.microsoft.com/office/drawing/2014/main" id="{9B801CBD-3366-4DB0-8890-03CA440B5AAB}"/>
+              </a:ext>
+            </a:extLst>
+          </p:cNvPr>
+          <p:cNvSpPr/>
+          <p:nvPr/>
+        </p:nvSpPr>
+        <p:spPr>
+          <a:xfrm>
+            <a:off x="1280160" y="2587006"/>
+            <a:ext cx="9144000" cy="4524315"/>
+          </a:xfrm>
+          <a:prstGeom prst="rect">
+            <a:avLst/>
+          </a:prstGeom>
+        </p:spPr>
+        <p:txBody>
+          <a:bodyPr wrap="square">
+            <a:spAutoFit/>
+          </a:bodyPr>
+          <a:lstStyle/>
+          <a:p>
+            <a:pPr algn="just"/>
+            <a:r>
+              <a:rPr lang="it-IT" dirty="0"/>
+              <a:t>Come prima cosa `e risultato evidente che per eseguire tutte le matrici proposte `e necessario disporre di computer molto potenti, indipendentemente dal sistema operativo: non `e stato possibile infatti eseguire i codici con le matrici Flan 1565 e StocF-1465, rispettivamente di dimensioni 1.564.794 x 1.564.794 e 1.465.137 x 1.465.137.</a:t>
+            </a:r>
+          </a:p>
+          <a:p>
+            <a:pPr algn="just"/>
+            <a:endParaRPr lang="it-IT" dirty="0"/>
+          </a:p>
+          <a:p>
+            <a:pPr algn="just"/>
+            <a:r>
+              <a:rPr lang="it-IT" dirty="0"/>
+              <a:t>Per quanto concerne la facilità d’uso Python `e stato il linguaggio che ha causato </a:t>
+            </a:r>
+            <a:r>
+              <a:rPr lang="it-IT" dirty="0" err="1"/>
+              <a:t>piu`</a:t>
+            </a:r>
+            <a:r>
+              <a:rPr lang="it-IT" dirty="0"/>
+              <a:t> </a:t>
+            </a:r>
+            <a:r>
+              <a:rPr lang="it-IT" dirty="0" err="1"/>
+              <a:t>diﬃcoltà</a:t>
+            </a:r>
+            <a:r>
+              <a:rPr lang="it-IT" dirty="0"/>
+              <a:t> nell’installazione, </a:t>
+            </a:r>
+            <a:r>
+              <a:rPr lang="it-IT" dirty="0" err="1"/>
+              <a:t>sopratutto</a:t>
+            </a:r>
+            <a:r>
+              <a:rPr lang="it-IT" dirty="0"/>
+              <a:t> su sistema operativo Windows, a causa anche dalla poca documentazione reperibile, anche se nella scrittura del codice non si incontrano particolari </a:t>
+            </a:r>
+            <a:r>
+              <a:rPr lang="it-IT" dirty="0" err="1"/>
+              <a:t>diﬃcoltà</a:t>
+            </a:r>
+            <a:r>
+              <a:rPr lang="it-IT" dirty="0"/>
+              <a:t>. In C++ `e stata utilizzata la libreria </a:t>
+            </a:r>
+            <a:r>
+              <a:rPr lang="it-IT" dirty="0" err="1"/>
+              <a:t>Eigen</a:t>
+            </a:r>
+            <a:r>
+              <a:rPr lang="it-IT" dirty="0"/>
+              <a:t>, la quale `e molto ben documentata e semplice da importare ed utilizzare nel proprio programma. I codici in MATLAB ed R sono i più immediati da scrivere, </a:t>
+            </a:r>
+            <a:r>
+              <a:rPr lang="it-IT" dirty="0" err="1"/>
+              <a:t>poichè</a:t>
+            </a:r>
+            <a:r>
+              <a:rPr lang="it-IT" dirty="0"/>
+              <a:t> nel primo caso non `e necessario </a:t>
+            </a:r>
+            <a:r>
+              <a:rPr lang="it-IT" dirty="0" err="1"/>
+              <a:t>eﬀettuare</a:t>
+            </a:r>
+            <a:r>
+              <a:rPr lang="it-IT" dirty="0"/>
+              <a:t> alcuna ricerca di librerie esterne, mentre nel caso di R si ha una documentazione ricca che permette di sfruttare al meglio le librerie disponibili.</a:t>
+            </a:r>
+          </a:p>
+          <a:p>
+            <a:endParaRPr lang="it-IT" dirty="0"/>
+          </a:p>
+          <a:p>
             <a:endParaRPr lang="it-IT" dirty="0"/>
           </a:p>
           <a:p>
@@ -14656,43 +15897,15 @@
             </a:r>
             <a:r>
               <a:rPr lang="it-IT" dirty="0"/>
-              <a:t>a detta dei creatori è usabile sia in ambiente Windows che Linux, in realtà ci sono dei problemi di installazione lato windows, come si può vedere nella schermata </a:t>
-            </a:r>
-            <a:r>
-              <a:rPr lang="it-IT" i="1" dirty="0" err="1"/>
-              <a:t>issues</a:t>
+              <a:t>a detta dei creatori è usabile sia in ambiente Windows che Linux, per l’installazione su Windows abbiamo dovuto compilare tramite </a:t>
+            </a:r>
+            <a:r>
+              <a:rPr lang="it-IT" dirty="0" err="1"/>
+              <a:t>cmake</a:t>
             </a:r>
             <a:r>
               <a:rPr lang="it-IT" dirty="0"/>
-              <a:t> della </a:t>
-            </a:r>
-            <a:r>
-              <a:rPr lang="it-IT" u="sng" dirty="0">
-                <a:hlinkClick r:id="rId2"/>
-              </a:rPr>
-              <a:t>repository</a:t>
-            </a:r>
-            <a:r>
-              <a:rPr lang="it-IT" dirty="0"/>
-              <a:t> ufficiale.</a:t>
-            </a:r>
-          </a:p>
-          <a:p>
-            <a:r>
-              <a:rPr lang="it-IT" dirty="0"/>
-              <a:t>È stato possibile installare la libreria su una macchina virtuale con </a:t>
-            </a:r>
-            <a:r>
-              <a:rPr lang="it-IT" i="1" dirty="0"/>
-              <a:t>Os </a:t>
-            </a:r>
-            <a:r>
-              <a:rPr lang="it-IT" i="1" dirty="0" err="1"/>
-              <a:t>Xubuntu</a:t>
-            </a:r>
-            <a:r>
-              <a:rPr lang="it-IT" dirty="0"/>
-              <a:t>. </a:t>
+              <a:t> suite sparse una libreria C/C++ che opera sulle matrici sparse  </a:t>
             </a:r>
           </a:p>
           <a:p>
@@ -14789,28 +16002,27 @@
       </p:sp>
       <p:graphicFrame>
         <p:nvGraphicFramePr>
-          <p:cNvPr id="6" name="Segnaposto contenuto 5">
+          <p:cNvPr id="12" name="Grafico 11">
             <a:extLst>
               <a:ext uri="{FF2B5EF4-FFF2-40B4-BE49-F238E27FC236}">
-                <a16:creationId xmlns:a16="http://schemas.microsoft.com/office/drawing/2014/main" id="{E2CE837D-AF7E-486E-BE1E-CF82CC1C5BAE}"/>
+                <a16:creationId xmlns:a16="http://schemas.microsoft.com/office/drawing/2014/main" id="{E1B57467-A165-4555-8472-643058D447D6}"/>
               </a:ext>
             </a:extLst>
           </p:cNvPr>
           <p:cNvGraphicFramePr>
-            <a:graphicFrameLocks noGrp="1"/>
+            <a:graphicFrameLocks/>
           </p:cNvGraphicFramePr>
           <p:nvPr>
-            <p:ph idx="1"/>
             <p:extLst>
               <p:ext uri="{D42A27DB-BD31-4B8C-83A1-F6EECF244321}">
-                <p14:modId xmlns:p14="http://schemas.microsoft.com/office/powerpoint/2010/main" val="614964330"/>
+                <p14:modId xmlns:p14="http://schemas.microsoft.com/office/powerpoint/2010/main" val="452378587"/>
               </p:ext>
             </p:extLst>
           </p:nvPr>
         </p:nvGraphicFramePr>
         <p:xfrm>
-          <a:off x="1279525" y="2190751"/>
-          <a:ext cx="4435475" cy="2314574"/>
+          <a:off x="553330" y="2182545"/>
+          <a:ext cx="4464147" cy="2612194"/>
         </p:xfrm>
         <a:graphic>
           <a:graphicData uri="http://schemas.openxmlformats.org/drawingml/2006/chart">
@@ -14820,25 +16032,27 @@
       </p:graphicFrame>
       <p:graphicFrame>
         <p:nvGraphicFramePr>
-          <p:cNvPr id="8" name="Grafico 7">
+          <p:cNvPr id="13" name="Grafico 12">
             <a:extLst>
               <a:ext uri="{FF2B5EF4-FFF2-40B4-BE49-F238E27FC236}">
-                <a16:creationId xmlns:a16="http://schemas.microsoft.com/office/drawing/2014/main" id="{AE47DD3A-62C0-4AB7-8213-E94FF9103F0C}"/>
+                <a16:creationId xmlns:a16="http://schemas.microsoft.com/office/drawing/2014/main" id="{0ED585DE-7C85-4673-964C-667EDB772988}"/>
               </a:ext>
             </a:extLst>
           </p:cNvPr>
-          <p:cNvGraphicFramePr/>
+          <p:cNvGraphicFramePr>
+            <a:graphicFrameLocks/>
+          </p:cNvGraphicFramePr>
           <p:nvPr>
             <p:extLst>
               <p:ext uri="{D42A27DB-BD31-4B8C-83A1-F6EECF244321}">
-                <p14:modId xmlns:p14="http://schemas.microsoft.com/office/powerpoint/2010/main" val="3860724061"/>
+                <p14:modId xmlns:p14="http://schemas.microsoft.com/office/powerpoint/2010/main" val="2118160194"/>
               </p:ext>
             </p:extLst>
           </p:nvPr>
         </p:nvGraphicFramePr>
         <p:xfrm>
-          <a:off x="7191374" y="4086224"/>
-          <a:ext cx="4505325" cy="2543175"/>
+          <a:off x="6781799" y="3488642"/>
+          <a:ext cx="4856871" cy="2967844"/>
         </p:xfrm>
         <a:graphic>
           <a:graphicData uri="http://schemas.openxmlformats.org/drawingml/2006/chart">
@@ -14848,168 +16062,74 @@
       </p:graphicFrame>
       <p:sp>
         <p:nvSpPr>
-          <p:cNvPr id="9" name="CasellaDiTesto 8">
+          <p:cNvPr id="14" name="Rettangolo 13">
             <a:extLst>
               <a:ext uri="{FF2B5EF4-FFF2-40B4-BE49-F238E27FC236}">
-                <a16:creationId xmlns:a16="http://schemas.microsoft.com/office/drawing/2014/main" id="{A9D55DEB-0A16-4250-8910-752BB469DCC5}"/>
+                <a16:creationId xmlns:a16="http://schemas.microsoft.com/office/drawing/2014/main" id="{28F95A1A-CBE8-41E7-82B2-537B2AD8CE94}"/>
               </a:ext>
             </a:extLst>
           </p:cNvPr>
-          <p:cNvSpPr txBox="1"/>
+          <p:cNvSpPr/>
           <p:nvPr/>
         </p:nvSpPr>
         <p:spPr>
           <a:xfrm>
-            <a:off x="6324599" y="2345348"/>
-            <a:ext cx="5372100" cy="1661993"/>
+            <a:off x="6494585" y="2228671"/>
+            <a:ext cx="5697415" cy="1200329"/>
           </a:xfrm>
           <a:prstGeom prst="rect">
             <a:avLst/>
           </a:prstGeom>
-          <a:noFill/>
         </p:spPr>
         <p:txBody>
-          <a:bodyPr wrap="square" rtlCol="0">
+          <a:bodyPr wrap="square">
             <a:spAutoFit/>
           </a:bodyPr>
           <a:lstStyle/>
           <a:p>
-            <a:pPr algn="just"/>
-            <a:r>
-              <a:rPr lang="it-IT" sz="1200" dirty="0"/>
-              <a:t>La prima differenza che possiamo notare tra le due esecuzioni è che mentre siamo riusciti ad eseguire la risoluzione del sistema lineare fino ad </a:t>
-            </a:r>
-            <a:r>
-              <a:rPr lang="it-IT" sz="1200" i="1" dirty="0"/>
-              <a:t>Apache2</a:t>
-            </a:r>
-            <a:r>
-              <a:rPr lang="it-IT" sz="1200" dirty="0"/>
-              <a:t> su Windows, a Linux ci siamo fermati </a:t>
-            </a:r>
-            <a:r>
-              <a:rPr lang="it-IT" sz="1200" i="1" dirty="0"/>
-              <a:t>cfd2</a:t>
-            </a:r>
-            <a:r>
-              <a:rPr lang="it-IT" sz="1200" dirty="0"/>
-              <a:t>. </a:t>
-            </a:r>
-          </a:p>
-          <a:p>
-            <a:pPr algn="just"/>
-            <a:r>
-              <a:rPr lang="it-IT" sz="1200" dirty="0"/>
-              <a:t>Questo risultato potrebbe essere sicuramente influenzato dal fatto che per Linux abbiamo utilizzato una macchina virtuale, ma in ogni caso come vedremo più avanti abbiamo notato che MATLAB tende ad avere un utilizzo sproporzionato della </a:t>
-            </a:r>
-            <a:r>
-              <a:rPr lang="it-IT" sz="1200" i="1" dirty="0"/>
-              <a:t>RAM</a:t>
-            </a:r>
-            <a:r>
-              <a:rPr lang="it-IT" sz="1200" dirty="0"/>
-              <a:t> e ad andare facilmente “</a:t>
-            </a:r>
-            <a:r>
-              <a:rPr lang="it-IT" sz="1200" i="1" dirty="0"/>
-              <a:t>out of </a:t>
-            </a:r>
-            <a:r>
-              <a:rPr lang="it-IT" sz="1200" i="1" dirty="0" err="1"/>
-              <a:t>memory</a:t>
-            </a:r>
-            <a:r>
-              <a:rPr lang="it-IT" sz="1200" dirty="0"/>
-              <a:t>” a differenza di altri linguaggi </a:t>
-            </a:r>
-            <a:r>
-              <a:rPr lang="it-IT" sz="1200" i="1" dirty="0"/>
-              <a:t>open source</a:t>
-            </a:r>
-            <a:r>
-              <a:rPr lang="it-IT" sz="1200" dirty="0"/>
-              <a:t>. </a:t>
-            </a:r>
-          </a:p>
-          <a:p>
-            <a:endParaRPr lang="it-IT" dirty="0"/>
+            <a:r>
+              <a:rPr lang="it-IT" dirty="0"/>
+              <a:t>In entrambi i casi al crescere della dimensione della matrice aumenta il tempo di esecuzione e la memoria da queste occupata e si ha un andamento simile per l’errore relativo</a:t>
+            </a:r>
           </a:p>
         </p:txBody>
       </p:sp>
       <p:sp>
         <p:nvSpPr>
-          <p:cNvPr id="10" name="CasellaDiTesto 9">
+          <p:cNvPr id="15" name="Rettangolo 14">
             <a:extLst>
               <a:ext uri="{FF2B5EF4-FFF2-40B4-BE49-F238E27FC236}">
-                <a16:creationId xmlns:a16="http://schemas.microsoft.com/office/drawing/2014/main" id="{331D94F0-DDC3-4EF4-AB41-0FA5CABE01BF}"/>
+                <a16:creationId xmlns:a16="http://schemas.microsoft.com/office/drawing/2014/main" id="{2124896E-75CF-4FE4-B3A6-F68D4F606AE8}"/>
               </a:ext>
             </a:extLst>
           </p:cNvPr>
-          <p:cNvSpPr txBox="1"/>
+          <p:cNvSpPr/>
           <p:nvPr/>
         </p:nvSpPr>
         <p:spPr>
           <a:xfrm>
-            <a:off x="865588" y="4689723"/>
-            <a:ext cx="5718329" cy="2031325"/>
+            <a:off x="551806" y="5350632"/>
+            <a:ext cx="5542670" cy="923330"/>
           </a:xfrm>
           <a:prstGeom prst="rect">
             <a:avLst/>
           </a:prstGeom>
-          <a:noFill/>
         </p:spPr>
         <p:txBody>
-          <a:bodyPr wrap="square" rtlCol="0">
+          <a:bodyPr wrap="square">
             <a:spAutoFit/>
           </a:bodyPr>
           <a:lstStyle/>
           <a:p>
             <a:pPr algn="just"/>
             <a:r>
-              <a:rPr lang="it-IT" sz="1200" dirty="0"/>
-              <a:t>Analizzando i dati ci accorgiamo che entrambe le esecuzioni al crescere delle matrici aumento il loro tempo di esecuzione e il loro spazio occupato, ma mentre su Linux si arriva al massimo ad occupare uno spazio di memoria nell’ordine di grandezza di 10</a:t>
-            </a:r>
-            <a:r>
-              <a:rPr lang="it-IT" sz="1200" baseline="30000" dirty="0"/>
-              <a:t>8</a:t>
-            </a:r>
-            <a:r>
-              <a:rPr lang="it-IT" sz="1200" dirty="0"/>
-              <a:t> su Windows si occupa più memoria, circa nell’ordine di 10</a:t>
-            </a:r>
-            <a:r>
-              <a:rPr lang="it-IT" sz="1200" baseline="30000" dirty="0"/>
-              <a:t>10</a:t>
-            </a:r>
-            <a:r>
-              <a:rPr lang="it-IT" sz="1200" dirty="0"/>
-              <a:t>. Questo fa sì che il tempo di esecuzione di Windows sia maggiore rispetto a quello di Linux.</a:t>
-            </a:r>
-          </a:p>
-          <a:p>
-            <a:pPr algn="just"/>
-            <a:r>
-              <a:rPr lang="it-IT" sz="1200" dirty="0"/>
-              <a:t>Per quanto riguarda l’errore relativo in entrambi i casi si tende ad avere uno stesso andamento con risultati poco migliori in Windows. È interessante sottolineare il picco che entrambe le esecuzioni hanno nell’esecuzione della matrice </a:t>
-            </a:r>
-            <a:r>
-              <a:rPr lang="it-IT" sz="1200" i="1" dirty="0"/>
-              <a:t>shallow_water1</a:t>
-            </a:r>
-            <a:r>
-              <a:rPr lang="it-IT" sz="1200" dirty="0"/>
-              <a:t>, dove in tutti e due i casi si ottiene l’errore più piccolo nell’ordine di grandezza di 10</a:t>
-            </a:r>
-            <a:r>
-              <a:rPr lang="it-IT" sz="1200" baseline="30000" dirty="0"/>
-              <a:t>-16</a:t>
-            </a:r>
-            <a:r>
-              <a:rPr lang="it-IT" sz="1200" dirty="0"/>
-              <a:t>.</a:t>
-            </a:r>
-          </a:p>
-          <a:p>
+              <a:rPr lang="it-IT" dirty="0"/>
+              <a:t>Con MATLAB non `e stato possibile analizzare matrici di dimensioni superiori a cfd2, in quanto il programma ci ritorna un errore out of </a:t>
+            </a:r>
+            <a:r>
+              <a:rPr lang="it-IT" dirty="0" err="1"/>
+              <a:t>memory</a:t>
+            </a:r>
             <a:endParaRPr lang="it-IT" dirty="0"/>
           </a:p>
         </p:txBody>
@@ -15058,25 +16178,27 @@
       </p:grpSpPr>
       <p:graphicFrame>
         <p:nvGraphicFramePr>
-          <p:cNvPr id="2" name="Grafico 1">
+          <p:cNvPr id="7" name="Grafico 6">
             <a:extLst>
               <a:ext uri="{FF2B5EF4-FFF2-40B4-BE49-F238E27FC236}">
-                <a16:creationId xmlns:a16="http://schemas.microsoft.com/office/drawing/2014/main" id="{0C18D504-2D5D-4FE7-9B97-5A2062F52954}"/>
+                <a16:creationId xmlns:a16="http://schemas.microsoft.com/office/drawing/2014/main" id="{6F4BEA2A-5C00-473E-8977-7C0D09A56225}"/>
               </a:ext>
             </a:extLst>
           </p:cNvPr>
-          <p:cNvGraphicFramePr/>
+          <p:cNvGraphicFramePr>
+            <a:graphicFrameLocks/>
+          </p:cNvGraphicFramePr>
           <p:nvPr>
             <p:extLst>
               <p:ext uri="{D42A27DB-BD31-4B8C-83A1-F6EECF244321}">
-                <p14:modId xmlns:p14="http://schemas.microsoft.com/office/powerpoint/2010/main" val="2006971427"/>
+                <p14:modId xmlns:p14="http://schemas.microsoft.com/office/powerpoint/2010/main" val="3117689263"/>
               </p:ext>
             </p:extLst>
           </p:nvPr>
         </p:nvGraphicFramePr>
         <p:xfrm>
-          <a:off x="6406719" y="472493"/>
-          <a:ext cx="5338439" cy="3291640"/>
+          <a:off x="6737251" y="490318"/>
+          <a:ext cx="5029200" cy="3040380"/>
         </p:xfrm>
         <a:graphic>
           <a:graphicData uri="http://schemas.openxmlformats.org/drawingml/2006/chart">
@@ -15086,25 +16208,27 @@
       </p:graphicFrame>
       <p:graphicFrame>
         <p:nvGraphicFramePr>
-          <p:cNvPr id="3" name="Grafico 2">
+          <p:cNvPr id="8" name="Grafico 7">
             <a:extLst>
               <a:ext uri="{FF2B5EF4-FFF2-40B4-BE49-F238E27FC236}">
-                <a16:creationId xmlns:a16="http://schemas.microsoft.com/office/drawing/2014/main" id="{6B7465C6-563C-4F9B-9FF3-DD471DC4F6ED}"/>
+                <a16:creationId xmlns:a16="http://schemas.microsoft.com/office/drawing/2014/main" id="{8F362C39-257E-476B-B76D-4AE447E8C989}"/>
               </a:ext>
             </a:extLst>
           </p:cNvPr>
-          <p:cNvGraphicFramePr/>
+          <p:cNvGraphicFramePr>
+            <a:graphicFrameLocks/>
+          </p:cNvGraphicFramePr>
           <p:nvPr>
             <p:extLst>
               <p:ext uri="{D42A27DB-BD31-4B8C-83A1-F6EECF244321}">
-                <p14:modId xmlns:p14="http://schemas.microsoft.com/office/powerpoint/2010/main" val="4293445601"/>
+                <p14:modId xmlns:p14="http://schemas.microsoft.com/office/powerpoint/2010/main" val="951022523"/>
               </p:ext>
             </p:extLst>
           </p:nvPr>
         </p:nvGraphicFramePr>
         <p:xfrm>
-          <a:off x="920319" y="3215936"/>
-          <a:ext cx="5486400" cy="3388360"/>
+          <a:off x="425549" y="3105834"/>
+          <a:ext cx="4937760" cy="3219450"/>
         </p:xfrm>
         <a:graphic>
           <a:graphicData uri="http://schemas.openxmlformats.org/drawingml/2006/chart">
@@ -15114,79 +16238,10 @@
       </p:graphicFrame>
       <p:sp>
         <p:nvSpPr>
-          <p:cNvPr id="4" name="CasellaDiTesto 3">
+          <p:cNvPr id="9" name="Rettangolo 8">
             <a:extLst>
               <a:ext uri="{FF2B5EF4-FFF2-40B4-BE49-F238E27FC236}">
-                <a16:creationId xmlns:a16="http://schemas.microsoft.com/office/drawing/2014/main" id="{595DB13F-38BF-433D-9910-9D9CAEF5D3D1}"/>
-              </a:ext>
-            </a:extLst>
-          </p:cNvPr>
-          <p:cNvSpPr txBox="1"/>
-          <p:nvPr/>
-        </p:nvSpPr>
-        <p:spPr>
-          <a:xfrm>
-            <a:off x="935116" y="999945"/>
-            <a:ext cx="5175681" cy="2215991"/>
-          </a:xfrm>
-          <a:prstGeom prst="rect">
-            <a:avLst/>
-          </a:prstGeom>
-          <a:noFill/>
-        </p:spPr>
-        <p:txBody>
-          <a:bodyPr wrap="square" rtlCol="0">
-            <a:spAutoFit/>
-          </a:bodyPr>
-          <a:lstStyle/>
-          <a:p>
-            <a:pPr algn="just"/>
-            <a:r>
-              <a:rPr lang="it-IT" sz="1200" dirty="0"/>
-              <a:t>Nell’esecuzione su C++ possiamo sottolineare un aspetto di cui parlavamo prima, con lo stesso computer e quindi a parità di caratteristiche e prestazioni di memoria, con un linguaggio open source siamo riusciti ad eseguire matrici anche più grandi di </a:t>
-            </a:r>
-            <a:r>
-              <a:rPr lang="it-IT" sz="1200" i="1" dirty="0"/>
-              <a:t>Apache2</a:t>
-            </a:r>
-            <a:r>
-              <a:rPr lang="it-IT" sz="1200" dirty="0"/>
-              <a:t>. </a:t>
-            </a:r>
-          </a:p>
-          <a:p>
-            <a:pPr algn="just"/>
-            <a:r>
-              <a:rPr lang="it-IT" sz="1200" dirty="0"/>
-              <a:t>In questo caso notiamo andamenti abbastanza differenti sotto molti punti di vista delle due esecuzioni. </a:t>
-            </a:r>
-          </a:p>
-          <a:p>
-            <a:pPr algn="just"/>
-            <a:r>
-              <a:rPr lang="it-IT" sz="1200" dirty="0"/>
-              <a:t>In Windows sotto l’aspetto della memoria occupata e del tempo abbiamo una situazione abbastanza lineare, che porta ad una crescita dei due fattori al crescere delle matrici, fatta eccezione per una lieve flessione con la matrice </a:t>
-            </a:r>
-            <a:r>
-              <a:rPr lang="it-IT" sz="1200" i="1" dirty="0" err="1"/>
-              <a:t>parabolic_fem</a:t>
-            </a:r>
-            <a:r>
-              <a:rPr lang="it-IT" sz="1200" dirty="0"/>
-              <a:t>. </a:t>
-            </a:r>
-          </a:p>
-          <a:p>
-            <a:endParaRPr lang="it-IT" dirty="0"/>
-          </a:p>
-        </p:txBody>
-      </p:sp>
-      <p:sp>
-        <p:nvSpPr>
-          <p:cNvPr id="5" name="Rettangolo 4">
-            <a:extLst>
-              <a:ext uri="{FF2B5EF4-FFF2-40B4-BE49-F238E27FC236}">
-                <a16:creationId xmlns:a16="http://schemas.microsoft.com/office/drawing/2014/main" id="{C4449077-4DC0-421E-A144-B7BA7862678C}"/>
+                <a16:creationId xmlns:a16="http://schemas.microsoft.com/office/drawing/2014/main" id="{C9965BB9-2EE4-4BA0-AB2E-C95320211CF7}"/>
               </a:ext>
             </a:extLst>
           </p:cNvPr>
@@ -15195,8 +16250,8 @@
         </p:nvSpPr>
         <p:spPr>
           <a:xfrm>
-            <a:off x="6702641" y="4289991"/>
-            <a:ext cx="5190478" cy="2001510"/>
+            <a:off x="641251" y="1410343"/>
+            <a:ext cx="5630595" cy="1200329"/>
           </a:xfrm>
           <a:prstGeom prst="rect">
             <a:avLst/>
@@ -15208,115 +16263,54 @@
           </a:bodyPr>
           <a:lstStyle/>
           <a:p>
-            <a:pPr algn="just">
-              <a:lnSpc>
-                <a:spcPct val="150000"/>
-              </a:lnSpc>
-              <a:spcAft>
-                <a:spcPts val="0"/>
-              </a:spcAft>
-            </a:pPr>
-            <a:r>
-              <a:rPr lang="it-IT" sz="1200" dirty="0">
-                <a:latin typeface="Calibri" panose="020F0502020204030204" pitchFamily="34" charset="0"/>
-                <a:ea typeface="Times New Roman" panose="02020603050405020304" pitchFamily="18" charset="0"/>
-                <a:cs typeface="Times New Roman" panose="02020603050405020304" pitchFamily="18" charset="0"/>
-              </a:rPr>
-              <a:t>Nell’esecuzione di Linux è particolare sottolineare un picco che sia nella memoria utilizzata che nel tempo di esecuzione, fattore che porta ad avere anche un errore elevato. </a:t>
-            </a:r>
-            <a:endParaRPr lang="it-IT" sz="1200" dirty="0">
-              <a:latin typeface="Arial" panose="020B0604020202020204" pitchFamily="34" charset="0"/>
-              <a:ea typeface="Times New Roman" panose="02020603050405020304" pitchFamily="18" charset="0"/>
-              <a:cs typeface="Times New Roman" panose="02020603050405020304" pitchFamily="18" charset="0"/>
-            </a:endParaRPr>
-          </a:p>
-          <a:p>
-            <a:pPr algn="just">
-              <a:lnSpc>
-                <a:spcPct val="150000"/>
-              </a:lnSpc>
-              <a:spcAft>
-                <a:spcPts val="0"/>
-              </a:spcAft>
-            </a:pPr>
-            <a:r>
-              <a:rPr lang="it-IT" sz="1200" dirty="0">
-                <a:latin typeface="Calibri" panose="020F0502020204030204" pitchFamily="34" charset="0"/>
-                <a:ea typeface="Times New Roman" panose="02020603050405020304" pitchFamily="18" charset="0"/>
-                <a:cs typeface="Times New Roman" panose="02020603050405020304" pitchFamily="18" charset="0"/>
-              </a:rPr>
-              <a:t>Per quanto riguarda l’errore relativo in entrambi i casi abbiamo valori altalenanti, detto già di Linux, è interessante sottolineare il picco presente in Windows con la matrice </a:t>
-            </a:r>
-            <a:r>
-              <a:rPr lang="it-IT" sz="1200" i="1" dirty="0">
-                <a:latin typeface="Calibri" panose="020F0502020204030204" pitchFamily="34" charset="0"/>
-                <a:ea typeface="Times New Roman" panose="02020603050405020304" pitchFamily="18" charset="0"/>
-                <a:cs typeface="Times New Roman" panose="02020603050405020304" pitchFamily="18" charset="0"/>
-              </a:rPr>
-              <a:t>shallow_water1</a:t>
-            </a:r>
-            <a:r>
-              <a:rPr lang="it-IT" sz="1200" dirty="0">
-                <a:latin typeface="Calibri" panose="020F0502020204030204" pitchFamily="34" charset="0"/>
-                <a:ea typeface="Times New Roman" panose="02020603050405020304" pitchFamily="18" charset="0"/>
-                <a:cs typeface="Times New Roman" panose="02020603050405020304" pitchFamily="18" charset="0"/>
-              </a:rPr>
-              <a:t> che produce un errore molto piccolo (misura di grandezza 10</a:t>
-            </a:r>
-            <a:r>
-              <a:rPr lang="it-IT" sz="1200" baseline="30000" dirty="0">
-                <a:latin typeface="Calibri" panose="020F0502020204030204" pitchFamily="34" charset="0"/>
-                <a:ea typeface="Times New Roman" panose="02020603050405020304" pitchFamily="18" charset="0"/>
-                <a:cs typeface="Times New Roman" panose="02020603050405020304" pitchFamily="18" charset="0"/>
-              </a:rPr>
-              <a:t>-16</a:t>
-            </a:r>
-            <a:r>
-              <a:rPr lang="it-IT" sz="1200" dirty="0">
-                <a:latin typeface="Calibri" panose="020F0502020204030204" pitchFamily="34" charset="0"/>
-                <a:ea typeface="Times New Roman" panose="02020603050405020304" pitchFamily="18" charset="0"/>
-                <a:cs typeface="Times New Roman" panose="02020603050405020304" pitchFamily="18" charset="0"/>
-              </a:rPr>
-              <a:t>) e con la matrice </a:t>
-            </a:r>
-            <a:r>
-              <a:rPr lang="it-IT" sz="1200" i="1" dirty="0">
-                <a:latin typeface="Calibri" panose="020F0502020204030204" pitchFamily="34" charset="0"/>
-                <a:ea typeface="Times New Roman" panose="02020603050405020304" pitchFamily="18" charset="0"/>
-                <a:cs typeface="Times New Roman" panose="02020603050405020304" pitchFamily="18" charset="0"/>
-              </a:rPr>
-              <a:t>ex15</a:t>
-            </a:r>
-            <a:r>
-              <a:rPr lang="it-IT" sz="1200" dirty="0">
-                <a:latin typeface="Calibri" panose="020F0502020204030204" pitchFamily="34" charset="0"/>
-                <a:ea typeface="Times New Roman" panose="02020603050405020304" pitchFamily="18" charset="0"/>
-                <a:cs typeface="Times New Roman" panose="02020603050405020304" pitchFamily="18" charset="0"/>
-              </a:rPr>
-              <a:t> un errore abbastanza alto (10</a:t>
-            </a:r>
-            <a:r>
-              <a:rPr lang="it-IT" sz="1200" baseline="30000" dirty="0">
-                <a:latin typeface="Calibri" panose="020F0502020204030204" pitchFamily="34" charset="0"/>
-                <a:ea typeface="Times New Roman" panose="02020603050405020304" pitchFamily="18" charset="0"/>
-                <a:cs typeface="Times New Roman" panose="02020603050405020304" pitchFamily="18" charset="0"/>
-              </a:rPr>
-              <a:t>-3</a:t>
-            </a:r>
-            <a:r>
-              <a:rPr lang="it-IT" sz="1200" dirty="0">
-                <a:latin typeface="Calibri" panose="020F0502020204030204" pitchFamily="34" charset="0"/>
-                <a:ea typeface="Times New Roman" panose="02020603050405020304" pitchFamily="18" charset="0"/>
-                <a:cs typeface="Times New Roman" panose="02020603050405020304" pitchFamily="18" charset="0"/>
-              </a:rPr>
-              <a:t>).</a:t>
-            </a:r>
-            <a:endParaRPr lang="it-IT" sz="1200" dirty="0">
-              <a:effectLst/>
-              <a:latin typeface="Arial" panose="020B0604020202020204" pitchFamily="34" charset="0"/>
-              <a:ea typeface="Times New Roman" panose="02020603050405020304" pitchFamily="18" charset="0"/>
-              <a:cs typeface="Times New Roman" panose="02020603050405020304" pitchFamily="18" charset="0"/>
-            </a:endParaRPr>
+            <a:pPr algn="just"/>
+            <a:r>
+              <a:rPr lang="it-IT" dirty="0"/>
+              <a:t>In Windows abbiamo una situazione abbastanza lineare per quanto riguarda la memoria occupata e il tempo, con una crescita dei due valori con l’aumentare della dimensione delle matrici.</a:t>
+            </a:r>
+          </a:p>
+        </p:txBody>
+      </p:sp>
+      <p:sp>
+        <p:nvSpPr>
+          <p:cNvPr id="10" name="Rettangolo 9">
+            <a:extLst>
+              <a:ext uri="{FF2B5EF4-FFF2-40B4-BE49-F238E27FC236}">
+                <a16:creationId xmlns:a16="http://schemas.microsoft.com/office/drawing/2014/main" id="{21F29852-417C-42C4-AF01-34924DB0BF90}"/>
+              </a:ext>
+            </a:extLst>
+          </p:cNvPr>
+          <p:cNvSpPr/>
+          <p:nvPr/>
+        </p:nvSpPr>
+        <p:spPr>
+          <a:xfrm>
+            <a:off x="6896684" y="4715559"/>
+            <a:ext cx="4710333" cy="646331"/>
+          </a:xfrm>
+          <a:prstGeom prst="rect">
+            <a:avLst/>
+          </a:prstGeom>
+        </p:spPr>
+        <p:txBody>
+          <a:bodyPr wrap="square">
+            <a:spAutoFit/>
+          </a:bodyPr>
+          <a:lstStyle/>
+          <a:p>
+            <a:pPr algn="just"/>
+            <a:r>
+              <a:rPr lang="it-IT" dirty="0"/>
+              <a:t>Lo stesso scenario `e possibile osservarlo nel </a:t>
+            </a:r>
+            <a:r>
+              <a:rPr lang="it-IT" dirty="0" err="1"/>
+              <a:t>graﬁco</a:t>
+            </a:r>
+            <a:r>
+              <a:rPr lang="it-IT" dirty="0"/>
+              <a:t> riferito al sistema operativo Linux.</a:t>
+            </a:r>
           </a:p>
         </p:txBody>
       </p:sp>
@@ -15364,25 +16358,57 @@
       </p:grpSpPr>
       <p:graphicFrame>
         <p:nvGraphicFramePr>
-          <p:cNvPr id="2" name="Grafico 1">
+          <p:cNvPr id="4" name="Grafico 3">
             <a:extLst>
               <a:ext uri="{FF2B5EF4-FFF2-40B4-BE49-F238E27FC236}">
-                <a16:creationId xmlns:a16="http://schemas.microsoft.com/office/drawing/2014/main" id="{4B9FA135-1BA7-4832-A961-9F14B855B22F}"/>
+                <a16:creationId xmlns:a16="http://schemas.microsoft.com/office/drawing/2014/main" id="{94F342B2-6719-479B-9B02-296224EAD9E7}"/>
               </a:ext>
             </a:extLst>
           </p:cNvPr>
-          <p:cNvGraphicFramePr/>
+          <p:cNvGraphicFramePr>
+            <a:graphicFrameLocks/>
+          </p:cNvGraphicFramePr>
           <p:nvPr>
             <p:extLst>
               <p:ext uri="{D42A27DB-BD31-4B8C-83A1-F6EECF244321}">
-                <p14:modId xmlns:p14="http://schemas.microsoft.com/office/powerpoint/2010/main" val="899426917"/>
+                <p14:modId xmlns:p14="http://schemas.microsoft.com/office/powerpoint/2010/main" val="2757093414"/>
               </p:ext>
             </p:extLst>
           </p:nvPr>
         </p:nvGraphicFramePr>
         <p:xfrm>
-          <a:off x="609600" y="529839"/>
-          <a:ext cx="5486400" cy="3152775"/>
+          <a:off x="678180" y="415290"/>
+          <a:ext cx="5417820" cy="3013710"/>
+        </p:xfrm>
+        <a:graphic>
+          <a:graphicData uri="http://schemas.openxmlformats.org/drawingml/2006/chart">
+            <c:chart xmlns:c="http://schemas.openxmlformats.org/drawingml/2006/chart" xmlns:r="http://schemas.openxmlformats.org/officeDocument/2006/relationships" r:id="rId2"/>
+          </a:graphicData>
+        </a:graphic>
+      </p:graphicFrame>
+      <p:graphicFrame>
+        <p:nvGraphicFramePr>
+          <p:cNvPr id="5" name="Grafico 4">
+            <a:extLst>
+              <a:ext uri="{FF2B5EF4-FFF2-40B4-BE49-F238E27FC236}">
+                <a16:creationId xmlns:a16="http://schemas.microsoft.com/office/drawing/2014/main" id="{6AC7F6CE-3CD3-480E-8A10-DABFD891C976}"/>
+              </a:ext>
+            </a:extLst>
+          </p:cNvPr>
+          <p:cNvGraphicFramePr>
+            <a:graphicFrameLocks/>
+          </p:cNvGraphicFramePr>
+          <p:nvPr>
+            <p:extLst>
+              <p:ext uri="{D42A27DB-BD31-4B8C-83A1-F6EECF244321}">
+                <p14:modId xmlns:p14="http://schemas.microsoft.com/office/powerpoint/2010/main" val="1770319785"/>
+              </p:ext>
+            </p:extLst>
+          </p:nvPr>
+        </p:nvGraphicFramePr>
+        <p:xfrm>
+          <a:off x="6397577" y="2974584"/>
+          <a:ext cx="5234940" cy="3112770"/>
         </p:xfrm>
         <a:graphic>
           <a:graphicData uri="http://schemas.openxmlformats.org/drawingml/2006/chart">
@@ -15390,40 +16416,12 @@
           </a:graphicData>
         </a:graphic>
       </p:graphicFrame>
-      <p:graphicFrame>
-        <p:nvGraphicFramePr>
-          <p:cNvPr id="3" name="Grafico 2">
+      <p:sp>
+        <p:nvSpPr>
+          <p:cNvPr id="6" name="Rettangolo 5">
             <a:extLst>
               <a:ext uri="{FF2B5EF4-FFF2-40B4-BE49-F238E27FC236}">
-                <a16:creationId xmlns:a16="http://schemas.microsoft.com/office/drawing/2014/main" id="{DC232CA2-C35A-4CA0-871B-7B6290A87986}"/>
-              </a:ext>
-            </a:extLst>
-          </p:cNvPr>
-          <p:cNvGraphicFramePr/>
-          <p:nvPr>
-            <p:extLst>
-              <p:ext uri="{D42A27DB-BD31-4B8C-83A1-F6EECF244321}">
-                <p14:modId xmlns:p14="http://schemas.microsoft.com/office/powerpoint/2010/main" val="2314924406"/>
-              </p:ext>
-            </p:extLst>
-          </p:nvPr>
-        </p:nvGraphicFramePr>
-        <p:xfrm>
-          <a:off x="6096000" y="3348990"/>
-          <a:ext cx="5534025" cy="3509010"/>
-        </p:xfrm>
-        <a:graphic>
-          <a:graphicData uri="http://schemas.openxmlformats.org/drawingml/2006/chart">
-            <c:chart xmlns:c="http://schemas.openxmlformats.org/drawingml/2006/chart" xmlns:r="http://schemas.openxmlformats.org/officeDocument/2006/relationships" r:id="rId4"/>
-          </a:graphicData>
-        </a:graphic>
-      </p:graphicFrame>
-      <p:sp>
-        <p:nvSpPr>
-          <p:cNvPr id="4" name="Rettangolo 3">
-            <a:extLst>
-              <a:ext uri="{FF2B5EF4-FFF2-40B4-BE49-F238E27FC236}">
-                <a16:creationId xmlns:a16="http://schemas.microsoft.com/office/drawing/2014/main" id="{D6AC1672-F44F-413C-8280-10FC3B4BF5C5}"/>
+                <a16:creationId xmlns:a16="http://schemas.microsoft.com/office/drawing/2014/main" id="{727ECB2F-D857-4F13-B9AD-D96FA179F5EF}"/>
               </a:ext>
             </a:extLst>
           </p:cNvPr>
@@ -15432,8 +16430,8 @@
         </p:nvSpPr>
         <p:spPr>
           <a:xfrm>
-            <a:off x="6628660" y="1049009"/>
-            <a:ext cx="4743635" cy="1447512"/>
+            <a:off x="6682155" y="770646"/>
+            <a:ext cx="4665784" cy="1477328"/>
           </a:xfrm>
           <a:prstGeom prst="rect">
             <a:avLst/>
@@ -15445,76 +16443,44 @@
           </a:bodyPr>
           <a:lstStyle/>
           <a:p>
-            <a:pPr algn="just">
-              <a:lnSpc>
-                <a:spcPct val="150000"/>
-              </a:lnSpc>
-              <a:spcAft>
-                <a:spcPts val="0"/>
-              </a:spcAft>
-            </a:pPr>
-            <a:r>
-              <a:rPr lang="it-IT" sz="1200" dirty="0">
-                <a:latin typeface="Calibri" panose="020F0502020204030204" pitchFamily="34" charset="0"/>
-                <a:ea typeface="Times New Roman" panose="02020603050405020304" pitchFamily="18" charset="0"/>
-                <a:cs typeface="Times New Roman" panose="02020603050405020304" pitchFamily="18" charset="0"/>
-              </a:rPr>
-              <a:t>Confrontando i grafici delle due esecuzioni possiamo parlare di risultati “visivamente” simili, che variano solo nelle unità di grandezza.</a:t>
-            </a:r>
-            <a:endParaRPr lang="it-IT" sz="1200" dirty="0">
-              <a:latin typeface="Arial" panose="020B0604020202020204" pitchFamily="34" charset="0"/>
-              <a:ea typeface="Times New Roman" panose="02020603050405020304" pitchFamily="18" charset="0"/>
-              <a:cs typeface="Times New Roman" panose="02020603050405020304" pitchFamily="18" charset="0"/>
-            </a:endParaRPr>
-          </a:p>
-          <a:p>
-            <a:pPr algn="just">
-              <a:lnSpc>
-                <a:spcPct val="150000"/>
-              </a:lnSpc>
-              <a:spcAft>
-                <a:spcPts val="0"/>
-              </a:spcAft>
-            </a:pPr>
-            <a:r>
-              <a:rPr lang="it-IT" sz="1200" dirty="0">
-                <a:latin typeface="Calibri" panose="020F0502020204030204" pitchFamily="34" charset="0"/>
-                <a:ea typeface="Times New Roman" panose="02020603050405020304" pitchFamily="18" charset="0"/>
-                <a:cs typeface="Times New Roman" panose="02020603050405020304" pitchFamily="18" charset="0"/>
-              </a:rPr>
-              <a:t>In entrambi i casi al crescere della matrice cresce il tempo per calcolare la soluzione finale e la memoria occupata, tranne per una lieve flessione con la matrice </a:t>
-            </a:r>
-            <a:r>
-              <a:rPr lang="it-IT" sz="1200" i="1" dirty="0" err="1">
-                <a:latin typeface="Calibri" panose="020F0502020204030204" pitchFamily="34" charset="0"/>
-                <a:ea typeface="Times New Roman" panose="02020603050405020304" pitchFamily="18" charset="0"/>
-                <a:cs typeface="Times New Roman" panose="02020603050405020304" pitchFamily="18" charset="0"/>
-              </a:rPr>
-              <a:t>parabolic_fem</a:t>
-            </a:r>
-            <a:r>
-              <a:rPr lang="it-IT" sz="1200" dirty="0">
-                <a:latin typeface="Calibri" panose="020F0502020204030204" pitchFamily="34" charset="0"/>
-                <a:ea typeface="Times New Roman" panose="02020603050405020304" pitchFamily="18" charset="0"/>
-                <a:cs typeface="Times New Roman" panose="02020603050405020304" pitchFamily="18" charset="0"/>
-              </a:rPr>
-              <a:t>. </a:t>
-            </a:r>
-            <a:endParaRPr lang="it-IT" sz="1200" dirty="0">
-              <a:effectLst/>
-              <a:latin typeface="Arial" panose="020B0604020202020204" pitchFamily="34" charset="0"/>
-              <a:ea typeface="Times New Roman" panose="02020603050405020304" pitchFamily="18" charset="0"/>
-              <a:cs typeface="Times New Roman" panose="02020603050405020304" pitchFamily="18" charset="0"/>
-            </a:endParaRPr>
+            <a:pPr algn="just"/>
+            <a:r>
+              <a:rPr lang="it-IT" dirty="0"/>
+              <a:t>In entrambi i casi al crescere della matrice cresce il tempo necessario per calcolare la soluzione </a:t>
+            </a:r>
+            <a:r>
+              <a:rPr lang="it-IT" dirty="0" err="1"/>
+              <a:t>ﬁnale</a:t>
+            </a:r>
+            <a:r>
+              <a:rPr lang="it-IT" dirty="0"/>
+              <a:t> e la memoria occupata, tranne che per una lieve </a:t>
+            </a:r>
+            <a:r>
+              <a:rPr lang="it-IT" dirty="0" err="1"/>
+              <a:t>ﬂessione</a:t>
+            </a:r>
+            <a:r>
+              <a:rPr lang="it-IT" dirty="0"/>
+              <a:t> che si ottiene con la matrice </a:t>
+            </a:r>
+            <a:r>
+              <a:rPr lang="it-IT" dirty="0" err="1"/>
+              <a:t>parabolic</a:t>
+            </a:r>
+            <a:r>
+              <a:rPr lang="it-IT" dirty="0"/>
+              <a:t> fem.</a:t>
+            </a:r>
           </a:p>
         </p:txBody>
       </p:sp>
       <p:sp>
         <p:nvSpPr>
-          <p:cNvPr id="5" name="Rettangolo 4">
+          <p:cNvPr id="7" name="Rettangolo 6">
             <a:extLst>
               <a:ext uri="{FF2B5EF4-FFF2-40B4-BE49-F238E27FC236}">
-                <a16:creationId xmlns:a16="http://schemas.microsoft.com/office/drawing/2014/main" id="{CE7A84AC-9079-4DAE-B98A-7FAFCB7381B8}"/>
+                <a16:creationId xmlns:a16="http://schemas.microsoft.com/office/drawing/2014/main" id="{7E452CDB-B42F-4218-BC54-1BF37053167F}"/>
               </a:ext>
             </a:extLst>
           </p:cNvPr>
@@ -15523,8 +16489,8 @@
         </p:nvSpPr>
         <p:spPr>
           <a:xfrm>
-            <a:off x="1032769" y="4241239"/>
-            <a:ext cx="4249445" cy="1724511"/>
+            <a:off x="678180" y="4144107"/>
+            <a:ext cx="4819943" cy="2308324"/>
           </a:xfrm>
           <a:prstGeom prst="rect">
             <a:avLst/>
@@ -15536,115 +16502,56 @@
           </a:bodyPr>
           <a:lstStyle/>
           <a:p>
-            <a:pPr algn="just">
-              <a:lnSpc>
-                <a:spcPct val="150000"/>
-              </a:lnSpc>
-              <a:spcAft>
-                <a:spcPts val="0"/>
-              </a:spcAft>
-            </a:pPr>
-            <a:r>
-              <a:rPr lang="it-IT" sz="1200" dirty="0">
-                <a:latin typeface="Calibri" panose="020F0502020204030204" pitchFamily="34" charset="0"/>
-                <a:ea typeface="Times New Roman" panose="02020603050405020304" pitchFamily="18" charset="0"/>
-                <a:cs typeface="Times New Roman" panose="02020603050405020304" pitchFamily="18" charset="0"/>
-              </a:rPr>
-              <a:t>Per quanto riguarda gli errori relativi, si parte in entrambe i casi con un errore “abbastanza alto” (10</a:t>
-            </a:r>
-            <a:r>
-              <a:rPr lang="it-IT" sz="1200" baseline="30000" dirty="0">
-                <a:latin typeface="Calibri" panose="020F0502020204030204" pitchFamily="34" charset="0"/>
-                <a:ea typeface="Times New Roman" panose="02020603050405020304" pitchFamily="18" charset="0"/>
-                <a:cs typeface="Times New Roman" panose="02020603050405020304" pitchFamily="18" charset="0"/>
-              </a:rPr>
-              <a:t>-6</a:t>
-            </a:r>
-            <a:r>
-              <a:rPr lang="it-IT" sz="1200" dirty="0">
-                <a:latin typeface="Calibri" panose="020F0502020204030204" pitchFamily="34" charset="0"/>
-                <a:ea typeface="Times New Roman" panose="02020603050405020304" pitchFamily="18" charset="0"/>
-                <a:cs typeface="Times New Roman" panose="02020603050405020304" pitchFamily="18" charset="0"/>
-              </a:rPr>
-              <a:t>) con la matrice </a:t>
-            </a:r>
-            <a:r>
-              <a:rPr lang="it-IT" sz="1200" i="1" dirty="0">
-                <a:latin typeface="Calibri" panose="020F0502020204030204" pitchFamily="34" charset="0"/>
-                <a:ea typeface="Times New Roman" panose="02020603050405020304" pitchFamily="18" charset="0"/>
-                <a:cs typeface="Times New Roman" panose="02020603050405020304" pitchFamily="18" charset="0"/>
-              </a:rPr>
-              <a:t>ex15</a:t>
-            </a:r>
-            <a:r>
-              <a:rPr lang="it-IT" sz="1200" dirty="0">
-                <a:latin typeface="Calibri" panose="020F0502020204030204" pitchFamily="34" charset="0"/>
-                <a:ea typeface="Times New Roman" panose="02020603050405020304" pitchFamily="18" charset="0"/>
-                <a:cs typeface="Times New Roman" panose="02020603050405020304" pitchFamily="18" charset="0"/>
-              </a:rPr>
-              <a:t>, si ha poi un picco con la matrice </a:t>
-            </a:r>
-            <a:r>
-              <a:rPr lang="it-IT" sz="1200" i="1" dirty="0">
-                <a:latin typeface="Calibri" panose="020F0502020204030204" pitchFamily="34" charset="0"/>
-                <a:ea typeface="Times New Roman" panose="02020603050405020304" pitchFamily="18" charset="0"/>
-                <a:cs typeface="Times New Roman" panose="02020603050405020304" pitchFamily="18" charset="0"/>
-              </a:rPr>
-              <a:t>shallow_water1</a:t>
-            </a:r>
-            <a:r>
-              <a:rPr lang="it-IT" sz="1200" dirty="0">
-                <a:latin typeface="Calibri" panose="020F0502020204030204" pitchFamily="34" charset="0"/>
-                <a:ea typeface="Times New Roman" panose="02020603050405020304" pitchFamily="18" charset="0"/>
-                <a:cs typeface="Times New Roman" panose="02020603050405020304" pitchFamily="18" charset="0"/>
-              </a:rPr>
-              <a:t> raggiungendo un valore molto basso (ordine di grande 10</a:t>
-            </a:r>
-            <a:r>
-              <a:rPr lang="it-IT" sz="1200" baseline="30000" dirty="0">
-                <a:latin typeface="Calibri" panose="020F0502020204030204" pitchFamily="34" charset="0"/>
-                <a:ea typeface="Times New Roman" panose="02020603050405020304" pitchFamily="18" charset="0"/>
-                <a:cs typeface="Times New Roman" panose="02020603050405020304" pitchFamily="18" charset="0"/>
-              </a:rPr>
-              <a:t>-16</a:t>
-            </a:r>
-            <a:r>
-              <a:rPr lang="it-IT" sz="1200" dirty="0">
-                <a:latin typeface="Calibri" panose="020F0502020204030204" pitchFamily="34" charset="0"/>
-                <a:ea typeface="Times New Roman" panose="02020603050405020304" pitchFamily="18" charset="0"/>
-                <a:cs typeface="Times New Roman" panose="02020603050405020304" pitchFamily="18" charset="0"/>
-              </a:rPr>
-              <a:t>). Procedendo con matrici più grandi, aumenta lievemente l’errore, tranne nel caso di </a:t>
-            </a:r>
-            <a:r>
-              <a:rPr lang="it-IT" sz="1200" i="1" dirty="0">
-                <a:latin typeface="Calibri" panose="020F0502020204030204" pitchFamily="34" charset="0"/>
-                <a:ea typeface="Times New Roman" panose="02020603050405020304" pitchFamily="18" charset="0"/>
-                <a:cs typeface="Times New Roman" panose="02020603050405020304" pitchFamily="18" charset="0"/>
-              </a:rPr>
-              <a:t>G3_circuit</a:t>
-            </a:r>
-            <a:r>
-              <a:rPr lang="it-IT" sz="1200" dirty="0">
-                <a:latin typeface="Calibri" panose="020F0502020204030204" pitchFamily="34" charset="0"/>
-                <a:ea typeface="Times New Roman" panose="02020603050405020304" pitchFamily="18" charset="0"/>
-                <a:cs typeface="Times New Roman" panose="02020603050405020304" pitchFamily="18" charset="0"/>
-              </a:rPr>
-              <a:t> dove abbiamo una live flessione. </a:t>
-            </a:r>
-            <a:endParaRPr lang="it-IT" sz="1200" dirty="0">
-              <a:effectLst/>
-              <a:latin typeface="Arial" panose="020B0604020202020204" pitchFamily="34" charset="0"/>
-              <a:ea typeface="Times New Roman" panose="02020603050405020304" pitchFamily="18" charset="0"/>
-              <a:cs typeface="Times New Roman" panose="02020603050405020304" pitchFamily="18" charset="0"/>
-            </a:endParaRPr>
+            <a:pPr algn="just"/>
+            <a:r>
+              <a:rPr lang="it-IT" dirty="0"/>
+              <a:t>Per quanto riguarda gli errori relativi si parte in entrambe i casi con un errore relativamente alto per la matrice ex15, si ha poi un picco verso il basso con la matrice </a:t>
+            </a:r>
+            <a:r>
+              <a:rPr lang="it-IT" dirty="0" err="1"/>
+              <a:t>shallow</a:t>
+            </a:r>
+            <a:r>
+              <a:rPr lang="it-IT" dirty="0"/>
+              <a:t> water1 ), mentre procedendo con matrici </a:t>
+            </a:r>
+            <a:r>
+              <a:rPr lang="it-IT" dirty="0" err="1"/>
+              <a:t>piu`</a:t>
+            </a:r>
+            <a:r>
+              <a:rPr lang="it-IT" dirty="0"/>
+              <a:t> grandi aumenta lievemente l’errore, tranne nel caso di G3 </a:t>
+            </a:r>
+            <a:r>
+              <a:rPr lang="it-IT" dirty="0" err="1"/>
+              <a:t>circuit</a:t>
+            </a:r>
+            <a:r>
+              <a:rPr lang="it-IT" dirty="0"/>
+              <a:t> dove si ha una lieve </a:t>
+            </a:r>
+            <a:r>
+              <a:rPr lang="it-IT" dirty="0" err="1"/>
+              <a:t>ﬂessione</a:t>
+            </a:r>
+            <a:r>
+              <a:rPr lang="it-IT" dirty="0"/>
+              <a:t>.</a:t>
+            </a:r>
+          </a:p>
+          <a:p>
+            <a:r>
+              <a:rPr lang="it-IT" dirty="0"/>
+              <a:t> </a:t>
+            </a:r>
           </a:p>
         </p:txBody>
       </p:sp>
     </p:spTree>
     <p:extLst>
       <p:ext uri="{BB962C8B-B14F-4D97-AF65-F5344CB8AC3E}">
-        <p14:creationId xmlns:p14="http://schemas.microsoft.com/office/powerpoint/2010/main" val="3612976620"/>
+        <p14:creationId xmlns:p14="http://schemas.microsoft.com/office/powerpoint/2010/main" val="1424281258"/>
       </p:ext>
     </p:extLst>
   </p:cSld>
